--- a/files/slides/lecture_17.pptx
+++ b/files/slides/lecture_17.pptx
@@ -16983,7 +16983,7 @@
         </p:blipFill>
         <p:spPr>
           <a:xfrm>
-            <a:off x="3913505" y="4074160"/>
+            <a:off x="3955415" y="4015740"/>
             <a:ext cx="3743325" cy="1171575"/>
           </a:xfrm>
           <a:prstGeom prst="rect">
@@ -20512,7 +20512,7 @@
                           <a:ea typeface="微软雅黑" panose="020B0503020204020204" charset="-122"/>
                           <a:cs typeface="Cambria Math" panose="02040503050406030204" charset="0"/>
                         </a:rPr>
-                        <m:t>）</m:t>
+                        <m:t>）−</m:t>
                       </m:r>
                       <m:r>
                         <a:rPr lang="en-US" altLang="zh-CN" i="1">
@@ -20523,7 +20523,7 @@
                           <a:ea typeface="微软雅黑" panose="020B0503020204020204" charset="-122"/>
                           <a:cs typeface="Cambria Math" panose="02040503050406030204" charset="0"/>
                         </a:rPr>
-                        <m:t>−𝐴</m:t>
+                        <m:t>𝐴</m:t>
                       </m:r>
                     </m:oMath>
                   </m:oMathPara>
@@ -20858,18 +20858,7 @@
                           <a:ea typeface="微软雅黑" panose="020B0503020204020204" charset="-122"/>
                           <a:cs typeface="Cambria Math" panose="02040503050406030204" charset="0"/>
                         </a:rPr>
-                        <m:t>−</m:t>
-                      </m:r>
-                      <m:r>
-                        <a:rPr lang="en-US" altLang="zh-CN" i="1">
-                          <a:solidFill>
-                            <a:schemeClr val="tx1"/>
-                          </a:solidFill>
-                          <a:latin typeface="Cambria Math" panose="02040503050406030204" charset="0"/>
-                          <a:ea typeface="微软雅黑" panose="020B0503020204020204" charset="-122"/>
-                          <a:cs typeface="Cambria Math" panose="02040503050406030204" charset="0"/>
-                        </a:rPr>
-                        <m:t>（</m:t>
+                        <m:t>−（</m:t>
                       </m:r>
                       <m:r>
                         <a:rPr lang="en-US" altLang="zh-CN" i="1">
@@ -20924,7 +20913,29 @@
                           <a:ea typeface="微软雅黑" panose="020B0503020204020204" charset="-122"/>
                           <a:cs typeface="Cambria Math" panose="02040503050406030204" charset="0"/>
                         </a:rPr>
-                        <m:t>𝐴−𝐴</m:t>
+                        <m:t>𝐴</m:t>
+                      </m:r>
+                      <m:r>
+                        <a:rPr lang="en-US" altLang="zh-CN" i="1">
+                          <a:solidFill>
+                            <a:schemeClr val="tx1"/>
+                          </a:solidFill>
+                          <a:latin typeface="Cambria Math" panose="02040503050406030204" charset="0"/>
+                          <a:ea typeface="微软雅黑" panose="020B0503020204020204" charset="-122"/>
+                          <a:cs typeface="Cambria Math" panose="02040503050406030204" charset="0"/>
+                        </a:rPr>
+                        <m:t>−</m:t>
+                      </m:r>
+                      <m:r>
+                        <a:rPr lang="en-US" altLang="zh-CN" i="1">
+                          <a:solidFill>
+                            <a:schemeClr val="tx1"/>
+                          </a:solidFill>
+                          <a:latin typeface="Cambria Math" panose="02040503050406030204" charset="0"/>
+                          <a:ea typeface="微软雅黑" panose="020B0503020204020204" charset="-122"/>
+                          <a:cs typeface="Cambria Math" panose="02040503050406030204" charset="0"/>
+                        </a:rPr>
+                        <m:t>𝐴</m:t>
                       </m:r>
                     </m:oMath>
                   </m:oMathPara>
@@ -21102,7 +21113,7 @@
                           <a:ea typeface="微软雅黑" panose="020B0503020204020204" charset="-122"/>
                           <a:cs typeface="Cambria Math" panose="02040503050406030204" charset="0"/>
                         </a:rPr>
-                        <m:t>）</m:t>
+                        <m:t>）−</m:t>
                       </m:r>
                       <m:r>
                         <a:rPr lang="en-US" altLang="zh-CN" i="1">
@@ -21113,7 +21124,7 @@
                           <a:ea typeface="微软雅黑" panose="020B0503020204020204" charset="-122"/>
                           <a:cs typeface="Cambria Math" panose="02040503050406030204" charset="0"/>
                         </a:rPr>
-                        <m:t>−𝐴</m:t>
+                        <m:t>𝐴</m:t>
                       </m:r>
                       <m:r>
                         <a:rPr lang="en-US" altLang="zh-CN" i="1">
@@ -21420,7 +21431,29 @@
                           <a:ea typeface="微软雅黑" panose="020B0503020204020204" charset="-122"/>
                           <a:cs typeface="Cambria Math" panose="02040503050406030204" charset="0"/>
                         </a:rPr>
-                        <m:t>𝐴−𝐴</m:t>
+                        <m:t>𝐴</m:t>
+                      </m:r>
+                      <m:r>
+                        <a:rPr lang="en-US" altLang="zh-CN" i="1">
+                          <a:solidFill>
+                            <a:schemeClr val="tx1"/>
+                          </a:solidFill>
+                          <a:latin typeface="Cambria Math" panose="02040503050406030204" charset="0"/>
+                          <a:ea typeface="微软雅黑" panose="020B0503020204020204" charset="-122"/>
+                          <a:cs typeface="Cambria Math" panose="02040503050406030204" charset="0"/>
+                        </a:rPr>
+                        <m:t>−</m:t>
+                      </m:r>
+                      <m:r>
+                        <a:rPr lang="en-US" altLang="zh-CN" i="1">
+                          <a:solidFill>
+                            <a:schemeClr val="tx1"/>
+                          </a:solidFill>
+                          <a:latin typeface="Cambria Math" panose="02040503050406030204" charset="0"/>
+                          <a:ea typeface="微软雅黑" panose="020B0503020204020204" charset="-122"/>
+                          <a:cs typeface="Cambria Math" panose="02040503050406030204" charset="0"/>
+                        </a:rPr>
+                        <m:t>𝐴</m:t>
                       </m:r>
                     </m:oMath>
                   </m:oMathPara>
@@ -21541,7 +21574,18 @@
                               <a:ea typeface="微软雅黑" panose="020B0503020204020204" charset="-122"/>
                               <a:cs typeface="Cambria Math" panose="02040503050406030204" charset="0"/>
                             </a:rPr>
-                            <m:t>2</m:t>
+                            <m:t>𝑛−</m:t>
+                          </m:r>
+                          <m:r>
+                            <a:rPr lang="en-US" altLang="zh-CN" i="1">
+                              <a:solidFill>
+                                <a:schemeClr val="tx1"/>
+                              </a:solidFill>
+                              <a:latin typeface="Cambria Math" panose="02040503050406030204" charset="0"/>
+                              <a:ea typeface="微软雅黑" panose="020B0503020204020204" charset="-122"/>
+                              <a:cs typeface="Cambria Math" panose="02040503050406030204" charset="0"/>
+                            </a:rPr>
+                            <m:t>1</m:t>
                           </m:r>
                         </m:sub>
                       </m:sSub>
@@ -21837,7 +21881,18 @@
                               <a:ea typeface="微软雅黑" panose="020B0503020204020204" charset="-122"/>
                               <a:cs typeface="Cambria Math" panose="02040503050406030204" charset="0"/>
                             </a:rPr>
-                            <m:t>𝑛−</m:t>
+                            <m:t>𝑛</m:t>
+                          </m:r>
+                          <m:r>
+                            <a:rPr lang="en-US" altLang="zh-CN" i="1">
+                              <a:solidFill>
+                                <a:schemeClr val="tx1"/>
+                              </a:solidFill>
+                              <a:latin typeface="Cambria Math" panose="02040503050406030204" charset="0"/>
+                              <a:ea typeface="微软雅黑" panose="020B0503020204020204" charset="-122"/>
+                              <a:cs typeface="Cambria Math" panose="02040503050406030204" charset="0"/>
+                            </a:rPr>
+                            <m:t>−</m:t>
                           </m:r>
                           <m:r>
                             <a:rPr lang="en-US" altLang="zh-CN" i="1">
@@ -22480,18 +22535,7 @@
                             <a:ea typeface="微软雅黑" panose="020B0503020204020204" charset="-122"/>
                             <a:cs typeface="Cambria Math" panose="02040503050406030204" charset="0"/>
                           </a:rPr>
-                          <m:t>−</m:t>
-                        </m:r>
-                        <m:r>
-                          <a:rPr lang="en-US" altLang="zh-CN" i="1">
-                            <a:solidFill>
-                              <a:schemeClr val="tx1"/>
-                            </a:solidFill>
-                            <a:latin typeface="Cambria Math" panose="02040503050406030204" charset="0"/>
-                            <a:ea typeface="微软雅黑" panose="020B0503020204020204" charset="-122"/>
-                            <a:cs typeface="Cambria Math" panose="02040503050406030204" charset="0"/>
-                          </a:rPr>
-                          <m:t>（</m:t>
+                          <m:t>−（</m:t>
                         </m:r>
                         <m:r>
                           <a:rPr lang="en-US" altLang="zh-CN" i="1">
@@ -22513,7 +22557,18 @@
                             <a:ea typeface="微软雅黑" panose="020B0503020204020204" charset="-122"/>
                             <a:cs typeface="Cambria Math" panose="02040503050406030204" charset="0"/>
                           </a:rPr>
-                          <m:t>−𝑟</m:t>
+                          <m:t>−</m:t>
+                        </m:r>
+                        <m:r>
+                          <a:rPr lang="en-US" altLang="zh-CN" i="1">
+                            <a:solidFill>
+                              <a:schemeClr val="tx1"/>
+                            </a:solidFill>
+                            <a:latin typeface="Cambria Math" panose="02040503050406030204" charset="0"/>
+                            <a:ea typeface="微软雅黑" panose="020B0503020204020204" charset="-122"/>
+                            <a:cs typeface="Cambria Math" panose="02040503050406030204" charset="0"/>
+                          </a:rPr>
+                          <m:t>𝑟</m:t>
                         </m:r>
                         <m:r>
                           <a:rPr lang="en-US" altLang="zh-CN" i="1">

--- a/files/slides/lecture_17.pptx
+++ b/files/slides/lecture_17.pptx
@@ -8,42 +8,41 @@
     <p:notesMasterId r:id="rId5"/>
   </p:notesMasterIdLst>
   <p:handoutMasterIdLst>
-    <p:handoutMasterId r:id="rId37"/>
+    <p:handoutMasterId r:id="rId36"/>
   </p:handoutMasterIdLst>
   <p:sldIdLst>
     <p:sldId id="276" r:id="rId3"/>
     <p:sldId id="319" r:id="rId4"/>
-    <p:sldId id="373" r:id="rId6"/>
-    <p:sldId id="320" r:id="rId7"/>
-    <p:sldId id="377" r:id="rId8"/>
-    <p:sldId id="378" r:id="rId9"/>
-    <p:sldId id="379" r:id="rId10"/>
-    <p:sldId id="380" r:id="rId11"/>
-    <p:sldId id="381" r:id="rId12"/>
-    <p:sldId id="382" r:id="rId13"/>
-    <p:sldId id="383" r:id="rId14"/>
-    <p:sldId id="376" r:id="rId15"/>
-    <p:sldId id="384" r:id="rId16"/>
-    <p:sldId id="385" r:id="rId17"/>
-    <p:sldId id="386" r:id="rId18"/>
-    <p:sldId id="387" r:id="rId19"/>
-    <p:sldId id="388" r:id="rId20"/>
-    <p:sldId id="398" r:id="rId21"/>
-    <p:sldId id="401" r:id="rId22"/>
-    <p:sldId id="402" r:id="rId23"/>
-    <p:sldId id="403" r:id="rId24"/>
-    <p:sldId id="404" r:id="rId25"/>
-    <p:sldId id="405" r:id="rId26"/>
-    <p:sldId id="406" r:id="rId27"/>
-    <p:sldId id="407" r:id="rId28"/>
-    <p:sldId id="321" r:id="rId29"/>
-    <p:sldId id="322" r:id="rId30"/>
-    <p:sldId id="374" r:id="rId31"/>
-    <p:sldId id="375" r:id="rId32"/>
-    <p:sldId id="395" r:id="rId33"/>
-    <p:sldId id="397" r:id="rId34"/>
-    <p:sldId id="396" r:id="rId35"/>
-    <p:sldId id="283" r:id="rId36"/>
+    <p:sldId id="320" r:id="rId6"/>
+    <p:sldId id="377" r:id="rId7"/>
+    <p:sldId id="378" r:id="rId8"/>
+    <p:sldId id="379" r:id="rId9"/>
+    <p:sldId id="380" r:id="rId10"/>
+    <p:sldId id="381" r:id="rId11"/>
+    <p:sldId id="382" r:id="rId12"/>
+    <p:sldId id="383" r:id="rId13"/>
+    <p:sldId id="376" r:id="rId14"/>
+    <p:sldId id="384" r:id="rId15"/>
+    <p:sldId id="385" r:id="rId16"/>
+    <p:sldId id="386" r:id="rId17"/>
+    <p:sldId id="387" r:id="rId18"/>
+    <p:sldId id="388" r:id="rId19"/>
+    <p:sldId id="398" r:id="rId20"/>
+    <p:sldId id="401" r:id="rId21"/>
+    <p:sldId id="402" r:id="rId22"/>
+    <p:sldId id="403" r:id="rId23"/>
+    <p:sldId id="404" r:id="rId24"/>
+    <p:sldId id="405" r:id="rId25"/>
+    <p:sldId id="406" r:id="rId26"/>
+    <p:sldId id="407" r:id="rId27"/>
+    <p:sldId id="321" r:id="rId28"/>
+    <p:sldId id="322" r:id="rId29"/>
+    <p:sldId id="374" r:id="rId30"/>
+    <p:sldId id="375" r:id="rId31"/>
+    <p:sldId id="395" r:id="rId32"/>
+    <p:sldId id="397" r:id="rId33"/>
+    <p:sldId id="396" r:id="rId34"/>
+    <p:sldId id="283" r:id="rId35"/>
   </p:sldIdLst>
   <p:sldSz cx="12192000" cy="6858000"/>
   <p:notesSz cx="7103745" cy="10234295"/>
@@ -2445,84 +2444,6 @@
 </file>
 
 <file path=ppt/notesSlides/notesSlide30.xml><?xml version="1.0" encoding="utf-8"?>
-<p:notes xmlns:a="http://schemas.openxmlformats.org/drawingml/2006/main" xmlns:r="http://schemas.openxmlformats.org/officeDocument/2006/relationships" xmlns:p="http://schemas.openxmlformats.org/presentationml/2006/main">
-  <p:cSld>
-    <p:spTree>
-      <p:nvGrpSpPr>
-        <p:cNvPr id="1" name=""/>
-        <p:cNvGrpSpPr/>
-        <p:nvPr/>
-      </p:nvGrpSpPr>
-      <p:grpSpPr>
-        <a:xfrm>
-          <a:off x="0" y="0"/>
-          <a:ext cx="0" cy="0"/>
-          <a:chOff x="0" y="0"/>
-          <a:chExt cx="0" cy="0"/>
-        </a:xfrm>
-      </p:grpSpPr>
-      <p:sp>
-        <p:nvSpPr>
-          <p:cNvPr id="2" name="幻灯片图像占位符 1"/>
-          <p:cNvSpPr>
-            <a:spLocks noGrp="true" noRot="true" noChangeAspect="true"/>
-          </p:cNvSpPr>
-          <p:nvPr>
-            <p:ph type="sldImg"/>
-          </p:nvPr>
-        </p:nvSpPr>
-        <p:spPr/>
-      </p:sp>
-      <p:sp>
-        <p:nvSpPr>
-          <p:cNvPr id="3" name="备注占位符 2"/>
-          <p:cNvSpPr>
-            <a:spLocks noGrp="true"/>
-          </p:cNvSpPr>
-          <p:nvPr>
-            <p:ph type="body" idx="1"/>
-          </p:nvPr>
-        </p:nvSpPr>
-        <p:spPr/>
-        <p:txBody>
-          <a:bodyPr/>
-          <a:lstStyle/>
-          <a:p>
-            <a:endParaRPr lang="zh-CN" dirty="0"/>
-          </a:p>
-        </p:txBody>
-      </p:sp>
-      <p:sp>
-        <p:nvSpPr>
-          <p:cNvPr id="4" name="灯片编号占位符 3"/>
-          <p:cNvSpPr>
-            <a:spLocks noGrp="true"/>
-          </p:cNvSpPr>
-          <p:nvPr>
-            <p:ph type="sldNum" sz="quarter" idx="10"/>
-          </p:nvPr>
-        </p:nvSpPr>
-        <p:spPr/>
-        <p:txBody>
-          <a:bodyPr/>
-          <a:lstStyle/>
-          <a:p>
-            <a:fld id="{7B963944-84AD-4C31-99FF-18D9B5868545}" type="slidenum">
-              <a:rPr lang="zh-CN" altLang="en-US" smtClean="0"/>
-            </a:fld>
-            <a:endParaRPr lang="zh-CN" altLang="en-US"/>
-          </a:p>
-        </p:txBody>
-      </p:sp>
-    </p:spTree>
-  </p:cSld>
-  <p:clrMapOvr>
-    <a:masterClrMapping/>
-  </p:clrMapOvr>
-</p:notes>
-</file>
-
-<file path=ppt/notesSlides/notesSlide31.xml><?xml version="1.0" encoding="utf-8"?>
 <p:notes xmlns:a="http://schemas.openxmlformats.org/drawingml/2006/main" xmlns:r="http://schemas.openxmlformats.org/officeDocument/2006/relationships" xmlns:p="http://schemas.openxmlformats.org/presentationml/2006/main">
   <p:cSld>
     <p:spTree>
@@ -6899,532 +6820,6 @@
         <p:spPr>
           <a:xfrm>
             <a:off x="944880" y="826770"/>
-            <a:ext cx="3106420" cy="423545"/>
-          </a:xfrm>
-          <a:prstGeom prst="rect">
-            <a:avLst/>
-          </a:prstGeom>
-          <a:noFill/>
-        </p:spPr>
-        <p:txBody>
-          <a:bodyPr wrap="square" rtlCol="0">
-            <a:spAutoFit/>
-          </a:bodyPr>
-          <a:p>
-            <a:pPr fontAlgn="auto">
-              <a:lnSpc>
-                <a:spcPct val="120000"/>
-              </a:lnSpc>
-              <a:spcBef>
-                <a:spcPts val="600"/>
-              </a:spcBef>
-              <a:spcAft>
-                <a:spcPts val="600"/>
-              </a:spcAft>
-            </a:pPr>
-            <a:r>
-              <a:rPr lang="zh-CN" altLang="en-US">
-                <a:latin typeface="微软雅黑" panose="020B0503020204020204" charset="-122"/>
-                <a:ea typeface="微软雅黑" panose="020B0503020204020204" charset="-122"/>
-                <a:cs typeface="微软雅黑" panose="020B0503020204020204" charset="-122"/>
-              </a:rPr>
-              <a:t>你用的利率对结果有影响！</a:t>
-            </a:r>
-            <a:endParaRPr lang="zh-CN" altLang="en-US">
-              <a:latin typeface="微软雅黑" panose="020B0503020204020204" charset="-122"/>
-              <a:ea typeface="微软雅黑" panose="020B0503020204020204" charset="-122"/>
-              <a:cs typeface="微软雅黑" panose="020B0503020204020204" charset="-122"/>
-            </a:endParaRPr>
-          </a:p>
-        </p:txBody>
-      </p:sp>
-      <p:pic>
-        <p:nvPicPr>
-          <p:cNvPr id="2" name="图片 1"/>
-          <p:cNvPicPr>
-            <a:picLocks noChangeAspect="true"/>
-          </p:cNvPicPr>
-          <p:nvPr/>
-        </p:nvPicPr>
-        <p:blipFill>
-          <a:blip r:embed="rId4"/>
-          <a:stretch>
-            <a:fillRect/>
-          </a:stretch>
-        </p:blipFill>
-        <p:spPr>
-          <a:xfrm>
-            <a:off x="1965325" y="1356360"/>
-            <a:ext cx="8261350" cy="5198745"/>
-          </a:xfrm>
-          <a:prstGeom prst="rect">
-            <a:avLst/>
-          </a:prstGeom>
-        </p:spPr>
-      </p:pic>
-    </p:spTree>
-  </p:cSld>
-  <p:clrMapOvr>
-    <a:masterClrMapping/>
-  </p:clrMapOvr>
-  <mc:AlternateContent xmlns:mc="http://schemas.openxmlformats.org/markup-compatibility/2006">
-    <mc:Choice xmlns:p14="http://schemas.microsoft.com/office/powerpoint/2010/main" Requires="p14">
-      <p:transition spd="slow" p14:dur="1250" advTm="0"/>
-    </mc:Choice>
-    <mc:Fallback>
-      <p:transition spd="slow" advTm="0"/>
-    </mc:Fallback>
-  </mc:AlternateContent>
-  <p:timing>
-    <p:tnLst>
-      <p:par>
-        <p:cTn id="1" dur="indefinite" restart="never" nodeType="tmRoot"/>
-      </p:par>
-    </p:tnLst>
-  </p:timing>
-</p:sld>
-</file>
-
-<file path=ppt/slides/slide11.xml><?xml version="1.0" encoding="utf-8"?>
-<p:sld xmlns:a="http://schemas.openxmlformats.org/drawingml/2006/main" xmlns:r="http://schemas.openxmlformats.org/officeDocument/2006/relationships" xmlns:p="http://schemas.openxmlformats.org/presentationml/2006/main">
-  <p:cSld>
-    <p:spTree>
-      <p:nvGrpSpPr>
-        <p:cNvPr id="1" name=""/>
-        <p:cNvGrpSpPr/>
-        <p:nvPr/>
-      </p:nvGrpSpPr>
-      <p:grpSpPr>
-        <a:xfrm>
-          <a:off x="0" y="0"/>
-          <a:ext cx="0" cy="0"/>
-          <a:chOff x="0" y="0"/>
-          <a:chExt cx="0" cy="0"/>
-        </a:xfrm>
-      </p:grpSpPr>
-      <p:grpSp>
-        <p:nvGrpSpPr>
-          <p:cNvPr id="18" name="组合 17"/>
-          <p:cNvGrpSpPr/>
-          <p:nvPr/>
-        </p:nvGrpSpPr>
-        <p:grpSpPr>
-          <a:xfrm>
-            <a:off x="-2" y="0"/>
-            <a:ext cx="12192002" cy="6858000"/>
-            <a:chOff x="-2" y="0"/>
-            <a:chExt cx="12192002" cy="6858000"/>
-          </a:xfrm>
-        </p:grpSpPr>
-        <p:pic>
-          <p:nvPicPr>
-            <p:cNvPr id="19" name="图片 18"/>
-            <p:cNvPicPr>
-              <a:picLocks noChangeAspect="true"/>
-            </p:cNvPicPr>
-            <p:nvPr/>
-          </p:nvPicPr>
-          <p:blipFill rotWithShape="true">
-            <a:blip r:embed="rId1" cstate="screen">
-              <a:extLst>
-                <a:ext uri="{BEBA8EAE-BF5A-486C-A8C5-ECC9F3942E4B}">
-                  <a14:imgProps xmlns:a14="http://schemas.microsoft.com/office/drawing/2010/main">
-                    <a14:imgLayer r:embed="rId2">
-                      <a14:imgEffect>
-                        <a14:brightnessContrast bright="9000"/>
-                      </a14:imgEffect>
-                    </a14:imgLayer>
-                  </a14:imgProps>
-                </a:ext>
-              </a:extLst>
-            </a:blip>
-            <a:srcRect/>
-            <a:stretch>
-              <a:fillRect/>
-            </a:stretch>
-          </p:blipFill>
-          <p:spPr>
-            <a:xfrm>
-              <a:off x="-1" y="0"/>
-              <a:ext cx="12192001" cy="6858000"/>
-            </a:xfrm>
-            <a:prstGeom prst="rect">
-              <a:avLst/>
-            </a:prstGeom>
-          </p:spPr>
-        </p:pic>
-        <p:pic>
-          <p:nvPicPr>
-            <p:cNvPr id="20" name="图片 19"/>
-            <p:cNvPicPr>
-              <a:picLocks noChangeAspect="true"/>
-            </p:cNvPicPr>
-            <p:nvPr/>
-          </p:nvPicPr>
-          <p:blipFill>
-            <a:blip r:embed="rId3">
-              <a:lum bright="70000" contrast="-70000"/>
-            </a:blip>
-            <a:srcRect l="4950"/>
-            <a:stretch>
-              <a:fillRect/>
-            </a:stretch>
-          </p:blipFill>
-          <p:spPr>
-            <a:xfrm>
-              <a:off x="5707965" y="2575"/>
-              <a:ext cx="6484035" cy="77036"/>
-            </a:xfrm>
-            <a:custGeom>
-              <a:avLst/>
-              <a:gdLst>
-                <a:gd name="connsiteX0" fmla="*/ 137250 w 4702465"/>
-                <a:gd name="connsiteY0" fmla="*/ 0 h 222240"/>
-                <a:gd name="connsiteX1" fmla="*/ 4702465 w 4702465"/>
-                <a:gd name="connsiteY1" fmla="*/ 0 h 222240"/>
-                <a:gd name="connsiteX2" fmla="*/ 4702465 w 4702465"/>
-                <a:gd name="connsiteY2" fmla="*/ 222240 h 222240"/>
-                <a:gd name="connsiteX3" fmla="*/ 0 w 4702465"/>
-                <a:gd name="connsiteY3" fmla="*/ 222240 h 222240"/>
-              </a:gdLst>
-              <a:ahLst/>
-              <a:cxnLst>
-                <a:cxn ang="0">
-                  <a:pos x="connsiteX0" y="connsiteY0"/>
-                </a:cxn>
-                <a:cxn ang="0">
-                  <a:pos x="connsiteX1" y="connsiteY1"/>
-                </a:cxn>
-                <a:cxn ang="0">
-                  <a:pos x="connsiteX2" y="connsiteY2"/>
-                </a:cxn>
-                <a:cxn ang="0">
-                  <a:pos x="connsiteX3" y="connsiteY3"/>
-                </a:cxn>
-              </a:cxnLst>
-              <a:rect l="l" t="t" r="r" b="b"/>
-              <a:pathLst>
-                <a:path w="4702465" h="222240">
-                  <a:moveTo>
-                    <a:pt x="137250" y="0"/>
-                  </a:moveTo>
-                  <a:lnTo>
-                    <a:pt x="4702465" y="0"/>
-                  </a:lnTo>
-                  <a:lnTo>
-                    <a:pt x="4702465" y="222240"/>
-                  </a:lnTo>
-                  <a:lnTo>
-                    <a:pt x="0" y="222240"/>
-                  </a:lnTo>
-                  <a:close/>
-                </a:path>
-              </a:pathLst>
-            </a:custGeom>
-            <a:solidFill>
-              <a:schemeClr val="bg1"/>
-            </a:solidFill>
-          </p:spPr>
-        </p:pic>
-        <p:pic>
-          <p:nvPicPr>
-            <p:cNvPr id="21" name="图片 20"/>
-            <p:cNvPicPr>
-              <a:picLocks noChangeAspect="true"/>
-            </p:cNvPicPr>
-            <p:nvPr/>
-          </p:nvPicPr>
-          <p:blipFill>
-            <a:blip r:embed="rId3">
-              <a:lum bright="70000" contrast="-70000"/>
-            </a:blip>
-            <a:srcRect l="4950" r="26116"/>
-            <a:stretch>
-              <a:fillRect/>
-            </a:stretch>
-          </p:blipFill>
-          <p:spPr>
-            <a:xfrm flipH="true" flipV="true">
-              <a:off x="-2" y="2575"/>
-              <a:ext cx="4702465" cy="77036"/>
-            </a:xfrm>
-            <a:custGeom>
-              <a:avLst/>
-              <a:gdLst>
-                <a:gd name="connsiteX0" fmla="*/ 137250 w 4702465"/>
-                <a:gd name="connsiteY0" fmla="*/ 0 h 222240"/>
-                <a:gd name="connsiteX1" fmla="*/ 4702465 w 4702465"/>
-                <a:gd name="connsiteY1" fmla="*/ 0 h 222240"/>
-                <a:gd name="connsiteX2" fmla="*/ 4702465 w 4702465"/>
-                <a:gd name="connsiteY2" fmla="*/ 222240 h 222240"/>
-                <a:gd name="connsiteX3" fmla="*/ 0 w 4702465"/>
-                <a:gd name="connsiteY3" fmla="*/ 222240 h 222240"/>
-              </a:gdLst>
-              <a:ahLst/>
-              <a:cxnLst>
-                <a:cxn ang="0">
-                  <a:pos x="connsiteX0" y="connsiteY0"/>
-                </a:cxn>
-                <a:cxn ang="0">
-                  <a:pos x="connsiteX1" y="connsiteY1"/>
-                </a:cxn>
-                <a:cxn ang="0">
-                  <a:pos x="connsiteX2" y="connsiteY2"/>
-                </a:cxn>
-                <a:cxn ang="0">
-                  <a:pos x="connsiteX3" y="connsiteY3"/>
-                </a:cxn>
-              </a:cxnLst>
-              <a:rect l="l" t="t" r="r" b="b"/>
-              <a:pathLst>
-                <a:path w="4702465" h="222240">
-                  <a:moveTo>
-                    <a:pt x="137250" y="0"/>
-                  </a:moveTo>
-                  <a:lnTo>
-                    <a:pt x="4702465" y="0"/>
-                  </a:lnTo>
-                  <a:lnTo>
-                    <a:pt x="4702465" y="222240"/>
-                  </a:lnTo>
-                  <a:lnTo>
-                    <a:pt x="0" y="222240"/>
-                  </a:lnTo>
-                  <a:close/>
-                </a:path>
-              </a:pathLst>
-            </a:custGeom>
-            <a:solidFill>
-              <a:schemeClr val="bg1"/>
-            </a:solidFill>
-          </p:spPr>
-        </p:pic>
-        <p:pic>
-          <p:nvPicPr>
-            <p:cNvPr id="22" name="图片 21"/>
-            <p:cNvPicPr>
-              <a:picLocks noChangeAspect="true"/>
-            </p:cNvPicPr>
-            <p:nvPr/>
-          </p:nvPicPr>
-          <p:blipFill>
-            <a:blip r:embed="rId3">
-              <a:lum bright="70000" contrast="-70000"/>
-            </a:blip>
-            <a:srcRect l="4950"/>
-            <a:stretch>
-              <a:fillRect/>
-            </a:stretch>
-          </p:blipFill>
-          <p:spPr>
-            <a:xfrm rot="10800000">
-              <a:off x="-2" y="6759208"/>
-              <a:ext cx="6484035" cy="95234"/>
-            </a:xfrm>
-            <a:custGeom>
-              <a:avLst/>
-              <a:gdLst>
-                <a:gd name="connsiteX0" fmla="*/ 137250 w 4702465"/>
-                <a:gd name="connsiteY0" fmla="*/ 0 h 222240"/>
-                <a:gd name="connsiteX1" fmla="*/ 4702465 w 4702465"/>
-                <a:gd name="connsiteY1" fmla="*/ 0 h 222240"/>
-                <a:gd name="connsiteX2" fmla="*/ 4702465 w 4702465"/>
-                <a:gd name="connsiteY2" fmla="*/ 222240 h 222240"/>
-                <a:gd name="connsiteX3" fmla="*/ 0 w 4702465"/>
-                <a:gd name="connsiteY3" fmla="*/ 222240 h 222240"/>
-              </a:gdLst>
-              <a:ahLst/>
-              <a:cxnLst>
-                <a:cxn ang="0">
-                  <a:pos x="connsiteX0" y="connsiteY0"/>
-                </a:cxn>
-                <a:cxn ang="0">
-                  <a:pos x="connsiteX1" y="connsiteY1"/>
-                </a:cxn>
-                <a:cxn ang="0">
-                  <a:pos x="connsiteX2" y="connsiteY2"/>
-                </a:cxn>
-                <a:cxn ang="0">
-                  <a:pos x="connsiteX3" y="connsiteY3"/>
-                </a:cxn>
-              </a:cxnLst>
-              <a:rect l="l" t="t" r="r" b="b"/>
-              <a:pathLst>
-                <a:path w="4702465" h="222240">
-                  <a:moveTo>
-                    <a:pt x="137250" y="0"/>
-                  </a:moveTo>
-                  <a:lnTo>
-                    <a:pt x="4702465" y="0"/>
-                  </a:lnTo>
-                  <a:lnTo>
-                    <a:pt x="4702465" y="222240"/>
-                  </a:lnTo>
-                  <a:lnTo>
-                    <a:pt x="0" y="222240"/>
-                  </a:lnTo>
-                  <a:close/>
-                </a:path>
-              </a:pathLst>
-            </a:custGeom>
-            <a:solidFill>
-              <a:schemeClr val="bg1"/>
-            </a:solidFill>
-          </p:spPr>
-        </p:pic>
-        <p:pic>
-          <p:nvPicPr>
-            <p:cNvPr id="25" name="图片 24"/>
-            <p:cNvPicPr>
-              <a:picLocks noChangeAspect="true"/>
-            </p:cNvPicPr>
-            <p:nvPr/>
-          </p:nvPicPr>
-          <p:blipFill>
-            <a:blip r:embed="rId3">
-              <a:lum bright="70000" contrast="-70000"/>
-            </a:blip>
-            <a:srcRect l="4950" r="26116"/>
-            <a:stretch>
-              <a:fillRect/>
-            </a:stretch>
-          </p:blipFill>
-          <p:spPr>
-            <a:xfrm rot="10800000" flipH="true" flipV="true">
-              <a:off x="7489535" y="6759208"/>
-              <a:ext cx="4702465" cy="95234"/>
-            </a:xfrm>
-            <a:custGeom>
-              <a:avLst/>
-              <a:gdLst>
-                <a:gd name="connsiteX0" fmla="*/ 137250 w 4702465"/>
-                <a:gd name="connsiteY0" fmla="*/ 0 h 222240"/>
-                <a:gd name="connsiteX1" fmla="*/ 4702465 w 4702465"/>
-                <a:gd name="connsiteY1" fmla="*/ 0 h 222240"/>
-                <a:gd name="connsiteX2" fmla="*/ 4702465 w 4702465"/>
-                <a:gd name="connsiteY2" fmla="*/ 222240 h 222240"/>
-                <a:gd name="connsiteX3" fmla="*/ 0 w 4702465"/>
-                <a:gd name="connsiteY3" fmla="*/ 222240 h 222240"/>
-              </a:gdLst>
-              <a:ahLst/>
-              <a:cxnLst>
-                <a:cxn ang="0">
-                  <a:pos x="connsiteX0" y="connsiteY0"/>
-                </a:cxn>
-                <a:cxn ang="0">
-                  <a:pos x="connsiteX1" y="connsiteY1"/>
-                </a:cxn>
-                <a:cxn ang="0">
-                  <a:pos x="connsiteX2" y="connsiteY2"/>
-                </a:cxn>
-                <a:cxn ang="0">
-                  <a:pos x="connsiteX3" y="connsiteY3"/>
-                </a:cxn>
-              </a:cxnLst>
-              <a:rect l="l" t="t" r="r" b="b"/>
-              <a:pathLst>
-                <a:path w="4702465" h="222240">
-                  <a:moveTo>
-                    <a:pt x="137250" y="0"/>
-                  </a:moveTo>
-                  <a:lnTo>
-                    <a:pt x="4702465" y="0"/>
-                  </a:lnTo>
-                  <a:lnTo>
-                    <a:pt x="4702465" y="222240"/>
-                  </a:lnTo>
-                  <a:lnTo>
-                    <a:pt x="0" y="222240"/>
-                  </a:lnTo>
-                  <a:close/>
-                </a:path>
-              </a:pathLst>
-            </a:custGeom>
-            <a:solidFill>
-              <a:schemeClr val="bg1"/>
-            </a:solidFill>
-          </p:spPr>
-        </p:pic>
-      </p:grpSp>
-      <p:pic>
-        <p:nvPicPr>
-          <p:cNvPr id="12" name="图片 11"/>
-          <p:cNvPicPr>
-            <a:picLocks noChangeAspect="true"/>
-          </p:cNvPicPr>
-          <p:nvPr/>
-        </p:nvPicPr>
-        <p:blipFill>
-          <a:blip r:embed="rId3"/>
-          <a:stretch>
-            <a:fillRect/>
-          </a:stretch>
-        </p:blipFill>
-        <p:spPr>
-          <a:xfrm rot="10800000">
-            <a:off x="0" y="79375"/>
-            <a:ext cx="12192000" cy="638175"/>
-          </a:xfrm>
-          <a:prstGeom prst="rect">
-            <a:avLst/>
-          </a:prstGeom>
-          <a:solidFill>
-            <a:schemeClr val="bg1"/>
-          </a:solidFill>
-        </p:spPr>
-      </p:pic>
-      <p:sp>
-        <p:nvSpPr>
-          <p:cNvPr id="14" name="文本框 13"/>
-          <p:cNvSpPr txBox="true"/>
-          <p:nvPr/>
-        </p:nvSpPr>
-        <p:spPr>
-          <a:xfrm>
-            <a:off x="314325" y="137160"/>
-            <a:ext cx="7472045" cy="583565"/>
-          </a:xfrm>
-          <a:prstGeom prst="rect">
-            <a:avLst/>
-          </a:prstGeom>
-          <a:noFill/>
-        </p:spPr>
-        <p:txBody>
-          <a:bodyPr wrap="square" rtlCol="0">
-            <a:spAutoFit/>
-          </a:bodyPr>
-          <a:p>
-            <a:r>
-              <a:rPr lang="zh-CN" altLang="en-US" sz="3200" dirty="0">
-                <a:solidFill>
-                  <a:schemeClr val="bg1"/>
-                </a:solidFill>
-                <a:latin typeface="微软雅黑" panose="020B0503020204020204" charset="-122"/>
-                <a:ea typeface="微软雅黑" panose="020B0503020204020204" charset="-122"/>
-                <a:sym typeface="+mn-ea"/>
-              </a:rPr>
-              <a:t>净现值</a:t>
-            </a:r>
-            <a:endParaRPr lang="zh-CN" altLang="en-US" sz="3200" dirty="0">
-              <a:solidFill>
-                <a:schemeClr val="bg1"/>
-              </a:solidFill>
-              <a:latin typeface="微软雅黑" panose="020B0503020204020204" charset="-122"/>
-              <a:ea typeface="微软雅黑" panose="020B0503020204020204" charset="-122"/>
-              <a:sym typeface="+mn-ea"/>
-            </a:endParaRPr>
-          </a:p>
-        </p:txBody>
-      </p:sp>
-      <p:sp>
-        <p:nvSpPr>
-          <p:cNvPr id="3" name="文本框 2"/>
-          <p:cNvSpPr txBox="true"/>
-          <p:nvPr/>
-        </p:nvSpPr>
-        <p:spPr>
-          <a:xfrm>
-            <a:off x="944880" y="826770"/>
             <a:ext cx="9932035" cy="423545"/>
           </a:xfrm>
           <a:prstGeom prst="rect">
@@ -7578,7 +6973,7 @@
 </p:sld>
 </file>
 
-<file path=ppt/slides/slide12.xml><?xml version="1.0" encoding="utf-8"?>
+<file path=ppt/slides/slide11.xml><?xml version="1.0" encoding="utf-8"?>
 <p:sld xmlns:a="http://schemas.openxmlformats.org/drawingml/2006/main" xmlns:r="http://schemas.openxmlformats.org/officeDocument/2006/relationships" xmlns:p="http://schemas.openxmlformats.org/presentationml/2006/main">
   <p:cSld>
     <p:spTree>
@@ -8104,7 +7499,7 @@
 </p:sld>
 </file>
 
-<file path=ppt/slides/slide13.xml><?xml version="1.0" encoding="utf-8"?>
+<file path=ppt/slides/slide12.xml><?xml version="1.0" encoding="utf-8"?>
 <p:sld xmlns:a="http://schemas.openxmlformats.org/drawingml/2006/main" xmlns:r="http://schemas.openxmlformats.org/officeDocument/2006/relationships" xmlns:p="http://schemas.openxmlformats.org/presentationml/2006/main">
   <p:cSld>
     <p:spTree>
@@ -8630,7 +8025,7 @@
 </p:sld>
 </file>
 
-<file path=ppt/slides/slide14.xml><?xml version="1.0" encoding="utf-8"?>
+<file path=ppt/slides/slide13.xml><?xml version="1.0" encoding="utf-8"?>
 <p:sld xmlns:a="http://schemas.openxmlformats.org/drawingml/2006/main" xmlns:r="http://schemas.openxmlformats.org/officeDocument/2006/relationships" xmlns:p="http://schemas.openxmlformats.org/presentationml/2006/main">
   <p:cSld>
     <p:spTree>
@@ -9156,7 +8551,7 @@
 </p:sld>
 </file>
 
-<file path=ppt/slides/slide15.xml><?xml version="1.0" encoding="utf-8"?>
+<file path=ppt/slides/slide14.xml><?xml version="1.0" encoding="utf-8"?>
 <p:sld xmlns:a="http://schemas.openxmlformats.org/drawingml/2006/main" xmlns:r="http://schemas.openxmlformats.org/officeDocument/2006/relationships" xmlns:p="http://schemas.openxmlformats.org/presentationml/2006/main">
   <p:cSld>
     <p:spTree>
@@ -9730,7 +9125,7 @@
 </p:sld>
 </file>
 
-<file path=ppt/slides/slide16.xml><?xml version="1.0" encoding="utf-8"?>
+<file path=ppt/slides/slide15.xml><?xml version="1.0" encoding="utf-8"?>
 <p:sld xmlns:a="http://schemas.openxmlformats.org/drawingml/2006/main" xmlns:r="http://schemas.openxmlformats.org/officeDocument/2006/relationships" xmlns:p="http://schemas.openxmlformats.org/presentationml/2006/main">
   <p:cSld>
     <p:spTree>
@@ -10335,7 +9730,7 @@
 </p:sld>
 </file>
 
-<file path=ppt/slides/slide17.xml><?xml version="1.0" encoding="utf-8"?>
+<file path=ppt/slides/slide16.xml><?xml version="1.0" encoding="utf-8"?>
 <p:sld xmlns:a="http://schemas.openxmlformats.org/drawingml/2006/main" xmlns:r="http://schemas.openxmlformats.org/officeDocument/2006/relationships" xmlns:p="http://schemas.openxmlformats.org/presentationml/2006/main">
   <p:cSld>
     <p:spTree>
@@ -10813,7 +10208,7 @@
 </p:sld>
 </file>
 
-<file path=ppt/slides/slide18.xml><?xml version="1.0" encoding="utf-8"?>
+<file path=ppt/slides/slide17.xml><?xml version="1.0" encoding="utf-8"?>
 <p:sld xmlns:a="http://schemas.openxmlformats.org/drawingml/2006/main" xmlns:r="http://schemas.openxmlformats.org/officeDocument/2006/relationships" xmlns:p="http://schemas.openxmlformats.org/presentationml/2006/main">
   <p:cSld>
     <p:spTree>
@@ -11426,6 +10821,484 @@
 </p:sld>
 </file>
 
+<file path=ppt/slides/slide18.xml><?xml version="1.0" encoding="utf-8"?>
+<p:sld xmlns:a="http://schemas.openxmlformats.org/drawingml/2006/main" xmlns:r="http://schemas.openxmlformats.org/officeDocument/2006/relationships" xmlns:p="http://schemas.openxmlformats.org/presentationml/2006/main">
+  <p:cSld>
+    <p:spTree>
+      <p:nvGrpSpPr>
+        <p:cNvPr id="1" name=""/>
+        <p:cNvGrpSpPr/>
+        <p:nvPr/>
+      </p:nvGrpSpPr>
+      <p:grpSpPr>
+        <a:xfrm>
+          <a:off x="0" y="0"/>
+          <a:ext cx="0" cy="0"/>
+          <a:chOff x="0" y="0"/>
+          <a:chExt cx="0" cy="0"/>
+        </a:xfrm>
+      </p:grpSpPr>
+      <p:grpSp>
+        <p:nvGrpSpPr>
+          <p:cNvPr id="18" name="组合 17"/>
+          <p:cNvGrpSpPr/>
+          <p:nvPr/>
+        </p:nvGrpSpPr>
+        <p:grpSpPr>
+          <a:xfrm>
+            <a:off x="-2" y="0"/>
+            <a:ext cx="12192002" cy="6858000"/>
+            <a:chOff x="-2" y="0"/>
+            <a:chExt cx="12192002" cy="6858000"/>
+          </a:xfrm>
+        </p:grpSpPr>
+        <p:pic>
+          <p:nvPicPr>
+            <p:cNvPr id="19" name="图片 18"/>
+            <p:cNvPicPr>
+              <a:picLocks noChangeAspect="true"/>
+            </p:cNvPicPr>
+            <p:nvPr/>
+          </p:nvPicPr>
+          <p:blipFill rotWithShape="true">
+            <a:blip r:embed="rId1" cstate="screen">
+              <a:extLst>
+                <a:ext uri="{BEBA8EAE-BF5A-486C-A8C5-ECC9F3942E4B}">
+                  <a14:imgProps xmlns:a14="http://schemas.microsoft.com/office/drawing/2010/main">
+                    <a14:imgLayer r:embed="rId2">
+                      <a14:imgEffect>
+                        <a14:brightnessContrast bright="9000"/>
+                      </a14:imgEffect>
+                    </a14:imgLayer>
+                  </a14:imgProps>
+                </a:ext>
+              </a:extLst>
+            </a:blip>
+            <a:srcRect/>
+            <a:stretch>
+              <a:fillRect/>
+            </a:stretch>
+          </p:blipFill>
+          <p:spPr>
+            <a:xfrm>
+              <a:off x="-1" y="0"/>
+              <a:ext cx="12192001" cy="6858000"/>
+            </a:xfrm>
+            <a:prstGeom prst="rect">
+              <a:avLst/>
+            </a:prstGeom>
+          </p:spPr>
+        </p:pic>
+        <p:pic>
+          <p:nvPicPr>
+            <p:cNvPr id="20" name="图片 19"/>
+            <p:cNvPicPr>
+              <a:picLocks noChangeAspect="true"/>
+            </p:cNvPicPr>
+            <p:nvPr/>
+          </p:nvPicPr>
+          <p:blipFill>
+            <a:blip r:embed="rId3">
+              <a:lum bright="70000" contrast="-70000"/>
+            </a:blip>
+            <a:srcRect l="4950"/>
+            <a:stretch>
+              <a:fillRect/>
+            </a:stretch>
+          </p:blipFill>
+          <p:spPr>
+            <a:xfrm>
+              <a:off x="5707965" y="2575"/>
+              <a:ext cx="6484035" cy="77036"/>
+            </a:xfrm>
+            <a:custGeom>
+              <a:avLst/>
+              <a:gdLst>
+                <a:gd name="connsiteX0" fmla="*/ 137250 w 4702465"/>
+                <a:gd name="connsiteY0" fmla="*/ 0 h 222240"/>
+                <a:gd name="connsiteX1" fmla="*/ 4702465 w 4702465"/>
+                <a:gd name="connsiteY1" fmla="*/ 0 h 222240"/>
+                <a:gd name="connsiteX2" fmla="*/ 4702465 w 4702465"/>
+                <a:gd name="connsiteY2" fmla="*/ 222240 h 222240"/>
+                <a:gd name="connsiteX3" fmla="*/ 0 w 4702465"/>
+                <a:gd name="connsiteY3" fmla="*/ 222240 h 222240"/>
+              </a:gdLst>
+              <a:ahLst/>
+              <a:cxnLst>
+                <a:cxn ang="0">
+                  <a:pos x="connsiteX0" y="connsiteY0"/>
+                </a:cxn>
+                <a:cxn ang="0">
+                  <a:pos x="connsiteX1" y="connsiteY1"/>
+                </a:cxn>
+                <a:cxn ang="0">
+                  <a:pos x="connsiteX2" y="connsiteY2"/>
+                </a:cxn>
+                <a:cxn ang="0">
+                  <a:pos x="connsiteX3" y="connsiteY3"/>
+                </a:cxn>
+              </a:cxnLst>
+              <a:rect l="l" t="t" r="r" b="b"/>
+              <a:pathLst>
+                <a:path w="4702465" h="222240">
+                  <a:moveTo>
+                    <a:pt x="137250" y="0"/>
+                  </a:moveTo>
+                  <a:lnTo>
+                    <a:pt x="4702465" y="0"/>
+                  </a:lnTo>
+                  <a:lnTo>
+                    <a:pt x="4702465" y="222240"/>
+                  </a:lnTo>
+                  <a:lnTo>
+                    <a:pt x="0" y="222240"/>
+                  </a:lnTo>
+                  <a:close/>
+                </a:path>
+              </a:pathLst>
+            </a:custGeom>
+            <a:solidFill>
+              <a:schemeClr val="bg1"/>
+            </a:solidFill>
+          </p:spPr>
+        </p:pic>
+        <p:pic>
+          <p:nvPicPr>
+            <p:cNvPr id="21" name="图片 20"/>
+            <p:cNvPicPr>
+              <a:picLocks noChangeAspect="true"/>
+            </p:cNvPicPr>
+            <p:nvPr/>
+          </p:nvPicPr>
+          <p:blipFill>
+            <a:blip r:embed="rId3">
+              <a:lum bright="70000" contrast="-70000"/>
+            </a:blip>
+            <a:srcRect l="4950" r="26116"/>
+            <a:stretch>
+              <a:fillRect/>
+            </a:stretch>
+          </p:blipFill>
+          <p:spPr>
+            <a:xfrm flipH="true" flipV="true">
+              <a:off x="-2" y="2575"/>
+              <a:ext cx="4702465" cy="77036"/>
+            </a:xfrm>
+            <a:custGeom>
+              <a:avLst/>
+              <a:gdLst>
+                <a:gd name="connsiteX0" fmla="*/ 137250 w 4702465"/>
+                <a:gd name="connsiteY0" fmla="*/ 0 h 222240"/>
+                <a:gd name="connsiteX1" fmla="*/ 4702465 w 4702465"/>
+                <a:gd name="connsiteY1" fmla="*/ 0 h 222240"/>
+                <a:gd name="connsiteX2" fmla="*/ 4702465 w 4702465"/>
+                <a:gd name="connsiteY2" fmla="*/ 222240 h 222240"/>
+                <a:gd name="connsiteX3" fmla="*/ 0 w 4702465"/>
+                <a:gd name="connsiteY3" fmla="*/ 222240 h 222240"/>
+              </a:gdLst>
+              <a:ahLst/>
+              <a:cxnLst>
+                <a:cxn ang="0">
+                  <a:pos x="connsiteX0" y="connsiteY0"/>
+                </a:cxn>
+                <a:cxn ang="0">
+                  <a:pos x="connsiteX1" y="connsiteY1"/>
+                </a:cxn>
+                <a:cxn ang="0">
+                  <a:pos x="connsiteX2" y="connsiteY2"/>
+                </a:cxn>
+                <a:cxn ang="0">
+                  <a:pos x="connsiteX3" y="connsiteY3"/>
+                </a:cxn>
+              </a:cxnLst>
+              <a:rect l="l" t="t" r="r" b="b"/>
+              <a:pathLst>
+                <a:path w="4702465" h="222240">
+                  <a:moveTo>
+                    <a:pt x="137250" y="0"/>
+                  </a:moveTo>
+                  <a:lnTo>
+                    <a:pt x="4702465" y="0"/>
+                  </a:lnTo>
+                  <a:lnTo>
+                    <a:pt x="4702465" y="222240"/>
+                  </a:lnTo>
+                  <a:lnTo>
+                    <a:pt x="0" y="222240"/>
+                  </a:lnTo>
+                  <a:close/>
+                </a:path>
+              </a:pathLst>
+            </a:custGeom>
+            <a:solidFill>
+              <a:schemeClr val="bg1"/>
+            </a:solidFill>
+          </p:spPr>
+        </p:pic>
+        <p:pic>
+          <p:nvPicPr>
+            <p:cNvPr id="22" name="图片 21"/>
+            <p:cNvPicPr>
+              <a:picLocks noChangeAspect="true"/>
+            </p:cNvPicPr>
+            <p:nvPr/>
+          </p:nvPicPr>
+          <p:blipFill>
+            <a:blip r:embed="rId3">
+              <a:lum bright="70000" contrast="-70000"/>
+            </a:blip>
+            <a:srcRect l="4950"/>
+            <a:stretch>
+              <a:fillRect/>
+            </a:stretch>
+          </p:blipFill>
+          <p:spPr>
+            <a:xfrm rot="10800000">
+              <a:off x="-2" y="6759208"/>
+              <a:ext cx="6484035" cy="95234"/>
+            </a:xfrm>
+            <a:custGeom>
+              <a:avLst/>
+              <a:gdLst>
+                <a:gd name="connsiteX0" fmla="*/ 137250 w 4702465"/>
+                <a:gd name="connsiteY0" fmla="*/ 0 h 222240"/>
+                <a:gd name="connsiteX1" fmla="*/ 4702465 w 4702465"/>
+                <a:gd name="connsiteY1" fmla="*/ 0 h 222240"/>
+                <a:gd name="connsiteX2" fmla="*/ 4702465 w 4702465"/>
+                <a:gd name="connsiteY2" fmla="*/ 222240 h 222240"/>
+                <a:gd name="connsiteX3" fmla="*/ 0 w 4702465"/>
+                <a:gd name="connsiteY3" fmla="*/ 222240 h 222240"/>
+              </a:gdLst>
+              <a:ahLst/>
+              <a:cxnLst>
+                <a:cxn ang="0">
+                  <a:pos x="connsiteX0" y="connsiteY0"/>
+                </a:cxn>
+                <a:cxn ang="0">
+                  <a:pos x="connsiteX1" y="connsiteY1"/>
+                </a:cxn>
+                <a:cxn ang="0">
+                  <a:pos x="connsiteX2" y="connsiteY2"/>
+                </a:cxn>
+                <a:cxn ang="0">
+                  <a:pos x="connsiteX3" y="connsiteY3"/>
+                </a:cxn>
+              </a:cxnLst>
+              <a:rect l="l" t="t" r="r" b="b"/>
+              <a:pathLst>
+                <a:path w="4702465" h="222240">
+                  <a:moveTo>
+                    <a:pt x="137250" y="0"/>
+                  </a:moveTo>
+                  <a:lnTo>
+                    <a:pt x="4702465" y="0"/>
+                  </a:lnTo>
+                  <a:lnTo>
+                    <a:pt x="4702465" y="222240"/>
+                  </a:lnTo>
+                  <a:lnTo>
+                    <a:pt x="0" y="222240"/>
+                  </a:lnTo>
+                  <a:close/>
+                </a:path>
+              </a:pathLst>
+            </a:custGeom>
+            <a:solidFill>
+              <a:schemeClr val="bg1"/>
+            </a:solidFill>
+          </p:spPr>
+        </p:pic>
+        <p:pic>
+          <p:nvPicPr>
+            <p:cNvPr id="25" name="图片 24"/>
+            <p:cNvPicPr>
+              <a:picLocks noChangeAspect="true"/>
+            </p:cNvPicPr>
+            <p:nvPr/>
+          </p:nvPicPr>
+          <p:blipFill>
+            <a:blip r:embed="rId3">
+              <a:lum bright="70000" contrast="-70000"/>
+            </a:blip>
+            <a:srcRect l="4950" r="26116"/>
+            <a:stretch>
+              <a:fillRect/>
+            </a:stretch>
+          </p:blipFill>
+          <p:spPr>
+            <a:xfrm rot="10800000" flipH="true" flipV="true">
+              <a:off x="7489535" y="6759208"/>
+              <a:ext cx="4702465" cy="95234"/>
+            </a:xfrm>
+            <a:custGeom>
+              <a:avLst/>
+              <a:gdLst>
+                <a:gd name="connsiteX0" fmla="*/ 137250 w 4702465"/>
+                <a:gd name="connsiteY0" fmla="*/ 0 h 222240"/>
+                <a:gd name="connsiteX1" fmla="*/ 4702465 w 4702465"/>
+                <a:gd name="connsiteY1" fmla="*/ 0 h 222240"/>
+                <a:gd name="connsiteX2" fmla="*/ 4702465 w 4702465"/>
+                <a:gd name="connsiteY2" fmla="*/ 222240 h 222240"/>
+                <a:gd name="connsiteX3" fmla="*/ 0 w 4702465"/>
+                <a:gd name="connsiteY3" fmla="*/ 222240 h 222240"/>
+              </a:gdLst>
+              <a:ahLst/>
+              <a:cxnLst>
+                <a:cxn ang="0">
+                  <a:pos x="connsiteX0" y="connsiteY0"/>
+                </a:cxn>
+                <a:cxn ang="0">
+                  <a:pos x="connsiteX1" y="connsiteY1"/>
+                </a:cxn>
+                <a:cxn ang="0">
+                  <a:pos x="connsiteX2" y="connsiteY2"/>
+                </a:cxn>
+                <a:cxn ang="0">
+                  <a:pos x="connsiteX3" y="connsiteY3"/>
+                </a:cxn>
+              </a:cxnLst>
+              <a:rect l="l" t="t" r="r" b="b"/>
+              <a:pathLst>
+                <a:path w="4702465" h="222240">
+                  <a:moveTo>
+                    <a:pt x="137250" y="0"/>
+                  </a:moveTo>
+                  <a:lnTo>
+                    <a:pt x="4702465" y="0"/>
+                  </a:lnTo>
+                  <a:lnTo>
+                    <a:pt x="4702465" y="222240"/>
+                  </a:lnTo>
+                  <a:lnTo>
+                    <a:pt x="0" y="222240"/>
+                  </a:lnTo>
+                  <a:close/>
+                </a:path>
+              </a:pathLst>
+            </a:custGeom>
+            <a:solidFill>
+              <a:schemeClr val="bg1"/>
+            </a:solidFill>
+          </p:spPr>
+        </p:pic>
+      </p:grpSp>
+      <p:pic>
+        <p:nvPicPr>
+          <p:cNvPr id="12" name="图片 11"/>
+          <p:cNvPicPr>
+            <a:picLocks noChangeAspect="true"/>
+          </p:cNvPicPr>
+          <p:nvPr/>
+        </p:nvPicPr>
+        <p:blipFill>
+          <a:blip r:embed="rId3"/>
+          <a:stretch>
+            <a:fillRect/>
+          </a:stretch>
+        </p:blipFill>
+        <p:spPr>
+          <a:xfrm rot="10800000">
+            <a:off x="0" y="79375"/>
+            <a:ext cx="12192000" cy="638175"/>
+          </a:xfrm>
+          <a:prstGeom prst="rect">
+            <a:avLst/>
+          </a:prstGeom>
+          <a:solidFill>
+            <a:schemeClr val="bg1"/>
+          </a:solidFill>
+        </p:spPr>
+      </p:pic>
+      <p:sp>
+        <p:nvSpPr>
+          <p:cNvPr id="14" name="文本框 13"/>
+          <p:cNvSpPr txBox="true"/>
+          <p:nvPr/>
+        </p:nvSpPr>
+        <p:spPr>
+          <a:xfrm>
+            <a:off x="314325" y="137160"/>
+            <a:ext cx="7472045" cy="583565"/>
+          </a:xfrm>
+          <a:prstGeom prst="rect">
+            <a:avLst/>
+          </a:prstGeom>
+          <a:noFill/>
+        </p:spPr>
+        <p:txBody>
+          <a:bodyPr wrap="square" rtlCol="0">
+            <a:spAutoFit/>
+          </a:bodyPr>
+          <a:p>
+            <a:r>
+              <a:rPr lang="zh-CN" altLang="en-US" sz="3200" dirty="0">
+                <a:solidFill>
+                  <a:schemeClr val="bg1"/>
+                </a:solidFill>
+                <a:latin typeface="微软雅黑" panose="020B0503020204020204" charset="-122"/>
+                <a:ea typeface="微软雅黑" panose="020B0503020204020204" charset="-122"/>
+                <a:sym typeface="+mn-ea"/>
+              </a:rPr>
+              <a:t>复利</a:t>
+            </a:r>
+            <a:endParaRPr lang="zh-CN" altLang="en-US" sz="3200" dirty="0">
+              <a:solidFill>
+                <a:schemeClr val="bg1"/>
+              </a:solidFill>
+              <a:latin typeface="微软雅黑" panose="020B0503020204020204" charset="-122"/>
+              <a:ea typeface="微软雅黑" panose="020B0503020204020204" charset="-122"/>
+              <a:sym typeface="+mn-ea"/>
+            </a:endParaRPr>
+          </a:p>
+        </p:txBody>
+      </p:sp>
+      <p:pic>
+        <p:nvPicPr>
+          <p:cNvPr id="2" name="图片 1"/>
+          <p:cNvPicPr>
+            <a:picLocks noChangeAspect="true"/>
+          </p:cNvPicPr>
+          <p:nvPr/>
+        </p:nvPicPr>
+        <p:blipFill>
+          <a:blip r:embed="rId4"/>
+          <a:stretch>
+            <a:fillRect/>
+          </a:stretch>
+        </p:blipFill>
+        <p:spPr>
+          <a:xfrm>
+            <a:off x="615950" y="1344295"/>
+            <a:ext cx="10960100" cy="4589145"/>
+          </a:xfrm>
+          <a:prstGeom prst="rect">
+            <a:avLst/>
+          </a:prstGeom>
+        </p:spPr>
+      </p:pic>
+    </p:spTree>
+  </p:cSld>
+  <p:clrMapOvr>
+    <a:masterClrMapping/>
+  </p:clrMapOvr>
+  <mc:AlternateContent xmlns:mc="http://schemas.openxmlformats.org/markup-compatibility/2006">
+    <mc:Choice xmlns:p14="http://schemas.microsoft.com/office/powerpoint/2010/main" Requires="p14">
+      <p:transition spd="slow" p14:dur="1250" advTm="0"/>
+    </mc:Choice>
+    <mc:Fallback>
+      <p:transition spd="slow" advTm="0"/>
+    </mc:Fallback>
+  </mc:AlternateContent>
+  <p:timing>
+    <p:tnLst>
+      <p:par>
+        <p:cTn id="1" dur="indefinite" restart="never" nodeType="tmRoot"/>
+      </p:par>
+    </p:tnLst>
+  </p:timing>
+</p:sld>
+</file>
+
 <file path=ppt/slides/slide19.xml><?xml version="1.0" encoding="utf-8"?>
 <p:sld xmlns:a="http://schemas.openxmlformats.org/drawingml/2006/main" xmlns:r="http://schemas.openxmlformats.org/officeDocument/2006/relationships" xmlns:p="http://schemas.openxmlformats.org/presentationml/2006/main">
   <p:cSld>
@@ -11857,6 +11730,54 @@
           </a:p>
         </p:txBody>
       </p:sp>
+      <p:sp>
+        <p:nvSpPr>
+          <p:cNvPr id="3" name="文本框 2"/>
+          <p:cNvSpPr txBox="true"/>
+          <p:nvPr/>
+        </p:nvSpPr>
+        <p:spPr>
+          <a:xfrm>
+            <a:off x="944880" y="1000760"/>
+            <a:ext cx="10302240" cy="423545"/>
+          </a:xfrm>
+          <a:prstGeom prst="rect">
+            <a:avLst/>
+          </a:prstGeom>
+          <a:noFill/>
+        </p:spPr>
+        <p:txBody>
+          <a:bodyPr wrap="square" rtlCol="0">
+            <a:spAutoFit/>
+          </a:bodyPr>
+          <a:p>
+            <a:pPr fontAlgn="auto">
+              <a:lnSpc>
+                <a:spcPct val="120000"/>
+              </a:lnSpc>
+              <a:spcBef>
+                <a:spcPts val="600"/>
+              </a:spcBef>
+              <a:spcAft>
+                <a:spcPts val="600"/>
+              </a:spcAft>
+            </a:pPr>
+            <a:r>
+              <a:rPr lang="zh-CN" altLang="en-US">
+                <a:latin typeface="微软雅黑" panose="020B0503020204020204" charset="-122"/>
+                <a:ea typeface="微软雅黑" panose="020B0503020204020204" charset="-122"/>
+                <a:cs typeface="微软雅黑" panose="020B0503020204020204" charset="-122"/>
+              </a:rPr>
+              <a:t>有时候利率是年利率，但一年里计算多次利息，每次的利息都加到本金上，所以一年内也有复利计算：</a:t>
+            </a:r>
+            <a:endParaRPr lang="zh-CN" altLang="en-US">
+              <a:latin typeface="微软雅黑" panose="020B0503020204020204" charset="-122"/>
+              <a:ea typeface="微软雅黑" panose="020B0503020204020204" charset="-122"/>
+              <a:cs typeface="微软雅黑" panose="020B0503020204020204" charset="-122"/>
+            </a:endParaRPr>
+          </a:p>
+        </p:txBody>
+      </p:sp>
       <p:pic>
         <p:nvPicPr>
           <p:cNvPr id="2" name="图片 1"/>
@@ -11873,8 +11794,32 @@
         </p:blipFill>
         <p:spPr>
           <a:xfrm>
-            <a:off x="615950" y="1344295"/>
-            <a:ext cx="10960100" cy="4589145"/>
+            <a:off x="2922905" y="1490980"/>
+            <a:ext cx="6346190" cy="3258185"/>
+          </a:xfrm>
+          <a:prstGeom prst="rect">
+            <a:avLst/>
+          </a:prstGeom>
+        </p:spPr>
+      </p:pic>
+      <p:pic>
+        <p:nvPicPr>
+          <p:cNvPr id="4" name="图片 3"/>
+          <p:cNvPicPr>
+            <a:picLocks noChangeAspect="true"/>
+          </p:cNvPicPr>
+          <p:nvPr/>
+        </p:nvPicPr>
+        <p:blipFill>
+          <a:blip r:embed="rId5"/>
+          <a:stretch>
+            <a:fillRect/>
+          </a:stretch>
+        </p:blipFill>
+        <p:spPr>
+          <a:xfrm>
+            <a:off x="3147060" y="4968875"/>
+            <a:ext cx="5897880" cy="1332230"/>
           </a:xfrm>
           <a:prstGeom prst="rect">
             <a:avLst/>
@@ -13233,54 +13178,6 @@
           </a:p>
         </p:txBody>
       </p:sp>
-      <p:sp>
-        <p:nvSpPr>
-          <p:cNvPr id="3" name="文本框 2"/>
-          <p:cNvSpPr txBox="true"/>
-          <p:nvPr/>
-        </p:nvSpPr>
-        <p:spPr>
-          <a:xfrm>
-            <a:off x="944880" y="1000760"/>
-            <a:ext cx="10302240" cy="423545"/>
-          </a:xfrm>
-          <a:prstGeom prst="rect">
-            <a:avLst/>
-          </a:prstGeom>
-          <a:noFill/>
-        </p:spPr>
-        <p:txBody>
-          <a:bodyPr wrap="square" rtlCol="0">
-            <a:spAutoFit/>
-          </a:bodyPr>
-          <a:p>
-            <a:pPr fontAlgn="auto">
-              <a:lnSpc>
-                <a:spcPct val="120000"/>
-              </a:lnSpc>
-              <a:spcBef>
-                <a:spcPts val="600"/>
-              </a:spcBef>
-              <a:spcAft>
-                <a:spcPts val="600"/>
-              </a:spcAft>
-            </a:pPr>
-            <a:r>
-              <a:rPr lang="zh-CN" altLang="en-US">
-                <a:latin typeface="微软雅黑" panose="020B0503020204020204" charset="-122"/>
-                <a:ea typeface="微软雅黑" panose="020B0503020204020204" charset="-122"/>
-                <a:cs typeface="微软雅黑" panose="020B0503020204020204" charset="-122"/>
-              </a:rPr>
-              <a:t>有时候利率是年利率，但一年里计算多次利息，每次的利息都加到本金上，所以一年内也有复利计算：</a:t>
-            </a:r>
-            <a:endParaRPr lang="zh-CN" altLang="en-US">
-              <a:latin typeface="微软雅黑" panose="020B0503020204020204" charset="-122"/>
-              <a:ea typeface="微软雅黑" panose="020B0503020204020204" charset="-122"/>
-              <a:cs typeface="微软雅黑" panose="020B0503020204020204" charset="-122"/>
-            </a:endParaRPr>
-          </a:p>
-        </p:txBody>
-      </p:sp>
       <p:pic>
         <p:nvPicPr>
           <p:cNvPr id="2" name="图片 1"/>
@@ -13297,8 +13194,8 @@
         </p:blipFill>
         <p:spPr>
           <a:xfrm>
-            <a:off x="2922905" y="1490980"/>
-            <a:ext cx="6346190" cy="3258185"/>
+            <a:off x="372745" y="1464310"/>
+            <a:ext cx="5126990" cy="4489450"/>
           </a:xfrm>
           <a:prstGeom prst="rect">
             <a:avLst/>
@@ -13307,7 +13204,7 @@
       </p:pic>
       <p:pic>
         <p:nvPicPr>
-          <p:cNvPr id="4" name="图片 3"/>
+          <p:cNvPr id="3" name="图片 2"/>
           <p:cNvPicPr>
             <a:picLocks noChangeAspect="true"/>
           </p:cNvPicPr>
@@ -13321,8 +13218,8 @@
         </p:blipFill>
         <p:spPr>
           <a:xfrm>
-            <a:off x="3147060" y="4968875"/>
-            <a:ext cx="5897880" cy="1332230"/>
+            <a:off x="5708015" y="1530985"/>
+            <a:ext cx="5669915" cy="4511675"/>
           </a:xfrm>
           <a:prstGeom prst="rect">
             <a:avLst/>
@@ -13799,32 +13696,8 @@
         </p:blipFill>
         <p:spPr>
           <a:xfrm>
-            <a:off x="372745" y="1464310"/>
-            <a:ext cx="5126990" cy="4489450"/>
-          </a:xfrm>
-          <a:prstGeom prst="rect">
-            <a:avLst/>
-          </a:prstGeom>
-        </p:spPr>
-      </p:pic>
-      <p:pic>
-        <p:nvPicPr>
-          <p:cNvPr id="3" name="图片 2"/>
-          <p:cNvPicPr>
-            <a:picLocks noChangeAspect="true"/>
-          </p:cNvPicPr>
-          <p:nvPr/>
-        </p:nvPicPr>
-        <p:blipFill>
-          <a:blip r:embed="rId5"/>
-          <a:stretch>
-            <a:fillRect/>
-          </a:stretch>
-        </p:blipFill>
-        <p:spPr>
-          <a:xfrm>
-            <a:off x="5708015" y="1530985"/>
-            <a:ext cx="5669915" cy="4511675"/>
+            <a:off x="781685" y="1847215"/>
+            <a:ext cx="10928985" cy="3909695"/>
           </a:xfrm>
           <a:prstGeom prst="rect">
             <a:avLst/>
@@ -14301,8 +14174,8 @@
         </p:blipFill>
         <p:spPr>
           <a:xfrm>
-            <a:off x="781685" y="1847215"/>
-            <a:ext cx="10928985" cy="3909695"/>
+            <a:off x="1014730" y="960755"/>
+            <a:ext cx="10363200" cy="5388610"/>
           </a:xfrm>
           <a:prstGeom prst="rect">
             <a:avLst/>
@@ -14779,8 +14652,8 @@
         </p:blipFill>
         <p:spPr>
           <a:xfrm>
-            <a:off x="1014730" y="960755"/>
-            <a:ext cx="10363200" cy="5388610"/>
+            <a:off x="1262380" y="836295"/>
+            <a:ext cx="9667875" cy="5419725"/>
           </a:xfrm>
           <a:prstGeom prst="rect">
             <a:avLst/>
@@ -15243,484 +15116,6 @@
       </p:sp>
       <p:pic>
         <p:nvPicPr>
-          <p:cNvPr id="2" name="图片 1"/>
-          <p:cNvPicPr>
-            <a:picLocks noChangeAspect="true"/>
-          </p:cNvPicPr>
-          <p:nvPr/>
-        </p:nvPicPr>
-        <p:blipFill>
-          <a:blip r:embed="rId4"/>
-          <a:stretch>
-            <a:fillRect/>
-          </a:stretch>
-        </p:blipFill>
-        <p:spPr>
-          <a:xfrm>
-            <a:off x="1262380" y="836295"/>
-            <a:ext cx="9667875" cy="5419725"/>
-          </a:xfrm>
-          <a:prstGeom prst="rect">
-            <a:avLst/>
-          </a:prstGeom>
-        </p:spPr>
-      </p:pic>
-    </p:spTree>
-  </p:cSld>
-  <p:clrMapOvr>
-    <a:masterClrMapping/>
-  </p:clrMapOvr>
-  <mc:AlternateContent xmlns:mc="http://schemas.openxmlformats.org/markup-compatibility/2006">
-    <mc:Choice xmlns:p14="http://schemas.microsoft.com/office/powerpoint/2010/main" Requires="p14">
-      <p:transition spd="slow" p14:dur="1250" advTm="0"/>
-    </mc:Choice>
-    <mc:Fallback>
-      <p:transition spd="slow" advTm="0"/>
-    </mc:Fallback>
-  </mc:AlternateContent>
-  <p:timing>
-    <p:tnLst>
-      <p:par>
-        <p:cTn id="1" dur="indefinite" restart="never" nodeType="tmRoot"/>
-      </p:par>
-    </p:tnLst>
-  </p:timing>
-</p:sld>
-</file>
-
-<file path=ppt/slides/slide25.xml><?xml version="1.0" encoding="utf-8"?>
-<p:sld xmlns:a="http://schemas.openxmlformats.org/drawingml/2006/main" xmlns:r="http://schemas.openxmlformats.org/officeDocument/2006/relationships" xmlns:p="http://schemas.openxmlformats.org/presentationml/2006/main">
-  <p:cSld>
-    <p:spTree>
-      <p:nvGrpSpPr>
-        <p:cNvPr id="1" name=""/>
-        <p:cNvGrpSpPr/>
-        <p:nvPr/>
-      </p:nvGrpSpPr>
-      <p:grpSpPr>
-        <a:xfrm>
-          <a:off x="0" y="0"/>
-          <a:ext cx="0" cy="0"/>
-          <a:chOff x="0" y="0"/>
-          <a:chExt cx="0" cy="0"/>
-        </a:xfrm>
-      </p:grpSpPr>
-      <p:grpSp>
-        <p:nvGrpSpPr>
-          <p:cNvPr id="18" name="组合 17"/>
-          <p:cNvGrpSpPr/>
-          <p:nvPr/>
-        </p:nvGrpSpPr>
-        <p:grpSpPr>
-          <a:xfrm>
-            <a:off x="-2" y="0"/>
-            <a:ext cx="12192002" cy="6858000"/>
-            <a:chOff x="-2" y="0"/>
-            <a:chExt cx="12192002" cy="6858000"/>
-          </a:xfrm>
-        </p:grpSpPr>
-        <p:pic>
-          <p:nvPicPr>
-            <p:cNvPr id="19" name="图片 18"/>
-            <p:cNvPicPr>
-              <a:picLocks noChangeAspect="true"/>
-            </p:cNvPicPr>
-            <p:nvPr/>
-          </p:nvPicPr>
-          <p:blipFill rotWithShape="true">
-            <a:blip r:embed="rId1" cstate="screen">
-              <a:extLst>
-                <a:ext uri="{BEBA8EAE-BF5A-486C-A8C5-ECC9F3942E4B}">
-                  <a14:imgProps xmlns:a14="http://schemas.microsoft.com/office/drawing/2010/main">
-                    <a14:imgLayer r:embed="rId2">
-                      <a14:imgEffect>
-                        <a14:brightnessContrast bright="9000"/>
-                      </a14:imgEffect>
-                    </a14:imgLayer>
-                  </a14:imgProps>
-                </a:ext>
-              </a:extLst>
-            </a:blip>
-            <a:srcRect/>
-            <a:stretch>
-              <a:fillRect/>
-            </a:stretch>
-          </p:blipFill>
-          <p:spPr>
-            <a:xfrm>
-              <a:off x="-1" y="0"/>
-              <a:ext cx="12192001" cy="6858000"/>
-            </a:xfrm>
-            <a:prstGeom prst="rect">
-              <a:avLst/>
-            </a:prstGeom>
-          </p:spPr>
-        </p:pic>
-        <p:pic>
-          <p:nvPicPr>
-            <p:cNvPr id="20" name="图片 19"/>
-            <p:cNvPicPr>
-              <a:picLocks noChangeAspect="true"/>
-            </p:cNvPicPr>
-            <p:nvPr/>
-          </p:nvPicPr>
-          <p:blipFill>
-            <a:blip r:embed="rId3">
-              <a:lum bright="70000" contrast="-70000"/>
-            </a:blip>
-            <a:srcRect l="4950"/>
-            <a:stretch>
-              <a:fillRect/>
-            </a:stretch>
-          </p:blipFill>
-          <p:spPr>
-            <a:xfrm>
-              <a:off x="5707965" y="2575"/>
-              <a:ext cx="6484035" cy="77036"/>
-            </a:xfrm>
-            <a:custGeom>
-              <a:avLst/>
-              <a:gdLst>
-                <a:gd name="connsiteX0" fmla="*/ 137250 w 4702465"/>
-                <a:gd name="connsiteY0" fmla="*/ 0 h 222240"/>
-                <a:gd name="connsiteX1" fmla="*/ 4702465 w 4702465"/>
-                <a:gd name="connsiteY1" fmla="*/ 0 h 222240"/>
-                <a:gd name="connsiteX2" fmla="*/ 4702465 w 4702465"/>
-                <a:gd name="connsiteY2" fmla="*/ 222240 h 222240"/>
-                <a:gd name="connsiteX3" fmla="*/ 0 w 4702465"/>
-                <a:gd name="connsiteY3" fmla="*/ 222240 h 222240"/>
-              </a:gdLst>
-              <a:ahLst/>
-              <a:cxnLst>
-                <a:cxn ang="0">
-                  <a:pos x="connsiteX0" y="connsiteY0"/>
-                </a:cxn>
-                <a:cxn ang="0">
-                  <a:pos x="connsiteX1" y="connsiteY1"/>
-                </a:cxn>
-                <a:cxn ang="0">
-                  <a:pos x="connsiteX2" y="connsiteY2"/>
-                </a:cxn>
-                <a:cxn ang="0">
-                  <a:pos x="connsiteX3" y="connsiteY3"/>
-                </a:cxn>
-              </a:cxnLst>
-              <a:rect l="l" t="t" r="r" b="b"/>
-              <a:pathLst>
-                <a:path w="4702465" h="222240">
-                  <a:moveTo>
-                    <a:pt x="137250" y="0"/>
-                  </a:moveTo>
-                  <a:lnTo>
-                    <a:pt x="4702465" y="0"/>
-                  </a:lnTo>
-                  <a:lnTo>
-                    <a:pt x="4702465" y="222240"/>
-                  </a:lnTo>
-                  <a:lnTo>
-                    <a:pt x="0" y="222240"/>
-                  </a:lnTo>
-                  <a:close/>
-                </a:path>
-              </a:pathLst>
-            </a:custGeom>
-            <a:solidFill>
-              <a:schemeClr val="bg1"/>
-            </a:solidFill>
-          </p:spPr>
-        </p:pic>
-        <p:pic>
-          <p:nvPicPr>
-            <p:cNvPr id="21" name="图片 20"/>
-            <p:cNvPicPr>
-              <a:picLocks noChangeAspect="true"/>
-            </p:cNvPicPr>
-            <p:nvPr/>
-          </p:nvPicPr>
-          <p:blipFill>
-            <a:blip r:embed="rId3">
-              <a:lum bright="70000" contrast="-70000"/>
-            </a:blip>
-            <a:srcRect l="4950" r="26116"/>
-            <a:stretch>
-              <a:fillRect/>
-            </a:stretch>
-          </p:blipFill>
-          <p:spPr>
-            <a:xfrm flipH="true" flipV="true">
-              <a:off x="-2" y="2575"/>
-              <a:ext cx="4702465" cy="77036"/>
-            </a:xfrm>
-            <a:custGeom>
-              <a:avLst/>
-              <a:gdLst>
-                <a:gd name="connsiteX0" fmla="*/ 137250 w 4702465"/>
-                <a:gd name="connsiteY0" fmla="*/ 0 h 222240"/>
-                <a:gd name="connsiteX1" fmla="*/ 4702465 w 4702465"/>
-                <a:gd name="connsiteY1" fmla="*/ 0 h 222240"/>
-                <a:gd name="connsiteX2" fmla="*/ 4702465 w 4702465"/>
-                <a:gd name="connsiteY2" fmla="*/ 222240 h 222240"/>
-                <a:gd name="connsiteX3" fmla="*/ 0 w 4702465"/>
-                <a:gd name="connsiteY3" fmla="*/ 222240 h 222240"/>
-              </a:gdLst>
-              <a:ahLst/>
-              <a:cxnLst>
-                <a:cxn ang="0">
-                  <a:pos x="connsiteX0" y="connsiteY0"/>
-                </a:cxn>
-                <a:cxn ang="0">
-                  <a:pos x="connsiteX1" y="connsiteY1"/>
-                </a:cxn>
-                <a:cxn ang="0">
-                  <a:pos x="connsiteX2" y="connsiteY2"/>
-                </a:cxn>
-                <a:cxn ang="0">
-                  <a:pos x="connsiteX3" y="connsiteY3"/>
-                </a:cxn>
-              </a:cxnLst>
-              <a:rect l="l" t="t" r="r" b="b"/>
-              <a:pathLst>
-                <a:path w="4702465" h="222240">
-                  <a:moveTo>
-                    <a:pt x="137250" y="0"/>
-                  </a:moveTo>
-                  <a:lnTo>
-                    <a:pt x="4702465" y="0"/>
-                  </a:lnTo>
-                  <a:lnTo>
-                    <a:pt x="4702465" y="222240"/>
-                  </a:lnTo>
-                  <a:lnTo>
-                    <a:pt x="0" y="222240"/>
-                  </a:lnTo>
-                  <a:close/>
-                </a:path>
-              </a:pathLst>
-            </a:custGeom>
-            <a:solidFill>
-              <a:schemeClr val="bg1"/>
-            </a:solidFill>
-          </p:spPr>
-        </p:pic>
-        <p:pic>
-          <p:nvPicPr>
-            <p:cNvPr id="22" name="图片 21"/>
-            <p:cNvPicPr>
-              <a:picLocks noChangeAspect="true"/>
-            </p:cNvPicPr>
-            <p:nvPr/>
-          </p:nvPicPr>
-          <p:blipFill>
-            <a:blip r:embed="rId3">
-              <a:lum bright="70000" contrast="-70000"/>
-            </a:blip>
-            <a:srcRect l="4950"/>
-            <a:stretch>
-              <a:fillRect/>
-            </a:stretch>
-          </p:blipFill>
-          <p:spPr>
-            <a:xfrm rot="10800000">
-              <a:off x="-2" y="6759208"/>
-              <a:ext cx="6484035" cy="95234"/>
-            </a:xfrm>
-            <a:custGeom>
-              <a:avLst/>
-              <a:gdLst>
-                <a:gd name="connsiteX0" fmla="*/ 137250 w 4702465"/>
-                <a:gd name="connsiteY0" fmla="*/ 0 h 222240"/>
-                <a:gd name="connsiteX1" fmla="*/ 4702465 w 4702465"/>
-                <a:gd name="connsiteY1" fmla="*/ 0 h 222240"/>
-                <a:gd name="connsiteX2" fmla="*/ 4702465 w 4702465"/>
-                <a:gd name="connsiteY2" fmla="*/ 222240 h 222240"/>
-                <a:gd name="connsiteX3" fmla="*/ 0 w 4702465"/>
-                <a:gd name="connsiteY3" fmla="*/ 222240 h 222240"/>
-              </a:gdLst>
-              <a:ahLst/>
-              <a:cxnLst>
-                <a:cxn ang="0">
-                  <a:pos x="connsiteX0" y="connsiteY0"/>
-                </a:cxn>
-                <a:cxn ang="0">
-                  <a:pos x="connsiteX1" y="connsiteY1"/>
-                </a:cxn>
-                <a:cxn ang="0">
-                  <a:pos x="connsiteX2" y="connsiteY2"/>
-                </a:cxn>
-                <a:cxn ang="0">
-                  <a:pos x="connsiteX3" y="connsiteY3"/>
-                </a:cxn>
-              </a:cxnLst>
-              <a:rect l="l" t="t" r="r" b="b"/>
-              <a:pathLst>
-                <a:path w="4702465" h="222240">
-                  <a:moveTo>
-                    <a:pt x="137250" y="0"/>
-                  </a:moveTo>
-                  <a:lnTo>
-                    <a:pt x="4702465" y="0"/>
-                  </a:lnTo>
-                  <a:lnTo>
-                    <a:pt x="4702465" y="222240"/>
-                  </a:lnTo>
-                  <a:lnTo>
-                    <a:pt x="0" y="222240"/>
-                  </a:lnTo>
-                  <a:close/>
-                </a:path>
-              </a:pathLst>
-            </a:custGeom>
-            <a:solidFill>
-              <a:schemeClr val="bg1"/>
-            </a:solidFill>
-          </p:spPr>
-        </p:pic>
-        <p:pic>
-          <p:nvPicPr>
-            <p:cNvPr id="25" name="图片 24"/>
-            <p:cNvPicPr>
-              <a:picLocks noChangeAspect="true"/>
-            </p:cNvPicPr>
-            <p:nvPr/>
-          </p:nvPicPr>
-          <p:blipFill>
-            <a:blip r:embed="rId3">
-              <a:lum bright="70000" contrast="-70000"/>
-            </a:blip>
-            <a:srcRect l="4950" r="26116"/>
-            <a:stretch>
-              <a:fillRect/>
-            </a:stretch>
-          </p:blipFill>
-          <p:spPr>
-            <a:xfrm rot="10800000" flipH="true" flipV="true">
-              <a:off x="7489535" y="6759208"/>
-              <a:ext cx="4702465" cy="95234"/>
-            </a:xfrm>
-            <a:custGeom>
-              <a:avLst/>
-              <a:gdLst>
-                <a:gd name="connsiteX0" fmla="*/ 137250 w 4702465"/>
-                <a:gd name="connsiteY0" fmla="*/ 0 h 222240"/>
-                <a:gd name="connsiteX1" fmla="*/ 4702465 w 4702465"/>
-                <a:gd name="connsiteY1" fmla="*/ 0 h 222240"/>
-                <a:gd name="connsiteX2" fmla="*/ 4702465 w 4702465"/>
-                <a:gd name="connsiteY2" fmla="*/ 222240 h 222240"/>
-                <a:gd name="connsiteX3" fmla="*/ 0 w 4702465"/>
-                <a:gd name="connsiteY3" fmla="*/ 222240 h 222240"/>
-              </a:gdLst>
-              <a:ahLst/>
-              <a:cxnLst>
-                <a:cxn ang="0">
-                  <a:pos x="connsiteX0" y="connsiteY0"/>
-                </a:cxn>
-                <a:cxn ang="0">
-                  <a:pos x="connsiteX1" y="connsiteY1"/>
-                </a:cxn>
-                <a:cxn ang="0">
-                  <a:pos x="connsiteX2" y="connsiteY2"/>
-                </a:cxn>
-                <a:cxn ang="0">
-                  <a:pos x="connsiteX3" y="connsiteY3"/>
-                </a:cxn>
-              </a:cxnLst>
-              <a:rect l="l" t="t" r="r" b="b"/>
-              <a:pathLst>
-                <a:path w="4702465" h="222240">
-                  <a:moveTo>
-                    <a:pt x="137250" y="0"/>
-                  </a:moveTo>
-                  <a:lnTo>
-                    <a:pt x="4702465" y="0"/>
-                  </a:lnTo>
-                  <a:lnTo>
-                    <a:pt x="4702465" y="222240"/>
-                  </a:lnTo>
-                  <a:lnTo>
-                    <a:pt x="0" y="222240"/>
-                  </a:lnTo>
-                  <a:close/>
-                </a:path>
-              </a:pathLst>
-            </a:custGeom>
-            <a:solidFill>
-              <a:schemeClr val="bg1"/>
-            </a:solidFill>
-          </p:spPr>
-        </p:pic>
-      </p:grpSp>
-      <p:pic>
-        <p:nvPicPr>
-          <p:cNvPr id="12" name="图片 11"/>
-          <p:cNvPicPr>
-            <a:picLocks noChangeAspect="true"/>
-          </p:cNvPicPr>
-          <p:nvPr/>
-        </p:nvPicPr>
-        <p:blipFill>
-          <a:blip r:embed="rId3"/>
-          <a:stretch>
-            <a:fillRect/>
-          </a:stretch>
-        </p:blipFill>
-        <p:spPr>
-          <a:xfrm rot="10800000">
-            <a:off x="0" y="79375"/>
-            <a:ext cx="12192000" cy="638175"/>
-          </a:xfrm>
-          <a:prstGeom prst="rect">
-            <a:avLst/>
-          </a:prstGeom>
-          <a:solidFill>
-            <a:schemeClr val="bg1"/>
-          </a:solidFill>
-        </p:spPr>
-      </p:pic>
-      <p:sp>
-        <p:nvSpPr>
-          <p:cNvPr id="14" name="文本框 13"/>
-          <p:cNvSpPr txBox="true"/>
-          <p:nvPr/>
-        </p:nvSpPr>
-        <p:spPr>
-          <a:xfrm>
-            <a:off x="314325" y="137160"/>
-            <a:ext cx="7472045" cy="583565"/>
-          </a:xfrm>
-          <a:prstGeom prst="rect">
-            <a:avLst/>
-          </a:prstGeom>
-          <a:noFill/>
-        </p:spPr>
-        <p:txBody>
-          <a:bodyPr wrap="square" rtlCol="0">
-            <a:spAutoFit/>
-          </a:bodyPr>
-          <a:p>
-            <a:r>
-              <a:rPr lang="zh-CN" altLang="en-US" sz="3200" dirty="0">
-                <a:solidFill>
-                  <a:schemeClr val="bg1"/>
-                </a:solidFill>
-                <a:latin typeface="微软雅黑" panose="020B0503020204020204" charset="-122"/>
-                <a:ea typeface="微软雅黑" panose="020B0503020204020204" charset="-122"/>
-                <a:sym typeface="+mn-ea"/>
-              </a:rPr>
-              <a:t>复利</a:t>
-            </a:r>
-            <a:endParaRPr lang="zh-CN" altLang="en-US" sz="3200" dirty="0">
-              <a:solidFill>
-                <a:schemeClr val="bg1"/>
-              </a:solidFill>
-              <a:latin typeface="微软雅黑" panose="020B0503020204020204" charset="-122"/>
-              <a:ea typeface="微软雅黑" panose="020B0503020204020204" charset="-122"/>
-              <a:sym typeface="+mn-ea"/>
-            </a:endParaRPr>
-          </a:p>
-        </p:txBody>
-      </p:sp>
-      <p:pic>
-        <p:nvPicPr>
           <p:cNvPr id="3" name="图片 2"/>
           <p:cNvPicPr>
             <a:picLocks noChangeAspect="true"/>
@@ -15766,7 +15161,7 @@
 </p:sld>
 </file>
 
-<file path=ppt/slides/slide26.xml><?xml version="1.0" encoding="utf-8"?>
+<file path=ppt/slides/slide25.xml><?xml version="1.0" encoding="utf-8"?>
 <p:sld xmlns:a="http://schemas.openxmlformats.org/drawingml/2006/main" xmlns:r="http://schemas.openxmlformats.org/officeDocument/2006/relationships" xmlns:p="http://schemas.openxmlformats.org/presentationml/2006/main">
   <p:cSld>
     <p:spTree>
@@ -16289,7 +15684,26 @@
                 <a:ea typeface="微软雅黑" panose="020B0503020204020204" charset="-122"/>
                 <a:cs typeface="微软雅黑" panose="020B0503020204020204" charset="-122"/>
               </a:rPr>
-              <a:t>后计算得出的年化内部收益率（IRR）。计算公式为：</a:t>
+              <a:t>后计算得出的</a:t>
+            </a:r>
+            <a:r>
+              <a:rPr lang="zh-CN" altLang="en-US">
+                <a:solidFill>
+                  <a:srgbClr val="00B0F0"/>
+                </a:solidFill>
+                <a:latin typeface="微软雅黑" panose="020B0503020204020204" charset="-122"/>
+                <a:ea typeface="微软雅黑" panose="020B0503020204020204" charset="-122"/>
+                <a:cs typeface="微软雅黑" panose="020B0503020204020204" charset="-122"/>
+              </a:rPr>
+              <a:t>年化内部收益率（IRR）</a:t>
+            </a:r>
+            <a:r>
+              <a:rPr lang="zh-CN" altLang="en-US">
+                <a:latin typeface="微软雅黑" panose="020B0503020204020204" charset="-122"/>
+                <a:ea typeface="微软雅黑" panose="020B0503020204020204" charset="-122"/>
+                <a:cs typeface="微软雅黑" panose="020B0503020204020204" charset="-122"/>
+              </a:rPr>
+              <a:t>。计算公式为：</a:t>
             </a:r>
             <a:endParaRPr lang="zh-CN" altLang="en-US">
               <a:latin typeface="微软雅黑" panose="020B0503020204020204" charset="-122"/>
@@ -16420,7 +15834,7 @@
 </p:sld>
 </file>
 
-<file path=ppt/slides/slide27.xml><?xml version="1.0" encoding="utf-8"?>
+<file path=ppt/slides/slide26.xml><?xml version="1.0" encoding="utf-8"?>
 <p:sld xmlns:a="http://schemas.openxmlformats.org/drawingml/2006/main" xmlns:r="http://schemas.openxmlformats.org/officeDocument/2006/relationships" xmlns:p="http://schemas.openxmlformats.org/presentationml/2006/main">
   <p:cSld>
     <p:spTree>
@@ -17014,7 +16428,7 @@
 </p:sld>
 </file>
 
-<file path=ppt/slides/slide28.xml><?xml version="1.0" encoding="utf-8"?>
+<file path=ppt/slides/slide27.xml><?xml version="1.0" encoding="utf-8"?>
 <p:sld xmlns:a="http://schemas.openxmlformats.org/drawingml/2006/main" xmlns:r="http://schemas.openxmlformats.org/officeDocument/2006/relationships" xmlns:p="http://schemas.openxmlformats.org/presentationml/2006/main">
   <p:cSld>
     <p:spTree>
@@ -17646,7 +17060,7 @@
 </p:sld>
 </file>
 
-<file path=ppt/slides/slide29.xml><?xml version="1.0" encoding="utf-8"?>
+<file path=ppt/slides/slide28.xml><?xml version="1.0" encoding="utf-8"?>
 <p:sld xmlns:a="http://schemas.openxmlformats.org/drawingml/2006/main" xmlns:r="http://schemas.openxmlformats.org/officeDocument/2006/relationships" xmlns:p="http://schemas.openxmlformats.org/presentationml/2006/main">
   <p:cSld>
     <p:spTree>
@@ -18259,703 +17673,7 @@
 </p:sld>
 </file>
 
-<file path=ppt/slides/slide3.xml><?xml version="1.0" encoding="utf-8"?>
-<p:sld xmlns:a="http://schemas.openxmlformats.org/drawingml/2006/main" xmlns:r="http://schemas.openxmlformats.org/officeDocument/2006/relationships" xmlns:p="http://schemas.openxmlformats.org/presentationml/2006/main">
-  <p:cSld>
-    <p:spTree>
-      <p:nvGrpSpPr>
-        <p:cNvPr id="1" name=""/>
-        <p:cNvGrpSpPr/>
-        <p:nvPr/>
-      </p:nvGrpSpPr>
-      <p:grpSpPr>
-        <a:xfrm>
-          <a:off x="0" y="0"/>
-          <a:ext cx="0" cy="0"/>
-          <a:chOff x="0" y="0"/>
-          <a:chExt cx="0" cy="0"/>
-        </a:xfrm>
-      </p:grpSpPr>
-      <p:grpSp>
-        <p:nvGrpSpPr>
-          <p:cNvPr id="18" name="组合 17"/>
-          <p:cNvGrpSpPr/>
-          <p:nvPr/>
-        </p:nvGrpSpPr>
-        <p:grpSpPr>
-          <a:xfrm>
-            <a:off x="-2" y="0"/>
-            <a:ext cx="12192002" cy="6858000"/>
-            <a:chOff x="-2" y="0"/>
-            <a:chExt cx="12192002" cy="6858000"/>
-          </a:xfrm>
-        </p:grpSpPr>
-        <p:pic>
-          <p:nvPicPr>
-            <p:cNvPr id="19" name="图片 18"/>
-            <p:cNvPicPr>
-              <a:picLocks noChangeAspect="true"/>
-            </p:cNvPicPr>
-            <p:nvPr/>
-          </p:nvPicPr>
-          <p:blipFill rotWithShape="true">
-            <a:blip r:embed="rId1" cstate="screen">
-              <a:extLst>
-                <a:ext uri="{BEBA8EAE-BF5A-486C-A8C5-ECC9F3942E4B}">
-                  <a14:imgProps xmlns:a14="http://schemas.microsoft.com/office/drawing/2010/main">
-                    <a14:imgLayer r:embed="rId2">
-                      <a14:imgEffect>
-                        <a14:brightnessContrast bright="9000"/>
-                      </a14:imgEffect>
-                    </a14:imgLayer>
-                  </a14:imgProps>
-                </a:ext>
-              </a:extLst>
-            </a:blip>
-            <a:srcRect/>
-            <a:stretch>
-              <a:fillRect/>
-            </a:stretch>
-          </p:blipFill>
-          <p:spPr>
-            <a:xfrm>
-              <a:off x="-1" y="0"/>
-              <a:ext cx="12192001" cy="6858000"/>
-            </a:xfrm>
-            <a:prstGeom prst="rect">
-              <a:avLst/>
-            </a:prstGeom>
-          </p:spPr>
-        </p:pic>
-        <p:pic>
-          <p:nvPicPr>
-            <p:cNvPr id="20" name="图片 19"/>
-            <p:cNvPicPr>
-              <a:picLocks noChangeAspect="true"/>
-            </p:cNvPicPr>
-            <p:nvPr/>
-          </p:nvPicPr>
-          <p:blipFill>
-            <a:blip r:embed="rId3">
-              <a:lum bright="70000" contrast="-70000"/>
-            </a:blip>
-            <a:srcRect l="4950"/>
-            <a:stretch>
-              <a:fillRect/>
-            </a:stretch>
-          </p:blipFill>
-          <p:spPr>
-            <a:xfrm>
-              <a:off x="5707965" y="2575"/>
-              <a:ext cx="6484035" cy="77036"/>
-            </a:xfrm>
-            <a:custGeom>
-              <a:avLst/>
-              <a:gdLst>
-                <a:gd name="connsiteX0" fmla="*/ 137250 w 4702465"/>
-                <a:gd name="connsiteY0" fmla="*/ 0 h 222240"/>
-                <a:gd name="connsiteX1" fmla="*/ 4702465 w 4702465"/>
-                <a:gd name="connsiteY1" fmla="*/ 0 h 222240"/>
-                <a:gd name="connsiteX2" fmla="*/ 4702465 w 4702465"/>
-                <a:gd name="connsiteY2" fmla="*/ 222240 h 222240"/>
-                <a:gd name="connsiteX3" fmla="*/ 0 w 4702465"/>
-                <a:gd name="connsiteY3" fmla="*/ 222240 h 222240"/>
-              </a:gdLst>
-              <a:ahLst/>
-              <a:cxnLst>
-                <a:cxn ang="0">
-                  <a:pos x="connsiteX0" y="connsiteY0"/>
-                </a:cxn>
-                <a:cxn ang="0">
-                  <a:pos x="connsiteX1" y="connsiteY1"/>
-                </a:cxn>
-                <a:cxn ang="0">
-                  <a:pos x="connsiteX2" y="connsiteY2"/>
-                </a:cxn>
-                <a:cxn ang="0">
-                  <a:pos x="connsiteX3" y="connsiteY3"/>
-                </a:cxn>
-              </a:cxnLst>
-              <a:rect l="l" t="t" r="r" b="b"/>
-              <a:pathLst>
-                <a:path w="4702465" h="222240">
-                  <a:moveTo>
-                    <a:pt x="137250" y="0"/>
-                  </a:moveTo>
-                  <a:lnTo>
-                    <a:pt x="4702465" y="0"/>
-                  </a:lnTo>
-                  <a:lnTo>
-                    <a:pt x="4702465" y="222240"/>
-                  </a:lnTo>
-                  <a:lnTo>
-                    <a:pt x="0" y="222240"/>
-                  </a:lnTo>
-                  <a:close/>
-                </a:path>
-              </a:pathLst>
-            </a:custGeom>
-            <a:solidFill>
-              <a:schemeClr val="bg1"/>
-            </a:solidFill>
-          </p:spPr>
-        </p:pic>
-        <p:pic>
-          <p:nvPicPr>
-            <p:cNvPr id="21" name="图片 20"/>
-            <p:cNvPicPr>
-              <a:picLocks noChangeAspect="true"/>
-            </p:cNvPicPr>
-            <p:nvPr/>
-          </p:nvPicPr>
-          <p:blipFill>
-            <a:blip r:embed="rId3">
-              <a:lum bright="70000" contrast="-70000"/>
-            </a:blip>
-            <a:srcRect l="4950" r="26116"/>
-            <a:stretch>
-              <a:fillRect/>
-            </a:stretch>
-          </p:blipFill>
-          <p:spPr>
-            <a:xfrm flipH="true" flipV="true">
-              <a:off x="-2" y="2575"/>
-              <a:ext cx="4702465" cy="77036"/>
-            </a:xfrm>
-            <a:custGeom>
-              <a:avLst/>
-              <a:gdLst>
-                <a:gd name="connsiteX0" fmla="*/ 137250 w 4702465"/>
-                <a:gd name="connsiteY0" fmla="*/ 0 h 222240"/>
-                <a:gd name="connsiteX1" fmla="*/ 4702465 w 4702465"/>
-                <a:gd name="connsiteY1" fmla="*/ 0 h 222240"/>
-                <a:gd name="connsiteX2" fmla="*/ 4702465 w 4702465"/>
-                <a:gd name="connsiteY2" fmla="*/ 222240 h 222240"/>
-                <a:gd name="connsiteX3" fmla="*/ 0 w 4702465"/>
-                <a:gd name="connsiteY3" fmla="*/ 222240 h 222240"/>
-              </a:gdLst>
-              <a:ahLst/>
-              <a:cxnLst>
-                <a:cxn ang="0">
-                  <a:pos x="connsiteX0" y="connsiteY0"/>
-                </a:cxn>
-                <a:cxn ang="0">
-                  <a:pos x="connsiteX1" y="connsiteY1"/>
-                </a:cxn>
-                <a:cxn ang="0">
-                  <a:pos x="connsiteX2" y="connsiteY2"/>
-                </a:cxn>
-                <a:cxn ang="0">
-                  <a:pos x="connsiteX3" y="connsiteY3"/>
-                </a:cxn>
-              </a:cxnLst>
-              <a:rect l="l" t="t" r="r" b="b"/>
-              <a:pathLst>
-                <a:path w="4702465" h="222240">
-                  <a:moveTo>
-                    <a:pt x="137250" y="0"/>
-                  </a:moveTo>
-                  <a:lnTo>
-                    <a:pt x="4702465" y="0"/>
-                  </a:lnTo>
-                  <a:lnTo>
-                    <a:pt x="4702465" y="222240"/>
-                  </a:lnTo>
-                  <a:lnTo>
-                    <a:pt x="0" y="222240"/>
-                  </a:lnTo>
-                  <a:close/>
-                </a:path>
-              </a:pathLst>
-            </a:custGeom>
-            <a:solidFill>
-              <a:schemeClr val="bg1"/>
-            </a:solidFill>
-          </p:spPr>
-        </p:pic>
-        <p:pic>
-          <p:nvPicPr>
-            <p:cNvPr id="22" name="图片 21"/>
-            <p:cNvPicPr>
-              <a:picLocks noChangeAspect="true"/>
-            </p:cNvPicPr>
-            <p:nvPr/>
-          </p:nvPicPr>
-          <p:blipFill>
-            <a:blip r:embed="rId3">
-              <a:lum bright="70000" contrast="-70000"/>
-            </a:blip>
-            <a:srcRect l="4950"/>
-            <a:stretch>
-              <a:fillRect/>
-            </a:stretch>
-          </p:blipFill>
-          <p:spPr>
-            <a:xfrm rot="10800000">
-              <a:off x="-2" y="6759208"/>
-              <a:ext cx="6484035" cy="95234"/>
-            </a:xfrm>
-            <a:custGeom>
-              <a:avLst/>
-              <a:gdLst>
-                <a:gd name="connsiteX0" fmla="*/ 137250 w 4702465"/>
-                <a:gd name="connsiteY0" fmla="*/ 0 h 222240"/>
-                <a:gd name="connsiteX1" fmla="*/ 4702465 w 4702465"/>
-                <a:gd name="connsiteY1" fmla="*/ 0 h 222240"/>
-                <a:gd name="connsiteX2" fmla="*/ 4702465 w 4702465"/>
-                <a:gd name="connsiteY2" fmla="*/ 222240 h 222240"/>
-                <a:gd name="connsiteX3" fmla="*/ 0 w 4702465"/>
-                <a:gd name="connsiteY3" fmla="*/ 222240 h 222240"/>
-              </a:gdLst>
-              <a:ahLst/>
-              <a:cxnLst>
-                <a:cxn ang="0">
-                  <a:pos x="connsiteX0" y="connsiteY0"/>
-                </a:cxn>
-                <a:cxn ang="0">
-                  <a:pos x="connsiteX1" y="connsiteY1"/>
-                </a:cxn>
-                <a:cxn ang="0">
-                  <a:pos x="connsiteX2" y="connsiteY2"/>
-                </a:cxn>
-                <a:cxn ang="0">
-                  <a:pos x="connsiteX3" y="connsiteY3"/>
-                </a:cxn>
-              </a:cxnLst>
-              <a:rect l="l" t="t" r="r" b="b"/>
-              <a:pathLst>
-                <a:path w="4702465" h="222240">
-                  <a:moveTo>
-                    <a:pt x="137250" y="0"/>
-                  </a:moveTo>
-                  <a:lnTo>
-                    <a:pt x="4702465" y="0"/>
-                  </a:lnTo>
-                  <a:lnTo>
-                    <a:pt x="4702465" y="222240"/>
-                  </a:lnTo>
-                  <a:lnTo>
-                    <a:pt x="0" y="222240"/>
-                  </a:lnTo>
-                  <a:close/>
-                </a:path>
-              </a:pathLst>
-            </a:custGeom>
-            <a:solidFill>
-              <a:schemeClr val="bg1"/>
-            </a:solidFill>
-          </p:spPr>
-        </p:pic>
-        <p:pic>
-          <p:nvPicPr>
-            <p:cNvPr id="25" name="图片 24"/>
-            <p:cNvPicPr>
-              <a:picLocks noChangeAspect="true"/>
-            </p:cNvPicPr>
-            <p:nvPr/>
-          </p:nvPicPr>
-          <p:blipFill>
-            <a:blip r:embed="rId3">
-              <a:lum bright="70000" contrast="-70000"/>
-            </a:blip>
-            <a:srcRect l="4950" r="26116"/>
-            <a:stretch>
-              <a:fillRect/>
-            </a:stretch>
-          </p:blipFill>
-          <p:spPr>
-            <a:xfrm rot="10800000" flipH="true" flipV="true">
-              <a:off x="7489535" y="6759208"/>
-              <a:ext cx="4702465" cy="95234"/>
-            </a:xfrm>
-            <a:custGeom>
-              <a:avLst/>
-              <a:gdLst>
-                <a:gd name="connsiteX0" fmla="*/ 137250 w 4702465"/>
-                <a:gd name="connsiteY0" fmla="*/ 0 h 222240"/>
-                <a:gd name="connsiteX1" fmla="*/ 4702465 w 4702465"/>
-                <a:gd name="connsiteY1" fmla="*/ 0 h 222240"/>
-                <a:gd name="connsiteX2" fmla="*/ 4702465 w 4702465"/>
-                <a:gd name="connsiteY2" fmla="*/ 222240 h 222240"/>
-                <a:gd name="connsiteX3" fmla="*/ 0 w 4702465"/>
-                <a:gd name="connsiteY3" fmla="*/ 222240 h 222240"/>
-              </a:gdLst>
-              <a:ahLst/>
-              <a:cxnLst>
-                <a:cxn ang="0">
-                  <a:pos x="connsiteX0" y="connsiteY0"/>
-                </a:cxn>
-                <a:cxn ang="0">
-                  <a:pos x="connsiteX1" y="connsiteY1"/>
-                </a:cxn>
-                <a:cxn ang="0">
-                  <a:pos x="connsiteX2" y="connsiteY2"/>
-                </a:cxn>
-                <a:cxn ang="0">
-                  <a:pos x="connsiteX3" y="connsiteY3"/>
-                </a:cxn>
-              </a:cxnLst>
-              <a:rect l="l" t="t" r="r" b="b"/>
-              <a:pathLst>
-                <a:path w="4702465" h="222240">
-                  <a:moveTo>
-                    <a:pt x="137250" y="0"/>
-                  </a:moveTo>
-                  <a:lnTo>
-                    <a:pt x="4702465" y="0"/>
-                  </a:lnTo>
-                  <a:lnTo>
-                    <a:pt x="4702465" y="222240"/>
-                  </a:lnTo>
-                  <a:lnTo>
-                    <a:pt x="0" y="222240"/>
-                  </a:lnTo>
-                  <a:close/>
-                </a:path>
-              </a:pathLst>
-            </a:custGeom>
-            <a:solidFill>
-              <a:schemeClr val="bg1"/>
-            </a:solidFill>
-          </p:spPr>
-        </p:pic>
-      </p:grpSp>
-      <p:pic>
-        <p:nvPicPr>
-          <p:cNvPr id="12" name="图片 11"/>
-          <p:cNvPicPr>
-            <a:picLocks noChangeAspect="true"/>
-          </p:cNvPicPr>
-          <p:nvPr/>
-        </p:nvPicPr>
-        <p:blipFill>
-          <a:blip r:embed="rId3"/>
-          <a:stretch>
-            <a:fillRect/>
-          </a:stretch>
-        </p:blipFill>
-        <p:spPr>
-          <a:xfrm rot="10800000">
-            <a:off x="0" y="79375"/>
-            <a:ext cx="12192000" cy="638175"/>
-          </a:xfrm>
-          <a:prstGeom prst="rect">
-            <a:avLst/>
-          </a:prstGeom>
-          <a:solidFill>
-            <a:schemeClr val="bg1"/>
-          </a:solidFill>
-        </p:spPr>
-      </p:pic>
-      <p:sp>
-        <p:nvSpPr>
-          <p:cNvPr id="14" name="文本框 13"/>
-          <p:cNvSpPr txBox="true"/>
-          <p:nvPr/>
-        </p:nvSpPr>
-        <p:spPr>
-          <a:xfrm>
-            <a:off x="314325" y="137160"/>
-            <a:ext cx="7472045" cy="583565"/>
-          </a:xfrm>
-          <a:prstGeom prst="rect">
-            <a:avLst/>
-          </a:prstGeom>
-          <a:noFill/>
-        </p:spPr>
-        <p:txBody>
-          <a:bodyPr wrap="square" rtlCol="0">
-            <a:spAutoFit/>
-          </a:bodyPr>
-          <a:p>
-            <a:r>
-              <a:rPr lang="zh-CN" altLang="en-US" sz="3200" dirty="0">
-                <a:solidFill>
-                  <a:schemeClr val="bg1"/>
-                </a:solidFill>
-                <a:latin typeface="微软雅黑" panose="020B0503020204020204" charset="-122"/>
-                <a:ea typeface="微软雅黑" panose="020B0503020204020204" charset="-122"/>
-                <a:sym typeface="+mn-ea"/>
-              </a:rPr>
-              <a:t>循环信用</a:t>
-            </a:r>
-            <a:endParaRPr lang="zh-CN" altLang="en-US" sz="3200" dirty="0">
-              <a:solidFill>
-                <a:schemeClr val="bg1"/>
-              </a:solidFill>
-              <a:latin typeface="微软雅黑" panose="020B0503020204020204" charset="-122"/>
-              <a:ea typeface="微软雅黑" panose="020B0503020204020204" charset="-122"/>
-              <a:sym typeface="+mn-ea"/>
-            </a:endParaRPr>
-          </a:p>
-        </p:txBody>
-      </p:sp>
-      <p:grpSp>
-        <p:nvGrpSpPr>
-          <p:cNvPr id="17" name="组合 16"/>
-          <p:cNvGrpSpPr/>
-          <p:nvPr/>
-        </p:nvGrpSpPr>
-        <p:grpSpPr>
-          <a:xfrm>
-            <a:off x="2271395" y="480060"/>
-            <a:ext cx="7648575" cy="6279515"/>
-            <a:chOff x="3577" y="319"/>
-            <a:chExt cx="12045" cy="9889"/>
-          </a:xfrm>
-        </p:grpSpPr>
-        <p:grpSp>
-          <p:nvGrpSpPr>
-            <p:cNvPr id="10" name="组合 9"/>
-            <p:cNvGrpSpPr/>
-            <p:nvPr/>
-          </p:nvGrpSpPr>
-          <p:grpSpPr>
-            <a:xfrm>
-              <a:off x="3577" y="5154"/>
-              <a:ext cx="12044" cy="5054"/>
-              <a:chOff x="3577" y="4490"/>
-              <a:chExt cx="12044" cy="5054"/>
-            </a:xfrm>
-          </p:grpSpPr>
-          <p:pic>
-            <p:nvPicPr>
-              <p:cNvPr id="7" name="图片 6"/>
-              <p:cNvPicPr>
-                <a:picLocks noChangeAspect="true"/>
-              </p:cNvPicPr>
-              <p:nvPr/>
-            </p:nvPicPr>
-            <p:blipFill>
-              <a:blip r:embed="rId4"/>
-              <a:stretch>
-                <a:fillRect/>
-              </a:stretch>
-            </p:blipFill>
-            <p:spPr>
-              <a:xfrm>
-                <a:off x="3577" y="4490"/>
-                <a:ext cx="12045" cy="1845"/>
-              </a:xfrm>
-              <a:prstGeom prst="rect">
-                <a:avLst/>
-              </a:prstGeom>
-            </p:spPr>
-          </p:pic>
-          <p:pic>
-            <p:nvPicPr>
-              <p:cNvPr id="8" name="图片 7"/>
-              <p:cNvPicPr>
-                <a:picLocks noChangeAspect="true"/>
-              </p:cNvPicPr>
-              <p:nvPr/>
-            </p:nvPicPr>
-            <p:blipFill>
-              <a:blip r:embed="rId5"/>
-              <a:stretch>
-                <a:fillRect/>
-              </a:stretch>
-            </p:blipFill>
-            <p:spPr>
-              <a:xfrm>
-                <a:off x="3577" y="6335"/>
-                <a:ext cx="12045" cy="1845"/>
-              </a:xfrm>
-              <a:prstGeom prst="rect">
-                <a:avLst/>
-              </a:prstGeom>
-            </p:spPr>
-          </p:pic>
-          <p:pic>
-            <p:nvPicPr>
-              <p:cNvPr id="9" name="图片 8"/>
-              <p:cNvPicPr>
-                <a:picLocks noChangeAspect="true"/>
-              </p:cNvPicPr>
-              <p:nvPr/>
-            </p:nvPicPr>
-            <p:blipFill>
-              <a:blip r:embed="rId6"/>
-              <a:stretch>
-                <a:fillRect/>
-              </a:stretch>
-            </p:blipFill>
-            <p:spPr>
-              <a:xfrm>
-                <a:off x="3577" y="8180"/>
-                <a:ext cx="12045" cy="1365"/>
-              </a:xfrm>
-              <a:prstGeom prst="rect">
-                <a:avLst/>
-              </a:prstGeom>
-            </p:spPr>
-          </p:pic>
-        </p:grpSp>
-        <p:grpSp>
-          <p:nvGrpSpPr>
-            <p:cNvPr id="11" name="组合 10"/>
-            <p:cNvGrpSpPr/>
-            <p:nvPr/>
-          </p:nvGrpSpPr>
-          <p:grpSpPr>
-            <a:xfrm>
-              <a:off x="3578" y="319"/>
-              <a:ext cx="12044" cy="5054"/>
-              <a:chOff x="3670" y="4296"/>
-              <a:chExt cx="12044" cy="5054"/>
-            </a:xfrm>
-          </p:grpSpPr>
-          <p:pic>
-            <p:nvPicPr>
-              <p:cNvPr id="13" name="图片 12"/>
-              <p:cNvPicPr>
-                <a:picLocks noChangeAspect="true"/>
-              </p:cNvPicPr>
-              <p:nvPr/>
-            </p:nvPicPr>
-            <p:blipFill>
-              <a:blip r:embed="rId7"/>
-              <a:stretch>
-                <a:fillRect/>
-              </a:stretch>
-            </p:blipFill>
-            <p:spPr>
-              <a:xfrm>
-                <a:off x="3670" y="6186"/>
-                <a:ext cx="12045" cy="1890"/>
-              </a:xfrm>
-              <a:prstGeom prst="rect">
-                <a:avLst/>
-              </a:prstGeom>
-            </p:spPr>
-          </p:pic>
-          <p:pic>
-            <p:nvPicPr>
-              <p:cNvPr id="15" name="图片 14"/>
-              <p:cNvPicPr>
-                <a:picLocks noChangeAspect="true"/>
-              </p:cNvPicPr>
-              <p:nvPr/>
-            </p:nvPicPr>
-            <p:blipFill>
-              <a:blip r:embed="rId8"/>
-              <a:stretch>
-                <a:fillRect/>
-              </a:stretch>
-            </p:blipFill>
-            <p:spPr>
-              <a:xfrm>
-                <a:off x="3670" y="4296"/>
-                <a:ext cx="12045" cy="1890"/>
-              </a:xfrm>
-              <a:prstGeom prst="rect">
-                <a:avLst/>
-              </a:prstGeom>
-            </p:spPr>
-          </p:pic>
-          <p:pic>
-            <p:nvPicPr>
-              <p:cNvPr id="16" name="图片 15"/>
-              <p:cNvPicPr>
-                <a:picLocks noChangeAspect="true"/>
-              </p:cNvPicPr>
-              <p:nvPr/>
-            </p:nvPicPr>
-            <p:blipFill>
-              <a:blip r:embed="rId9"/>
-              <a:stretch>
-                <a:fillRect/>
-              </a:stretch>
-            </p:blipFill>
-            <p:spPr>
-              <a:xfrm>
-                <a:off x="3670" y="8076"/>
-                <a:ext cx="12045" cy="1275"/>
-              </a:xfrm>
-              <a:prstGeom prst="rect">
-                <a:avLst/>
-              </a:prstGeom>
-            </p:spPr>
-          </p:pic>
-        </p:grpSp>
-      </p:grpSp>
-      <p:sp>
-        <p:nvSpPr>
-          <p:cNvPr id="23" name="文本框 22"/>
-          <p:cNvSpPr txBox="true"/>
-          <p:nvPr/>
-        </p:nvSpPr>
-        <p:spPr>
-          <a:xfrm>
-            <a:off x="10054590" y="2965450"/>
-            <a:ext cx="1939290" cy="368300"/>
-          </a:xfrm>
-          <a:prstGeom prst="rect">
-            <a:avLst/>
-          </a:prstGeom>
-          <a:noFill/>
-        </p:spPr>
-        <p:txBody>
-          <a:bodyPr wrap="square" rtlCol="0">
-            <a:spAutoFit/>
-          </a:bodyPr>
-          <a:p>
-            <a:r>
-              <a:rPr lang="zh-CN" altLang="en-US">
-                <a:latin typeface="微软雅黑" panose="020B0503020204020204" charset="-122"/>
-                <a:ea typeface="微软雅黑" panose="020B0503020204020204" charset="-122"/>
-                <a:cs typeface="微软雅黑" panose="020B0503020204020204" charset="-122"/>
-              </a:rPr>
-              <a:t>还款日为每月</a:t>
-            </a:r>
-            <a:r>
-              <a:rPr lang="en-US" altLang="zh-CN">
-                <a:latin typeface="微软雅黑" panose="020B0503020204020204" charset="-122"/>
-                <a:ea typeface="微软雅黑" panose="020B0503020204020204" charset="-122"/>
-                <a:cs typeface="微软雅黑" panose="020B0503020204020204" charset="-122"/>
-              </a:rPr>
-              <a:t>1</a:t>
-            </a:r>
-            <a:r>
-              <a:rPr lang="zh-CN" altLang="en-US">
-                <a:latin typeface="微软雅黑" panose="020B0503020204020204" charset="-122"/>
-                <a:ea typeface="微软雅黑" panose="020B0503020204020204" charset="-122"/>
-                <a:cs typeface="微软雅黑" panose="020B0503020204020204" charset="-122"/>
-              </a:rPr>
-              <a:t>日</a:t>
-            </a:r>
-            <a:endParaRPr lang="zh-CN" altLang="en-US">
-              <a:latin typeface="微软雅黑" panose="020B0503020204020204" charset="-122"/>
-              <a:ea typeface="微软雅黑" panose="020B0503020204020204" charset="-122"/>
-              <a:cs typeface="微软雅黑" panose="020B0503020204020204" charset="-122"/>
-            </a:endParaRPr>
-          </a:p>
-        </p:txBody>
-      </p:sp>
-    </p:spTree>
-  </p:cSld>
-  <p:clrMapOvr>
-    <a:masterClrMapping/>
-  </p:clrMapOvr>
-  <mc:AlternateContent xmlns:mc="http://schemas.openxmlformats.org/markup-compatibility/2006">
-    <mc:Choice xmlns:p14="http://schemas.microsoft.com/office/powerpoint/2010/main" Requires="p14">
-      <p:transition spd="slow" p14:dur="1250" advTm="0"/>
-    </mc:Choice>
-    <mc:Fallback>
-      <p:transition spd="slow" advTm="0"/>
-    </mc:Fallback>
-  </mc:AlternateContent>
-  <p:timing>
-    <p:tnLst>
-      <p:par>
-        <p:cTn id="1" dur="indefinite" restart="never" nodeType="tmRoot"/>
-      </p:par>
-    </p:tnLst>
-  </p:timing>
-</p:sld>
-</file>
-
-<file path=ppt/slides/slide30.xml><?xml version="1.0" encoding="utf-8"?>
+<file path=ppt/slides/slide29.xml><?xml version="1.0" encoding="utf-8"?>
 <p:sld xmlns:a="http://schemas.openxmlformats.org/drawingml/2006/main" xmlns:r="http://schemas.openxmlformats.org/officeDocument/2006/relationships" xmlns:p="http://schemas.openxmlformats.org/presentationml/2006/main">
   <p:cSld>
     <p:spTree>
@@ -19591,7 +18309,861 @@
 </p:sld>
 </file>
 
-<file path=ppt/slides/slide31.xml><?xml version="1.0" encoding="utf-8"?>
+<file path=ppt/slides/slide3.xml><?xml version="1.0" encoding="utf-8"?>
+<p:sld xmlns:a="http://schemas.openxmlformats.org/drawingml/2006/main" xmlns:r="http://schemas.openxmlformats.org/officeDocument/2006/relationships" xmlns:p="http://schemas.openxmlformats.org/presentationml/2006/main">
+  <p:cSld>
+    <p:spTree>
+      <p:nvGrpSpPr>
+        <p:cNvPr id="1" name=""/>
+        <p:cNvGrpSpPr/>
+        <p:nvPr/>
+      </p:nvGrpSpPr>
+      <p:grpSpPr>
+        <a:xfrm>
+          <a:off x="0" y="0"/>
+          <a:ext cx="0" cy="0"/>
+          <a:chOff x="0" y="0"/>
+          <a:chExt cx="0" cy="0"/>
+        </a:xfrm>
+      </p:grpSpPr>
+      <p:grpSp>
+        <p:nvGrpSpPr>
+          <p:cNvPr id="18" name="组合 17"/>
+          <p:cNvGrpSpPr/>
+          <p:nvPr/>
+        </p:nvGrpSpPr>
+        <p:grpSpPr>
+          <a:xfrm>
+            <a:off x="-2" y="0"/>
+            <a:ext cx="12192002" cy="6858000"/>
+            <a:chOff x="-2" y="0"/>
+            <a:chExt cx="12192002" cy="6858000"/>
+          </a:xfrm>
+        </p:grpSpPr>
+        <p:pic>
+          <p:nvPicPr>
+            <p:cNvPr id="19" name="图片 18"/>
+            <p:cNvPicPr>
+              <a:picLocks noChangeAspect="true"/>
+            </p:cNvPicPr>
+            <p:nvPr/>
+          </p:nvPicPr>
+          <p:blipFill rotWithShape="true">
+            <a:blip r:embed="rId1" cstate="screen">
+              <a:extLst>
+                <a:ext uri="{BEBA8EAE-BF5A-486C-A8C5-ECC9F3942E4B}">
+                  <a14:imgProps xmlns:a14="http://schemas.microsoft.com/office/drawing/2010/main">
+                    <a14:imgLayer r:embed="rId2">
+                      <a14:imgEffect>
+                        <a14:brightnessContrast bright="9000"/>
+                      </a14:imgEffect>
+                    </a14:imgLayer>
+                  </a14:imgProps>
+                </a:ext>
+              </a:extLst>
+            </a:blip>
+            <a:srcRect/>
+            <a:stretch>
+              <a:fillRect/>
+            </a:stretch>
+          </p:blipFill>
+          <p:spPr>
+            <a:xfrm>
+              <a:off x="-1" y="0"/>
+              <a:ext cx="12192001" cy="6858000"/>
+            </a:xfrm>
+            <a:prstGeom prst="rect">
+              <a:avLst/>
+            </a:prstGeom>
+          </p:spPr>
+        </p:pic>
+        <p:pic>
+          <p:nvPicPr>
+            <p:cNvPr id="20" name="图片 19"/>
+            <p:cNvPicPr>
+              <a:picLocks noChangeAspect="true"/>
+            </p:cNvPicPr>
+            <p:nvPr/>
+          </p:nvPicPr>
+          <p:blipFill>
+            <a:blip r:embed="rId3">
+              <a:lum bright="70000" contrast="-70000"/>
+            </a:blip>
+            <a:srcRect l="4950"/>
+            <a:stretch>
+              <a:fillRect/>
+            </a:stretch>
+          </p:blipFill>
+          <p:spPr>
+            <a:xfrm>
+              <a:off x="5707965" y="2575"/>
+              <a:ext cx="6484035" cy="77036"/>
+            </a:xfrm>
+            <a:custGeom>
+              <a:avLst/>
+              <a:gdLst>
+                <a:gd name="connsiteX0" fmla="*/ 137250 w 4702465"/>
+                <a:gd name="connsiteY0" fmla="*/ 0 h 222240"/>
+                <a:gd name="connsiteX1" fmla="*/ 4702465 w 4702465"/>
+                <a:gd name="connsiteY1" fmla="*/ 0 h 222240"/>
+                <a:gd name="connsiteX2" fmla="*/ 4702465 w 4702465"/>
+                <a:gd name="connsiteY2" fmla="*/ 222240 h 222240"/>
+                <a:gd name="connsiteX3" fmla="*/ 0 w 4702465"/>
+                <a:gd name="connsiteY3" fmla="*/ 222240 h 222240"/>
+              </a:gdLst>
+              <a:ahLst/>
+              <a:cxnLst>
+                <a:cxn ang="0">
+                  <a:pos x="connsiteX0" y="connsiteY0"/>
+                </a:cxn>
+                <a:cxn ang="0">
+                  <a:pos x="connsiteX1" y="connsiteY1"/>
+                </a:cxn>
+                <a:cxn ang="0">
+                  <a:pos x="connsiteX2" y="connsiteY2"/>
+                </a:cxn>
+                <a:cxn ang="0">
+                  <a:pos x="connsiteX3" y="connsiteY3"/>
+                </a:cxn>
+              </a:cxnLst>
+              <a:rect l="l" t="t" r="r" b="b"/>
+              <a:pathLst>
+                <a:path w="4702465" h="222240">
+                  <a:moveTo>
+                    <a:pt x="137250" y="0"/>
+                  </a:moveTo>
+                  <a:lnTo>
+                    <a:pt x="4702465" y="0"/>
+                  </a:lnTo>
+                  <a:lnTo>
+                    <a:pt x="4702465" y="222240"/>
+                  </a:lnTo>
+                  <a:lnTo>
+                    <a:pt x="0" y="222240"/>
+                  </a:lnTo>
+                  <a:close/>
+                </a:path>
+              </a:pathLst>
+            </a:custGeom>
+            <a:solidFill>
+              <a:schemeClr val="bg1"/>
+            </a:solidFill>
+          </p:spPr>
+        </p:pic>
+        <p:pic>
+          <p:nvPicPr>
+            <p:cNvPr id="21" name="图片 20"/>
+            <p:cNvPicPr>
+              <a:picLocks noChangeAspect="true"/>
+            </p:cNvPicPr>
+            <p:nvPr/>
+          </p:nvPicPr>
+          <p:blipFill>
+            <a:blip r:embed="rId3">
+              <a:lum bright="70000" contrast="-70000"/>
+            </a:blip>
+            <a:srcRect l="4950" r="26116"/>
+            <a:stretch>
+              <a:fillRect/>
+            </a:stretch>
+          </p:blipFill>
+          <p:spPr>
+            <a:xfrm flipH="true" flipV="true">
+              <a:off x="-2" y="2575"/>
+              <a:ext cx="4702465" cy="77036"/>
+            </a:xfrm>
+            <a:custGeom>
+              <a:avLst/>
+              <a:gdLst>
+                <a:gd name="connsiteX0" fmla="*/ 137250 w 4702465"/>
+                <a:gd name="connsiteY0" fmla="*/ 0 h 222240"/>
+                <a:gd name="connsiteX1" fmla="*/ 4702465 w 4702465"/>
+                <a:gd name="connsiteY1" fmla="*/ 0 h 222240"/>
+                <a:gd name="connsiteX2" fmla="*/ 4702465 w 4702465"/>
+                <a:gd name="connsiteY2" fmla="*/ 222240 h 222240"/>
+                <a:gd name="connsiteX3" fmla="*/ 0 w 4702465"/>
+                <a:gd name="connsiteY3" fmla="*/ 222240 h 222240"/>
+              </a:gdLst>
+              <a:ahLst/>
+              <a:cxnLst>
+                <a:cxn ang="0">
+                  <a:pos x="connsiteX0" y="connsiteY0"/>
+                </a:cxn>
+                <a:cxn ang="0">
+                  <a:pos x="connsiteX1" y="connsiteY1"/>
+                </a:cxn>
+                <a:cxn ang="0">
+                  <a:pos x="connsiteX2" y="connsiteY2"/>
+                </a:cxn>
+                <a:cxn ang="0">
+                  <a:pos x="connsiteX3" y="connsiteY3"/>
+                </a:cxn>
+              </a:cxnLst>
+              <a:rect l="l" t="t" r="r" b="b"/>
+              <a:pathLst>
+                <a:path w="4702465" h="222240">
+                  <a:moveTo>
+                    <a:pt x="137250" y="0"/>
+                  </a:moveTo>
+                  <a:lnTo>
+                    <a:pt x="4702465" y="0"/>
+                  </a:lnTo>
+                  <a:lnTo>
+                    <a:pt x="4702465" y="222240"/>
+                  </a:lnTo>
+                  <a:lnTo>
+                    <a:pt x="0" y="222240"/>
+                  </a:lnTo>
+                  <a:close/>
+                </a:path>
+              </a:pathLst>
+            </a:custGeom>
+            <a:solidFill>
+              <a:schemeClr val="bg1"/>
+            </a:solidFill>
+          </p:spPr>
+        </p:pic>
+        <p:pic>
+          <p:nvPicPr>
+            <p:cNvPr id="22" name="图片 21"/>
+            <p:cNvPicPr>
+              <a:picLocks noChangeAspect="true"/>
+            </p:cNvPicPr>
+            <p:nvPr/>
+          </p:nvPicPr>
+          <p:blipFill>
+            <a:blip r:embed="rId3">
+              <a:lum bright="70000" contrast="-70000"/>
+            </a:blip>
+            <a:srcRect l="4950"/>
+            <a:stretch>
+              <a:fillRect/>
+            </a:stretch>
+          </p:blipFill>
+          <p:spPr>
+            <a:xfrm rot="10800000">
+              <a:off x="-2" y="6759208"/>
+              <a:ext cx="6484035" cy="95234"/>
+            </a:xfrm>
+            <a:custGeom>
+              <a:avLst/>
+              <a:gdLst>
+                <a:gd name="connsiteX0" fmla="*/ 137250 w 4702465"/>
+                <a:gd name="connsiteY0" fmla="*/ 0 h 222240"/>
+                <a:gd name="connsiteX1" fmla="*/ 4702465 w 4702465"/>
+                <a:gd name="connsiteY1" fmla="*/ 0 h 222240"/>
+                <a:gd name="connsiteX2" fmla="*/ 4702465 w 4702465"/>
+                <a:gd name="connsiteY2" fmla="*/ 222240 h 222240"/>
+                <a:gd name="connsiteX3" fmla="*/ 0 w 4702465"/>
+                <a:gd name="connsiteY3" fmla="*/ 222240 h 222240"/>
+              </a:gdLst>
+              <a:ahLst/>
+              <a:cxnLst>
+                <a:cxn ang="0">
+                  <a:pos x="connsiteX0" y="connsiteY0"/>
+                </a:cxn>
+                <a:cxn ang="0">
+                  <a:pos x="connsiteX1" y="connsiteY1"/>
+                </a:cxn>
+                <a:cxn ang="0">
+                  <a:pos x="connsiteX2" y="connsiteY2"/>
+                </a:cxn>
+                <a:cxn ang="0">
+                  <a:pos x="connsiteX3" y="connsiteY3"/>
+                </a:cxn>
+              </a:cxnLst>
+              <a:rect l="l" t="t" r="r" b="b"/>
+              <a:pathLst>
+                <a:path w="4702465" h="222240">
+                  <a:moveTo>
+                    <a:pt x="137250" y="0"/>
+                  </a:moveTo>
+                  <a:lnTo>
+                    <a:pt x="4702465" y="0"/>
+                  </a:lnTo>
+                  <a:lnTo>
+                    <a:pt x="4702465" y="222240"/>
+                  </a:lnTo>
+                  <a:lnTo>
+                    <a:pt x="0" y="222240"/>
+                  </a:lnTo>
+                  <a:close/>
+                </a:path>
+              </a:pathLst>
+            </a:custGeom>
+            <a:solidFill>
+              <a:schemeClr val="bg1"/>
+            </a:solidFill>
+          </p:spPr>
+        </p:pic>
+        <p:pic>
+          <p:nvPicPr>
+            <p:cNvPr id="25" name="图片 24"/>
+            <p:cNvPicPr>
+              <a:picLocks noChangeAspect="true"/>
+            </p:cNvPicPr>
+            <p:nvPr/>
+          </p:nvPicPr>
+          <p:blipFill>
+            <a:blip r:embed="rId3">
+              <a:lum bright="70000" contrast="-70000"/>
+            </a:blip>
+            <a:srcRect l="4950" r="26116"/>
+            <a:stretch>
+              <a:fillRect/>
+            </a:stretch>
+          </p:blipFill>
+          <p:spPr>
+            <a:xfrm rot="10800000" flipH="true" flipV="true">
+              <a:off x="7489535" y="6759208"/>
+              <a:ext cx="4702465" cy="95234"/>
+            </a:xfrm>
+            <a:custGeom>
+              <a:avLst/>
+              <a:gdLst>
+                <a:gd name="connsiteX0" fmla="*/ 137250 w 4702465"/>
+                <a:gd name="connsiteY0" fmla="*/ 0 h 222240"/>
+                <a:gd name="connsiteX1" fmla="*/ 4702465 w 4702465"/>
+                <a:gd name="connsiteY1" fmla="*/ 0 h 222240"/>
+                <a:gd name="connsiteX2" fmla="*/ 4702465 w 4702465"/>
+                <a:gd name="connsiteY2" fmla="*/ 222240 h 222240"/>
+                <a:gd name="connsiteX3" fmla="*/ 0 w 4702465"/>
+                <a:gd name="connsiteY3" fmla="*/ 222240 h 222240"/>
+              </a:gdLst>
+              <a:ahLst/>
+              <a:cxnLst>
+                <a:cxn ang="0">
+                  <a:pos x="connsiteX0" y="connsiteY0"/>
+                </a:cxn>
+                <a:cxn ang="0">
+                  <a:pos x="connsiteX1" y="connsiteY1"/>
+                </a:cxn>
+                <a:cxn ang="0">
+                  <a:pos x="connsiteX2" y="connsiteY2"/>
+                </a:cxn>
+                <a:cxn ang="0">
+                  <a:pos x="connsiteX3" y="connsiteY3"/>
+                </a:cxn>
+              </a:cxnLst>
+              <a:rect l="l" t="t" r="r" b="b"/>
+              <a:pathLst>
+                <a:path w="4702465" h="222240">
+                  <a:moveTo>
+                    <a:pt x="137250" y="0"/>
+                  </a:moveTo>
+                  <a:lnTo>
+                    <a:pt x="4702465" y="0"/>
+                  </a:lnTo>
+                  <a:lnTo>
+                    <a:pt x="4702465" y="222240"/>
+                  </a:lnTo>
+                  <a:lnTo>
+                    <a:pt x="0" y="222240"/>
+                  </a:lnTo>
+                  <a:close/>
+                </a:path>
+              </a:pathLst>
+            </a:custGeom>
+            <a:solidFill>
+              <a:schemeClr val="bg1"/>
+            </a:solidFill>
+          </p:spPr>
+        </p:pic>
+      </p:grpSp>
+      <p:pic>
+        <p:nvPicPr>
+          <p:cNvPr id="12" name="图片 11"/>
+          <p:cNvPicPr>
+            <a:picLocks noChangeAspect="true"/>
+          </p:cNvPicPr>
+          <p:nvPr/>
+        </p:nvPicPr>
+        <p:blipFill>
+          <a:blip r:embed="rId3"/>
+          <a:stretch>
+            <a:fillRect/>
+          </a:stretch>
+        </p:blipFill>
+        <p:spPr>
+          <a:xfrm rot="10800000">
+            <a:off x="0" y="79375"/>
+            <a:ext cx="12192000" cy="638175"/>
+          </a:xfrm>
+          <a:prstGeom prst="rect">
+            <a:avLst/>
+          </a:prstGeom>
+          <a:solidFill>
+            <a:schemeClr val="bg1"/>
+          </a:solidFill>
+        </p:spPr>
+      </p:pic>
+      <p:sp>
+        <p:nvSpPr>
+          <p:cNvPr id="14" name="文本框 13"/>
+          <p:cNvSpPr txBox="true"/>
+          <p:nvPr/>
+        </p:nvSpPr>
+        <p:spPr>
+          <a:xfrm>
+            <a:off x="314325" y="137160"/>
+            <a:ext cx="7472045" cy="583565"/>
+          </a:xfrm>
+          <a:prstGeom prst="rect">
+            <a:avLst/>
+          </a:prstGeom>
+          <a:noFill/>
+        </p:spPr>
+        <p:txBody>
+          <a:bodyPr wrap="square" rtlCol="0">
+            <a:spAutoFit/>
+          </a:bodyPr>
+          <a:p>
+            <a:r>
+              <a:rPr lang="zh-CN" altLang="en-US" sz="3200" dirty="0">
+                <a:solidFill>
+                  <a:schemeClr val="bg1"/>
+                </a:solidFill>
+                <a:latin typeface="微软雅黑" panose="020B0503020204020204" charset="-122"/>
+                <a:ea typeface="微软雅黑" panose="020B0503020204020204" charset="-122"/>
+                <a:sym typeface="+mn-ea"/>
+              </a:rPr>
+              <a:t>循环信用</a:t>
+            </a:r>
+            <a:endParaRPr lang="zh-CN" altLang="en-US" sz="3200" dirty="0">
+              <a:solidFill>
+                <a:schemeClr val="bg1"/>
+              </a:solidFill>
+              <a:latin typeface="微软雅黑" panose="020B0503020204020204" charset="-122"/>
+              <a:ea typeface="微软雅黑" panose="020B0503020204020204" charset="-122"/>
+              <a:sym typeface="+mn-ea"/>
+            </a:endParaRPr>
+          </a:p>
+        </p:txBody>
+      </p:sp>
+      <p:sp>
+        <p:nvSpPr>
+          <p:cNvPr id="2" name="文本框 1"/>
+          <p:cNvSpPr txBox="true"/>
+          <p:nvPr/>
+        </p:nvSpPr>
+        <p:spPr>
+          <a:xfrm>
+            <a:off x="1650365" y="1034415"/>
+            <a:ext cx="9336405" cy="4975860"/>
+          </a:xfrm>
+          <a:prstGeom prst="rect">
+            <a:avLst/>
+          </a:prstGeom>
+          <a:noFill/>
+        </p:spPr>
+        <p:txBody>
+          <a:bodyPr wrap="square" rtlCol="0">
+            <a:spAutoFit/>
+          </a:bodyPr>
+          <a:p>
+            <a:pPr fontAlgn="auto">
+              <a:lnSpc>
+                <a:spcPct val="120000"/>
+              </a:lnSpc>
+              <a:spcBef>
+                <a:spcPts val="600"/>
+              </a:spcBef>
+              <a:spcAft>
+                <a:spcPts val="600"/>
+              </a:spcAft>
+            </a:pPr>
+            <a:r>
+              <a:rPr lang="zh-CN" altLang="en-US">
+                <a:latin typeface="微软雅黑" panose="020B0503020204020204" charset="-122"/>
+                <a:ea typeface="微软雅黑" panose="020B0503020204020204" charset="-122"/>
+                <a:cs typeface="微软雅黑" panose="020B0503020204020204" charset="-122"/>
+              </a:rPr>
+              <a:t>张先生的</a:t>
+            </a:r>
+            <a:r>
+              <a:rPr lang="zh-CN" altLang="en-US">
+                <a:solidFill>
+                  <a:srgbClr val="00B0F0"/>
+                </a:solidFill>
+                <a:latin typeface="微软雅黑" panose="020B0503020204020204" charset="-122"/>
+                <a:ea typeface="微软雅黑" panose="020B0503020204020204" charset="-122"/>
+                <a:cs typeface="微软雅黑" panose="020B0503020204020204" charset="-122"/>
+              </a:rPr>
+              <a:t>账单日为每月10日</a:t>
+            </a:r>
+            <a:r>
+              <a:rPr lang="zh-CN" altLang="en-US">
+                <a:latin typeface="微软雅黑" panose="020B0503020204020204" charset="-122"/>
+                <a:ea typeface="微软雅黑" panose="020B0503020204020204" charset="-122"/>
+                <a:cs typeface="微软雅黑" panose="020B0503020204020204" charset="-122"/>
+              </a:rPr>
+              <a:t>，</a:t>
+            </a:r>
+            <a:r>
+              <a:rPr lang="zh-CN" altLang="en-US">
+                <a:solidFill>
+                  <a:srgbClr val="00B0F0"/>
+                </a:solidFill>
+                <a:latin typeface="微软雅黑" panose="020B0503020204020204" charset="-122"/>
+                <a:ea typeface="微软雅黑" panose="020B0503020204020204" charset="-122"/>
+                <a:cs typeface="微软雅黑" panose="020B0503020204020204" charset="-122"/>
+              </a:rPr>
+              <a:t>到期还款日为每月</a:t>
+            </a:r>
+            <a:r>
+              <a:rPr lang="en-US" altLang="zh-CN">
+                <a:solidFill>
+                  <a:srgbClr val="00B0F0"/>
+                </a:solidFill>
+                <a:latin typeface="微软雅黑" panose="020B0503020204020204" charset="-122"/>
+                <a:ea typeface="微软雅黑" panose="020B0503020204020204" charset="-122"/>
+                <a:cs typeface="微软雅黑" panose="020B0503020204020204" charset="-122"/>
+              </a:rPr>
+              <a:t>28</a:t>
+            </a:r>
+            <a:r>
+              <a:rPr lang="zh-CN" altLang="en-US">
+                <a:solidFill>
+                  <a:srgbClr val="00B0F0"/>
+                </a:solidFill>
+                <a:latin typeface="微软雅黑" panose="020B0503020204020204" charset="-122"/>
+                <a:ea typeface="微软雅黑" panose="020B0503020204020204" charset="-122"/>
+                <a:cs typeface="微软雅黑" panose="020B0503020204020204" charset="-122"/>
+              </a:rPr>
+              <a:t>日</a:t>
+            </a:r>
+            <a:r>
+              <a:rPr lang="zh-CN" altLang="en-US">
+                <a:latin typeface="微软雅黑" panose="020B0503020204020204" charset="-122"/>
+                <a:ea typeface="微软雅黑" panose="020B0503020204020204" charset="-122"/>
+                <a:cs typeface="微软雅黑" panose="020B0503020204020204" charset="-122"/>
+              </a:rPr>
+              <a:t>。</a:t>
+            </a:r>
+            <a:endParaRPr lang="zh-CN" altLang="en-US">
+              <a:latin typeface="微软雅黑" panose="020B0503020204020204" charset="-122"/>
+              <a:ea typeface="微软雅黑" panose="020B0503020204020204" charset="-122"/>
+              <a:cs typeface="微软雅黑" panose="020B0503020204020204" charset="-122"/>
+            </a:endParaRPr>
+          </a:p>
+          <a:p>
+            <a:pPr fontAlgn="auto">
+              <a:lnSpc>
+                <a:spcPct val="120000"/>
+              </a:lnSpc>
+              <a:spcBef>
+                <a:spcPts val="600"/>
+              </a:spcBef>
+              <a:spcAft>
+                <a:spcPts val="600"/>
+              </a:spcAft>
+            </a:pPr>
+            <a:r>
+              <a:rPr lang="zh-CN" altLang="en-US">
+                <a:latin typeface="微软雅黑" panose="020B0503020204020204" charset="-122"/>
+                <a:ea typeface="微软雅黑" panose="020B0503020204020204" charset="-122"/>
+                <a:cs typeface="微软雅黑" panose="020B0503020204020204" charset="-122"/>
+              </a:rPr>
+              <a:t>6月10日银行为张先生打印的本期账单包括了他从</a:t>
+            </a:r>
+            <a:r>
+              <a:rPr lang="zh-CN" altLang="en-US">
+                <a:solidFill>
+                  <a:srgbClr val="00B0F0"/>
+                </a:solidFill>
+                <a:latin typeface="微软雅黑" panose="020B0503020204020204" charset="-122"/>
+                <a:ea typeface="微软雅黑" panose="020B0503020204020204" charset="-122"/>
+                <a:cs typeface="微软雅黑" panose="020B0503020204020204" charset="-122"/>
+              </a:rPr>
+              <a:t>5月11日至6月10日之间</a:t>
+            </a:r>
+            <a:r>
+              <a:rPr lang="zh-CN" altLang="en-US">
+                <a:latin typeface="微软雅黑" panose="020B0503020204020204" charset="-122"/>
+                <a:ea typeface="微软雅黑" panose="020B0503020204020204" charset="-122"/>
+                <a:cs typeface="微软雅黑" panose="020B0503020204020204" charset="-122"/>
+              </a:rPr>
+              <a:t>的所有交易账务；</a:t>
+            </a:r>
+            <a:endParaRPr lang="zh-CN" altLang="en-US">
+              <a:latin typeface="微软雅黑" panose="020B0503020204020204" charset="-122"/>
+              <a:ea typeface="微软雅黑" panose="020B0503020204020204" charset="-122"/>
+              <a:cs typeface="微软雅黑" panose="020B0503020204020204" charset="-122"/>
+            </a:endParaRPr>
+          </a:p>
+          <a:p>
+            <a:pPr fontAlgn="auto">
+              <a:lnSpc>
+                <a:spcPct val="120000"/>
+              </a:lnSpc>
+              <a:spcBef>
+                <a:spcPts val="600"/>
+              </a:spcBef>
+              <a:spcAft>
+                <a:spcPts val="600"/>
+              </a:spcAft>
+            </a:pPr>
+            <a:r>
+              <a:rPr lang="zh-CN" altLang="en-US">
+                <a:latin typeface="微软雅黑" panose="020B0503020204020204" charset="-122"/>
+                <a:ea typeface="微软雅黑" panose="020B0503020204020204" charset="-122"/>
+                <a:cs typeface="微软雅黑" panose="020B0503020204020204" charset="-122"/>
+              </a:rPr>
+              <a:t>本月账单周期张先生</a:t>
+            </a:r>
+            <a:r>
+              <a:rPr lang="zh-CN" altLang="en-US">
+                <a:solidFill>
+                  <a:srgbClr val="00B0F0"/>
+                </a:solidFill>
+                <a:latin typeface="微软雅黑" panose="020B0503020204020204" charset="-122"/>
+                <a:ea typeface="微软雅黑" panose="020B0503020204020204" charset="-122"/>
+                <a:cs typeface="微软雅黑" panose="020B0503020204020204" charset="-122"/>
+              </a:rPr>
+              <a:t>仅有一笔消费</a:t>
+            </a:r>
+            <a:r>
+              <a:rPr lang="zh-CN" altLang="en-US">
+                <a:latin typeface="微软雅黑" panose="020B0503020204020204" charset="-122"/>
+                <a:ea typeface="微软雅黑" panose="020B0503020204020204" charset="-122"/>
+                <a:cs typeface="微软雅黑" panose="020B0503020204020204" charset="-122"/>
+              </a:rPr>
+              <a:t>——5月30日，消费金额为人民币1000元；</a:t>
+            </a:r>
+            <a:endParaRPr lang="zh-CN" altLang="en-US">
+              <a:latin typeface="微软雅黑" panose="020B0503020204020204" charset="-122"/>
+              <a:ea typeface="微软雅黑" panose="020B0503020204020204" charset="-122"/>
+              <a:cs typeface="微软雅黑" panose="020B0503020204020204" charset="-122"/>
+            </a:endParaRPr>
+          </a:p>
+          <a:p>
+            <a:pPr fontAlgn="auto">
+              <a:lnSpc>
+                <a:spcPct val="120000"/>
+              </a:lnSpc>
+              <a:spcBef>
+                <a:spcPts val="600"/>
+              </a:spcBef>
+              <a:spcAft>
+                <a:spcPts val="600"/>
+              </a:spcAft>
+            </a:pPr>
+            <a:r>
+              <a:rPr lang="zh-CN" altLang="en-US">
+                <a:latin typeface="微软雅黑" panose="020B0503020204020204" charset="-122"/>
+                <a:ea typeface="微软雅黑" panose="020B0503020204020204" charset="-122"/>
+                <a:cs typeface="微软雅黑" panose="020B0503020204020204" charset="-122"/>
+              </a:rPr>
+              <a:t>张先生的本期账单列印</a:t>
+            </a:r>
+            <a:r>
+              <a:rPr lang="zh-CN" altLang="en-US">
+                <a:solidFill>
+                  <a:srgbClr val="00B0F0"/>
+                </a:solidFill>
+                <a:latin typeface="微软雅黑" panose="020B0503020204020204" charset="-122"/>
+                <a:ea typeface="微软雅黑" panose="020B0503020204020204" charset="-122"/>
+                <a:cs typeface="微软雅黑" panose="020B0503020204020204" charset="-122"/>
+              </a:rPr>
+              <a:t>本期应还金额"为人民币1000元，最低还款额"为100元</a:t>
+            </a:r>
+            <a:r>
+              <a:rPr lang="zh-CN" altLang="en-US">
+                <a:latin typeface="微软雅黑" panose="020B0503020204020204" charset="-122"/>
+                <a:ea typeface="微软雅黑" panose="020B0503020204020204" charset="-122"/>
+                <a:cs typeface="微软雅黑" panose="020B0503020204020204" charset="-122"/>
+              </a:rPr>
+              <a:t>；</a:t>
+            </a:r>
+            <a:endParaRPr lang="zh-CN" altLang="en-US">
+              <a:latin typeface="微软雅黑" panose="020B0503020204020204" charset="-122"/>
+              <a:ea typeface="微软雅黑" panose="020B0503020204020204" charset="-122"/>
+              <a:cs typeface="微软雅黑" panose="020B0503020204020204" charset="-122"/>
+            </a:endParaRPr>
+          </a:p>
+          <a:p>
+            <a:pPr fontAlgn="auto">
+              <a:lnSpc>
+                <a:spcPct val="120000"/>
+              </a:lnSpc>
+              <a:spcBef>
+                <a:spcPts val="600"/>
+              </a:spcBef>
+              <a:spcAft>
+                <a:spcPts val="600"/>
+              </a:spcAft>
+            </a:pPr>
+            <a:r>
+              <a:rPr lang="zh-CN" altLang="en-US">
+                <a:latin typeface="微软雅黑" panose="020B0503020204020204" charset="-122"/>
+                <a:ea typeface="微软雅黑" panose="020B0503020204020204" charset="-122"/>
+                <a:cs typeface="微软雅黑" panose="020B0503020204020204" charset="-122"/>
+              </a:rPr>
+              <a:t>不同的还款情况下，张先生的循环利息分别为：</a:t>
+            </a:r>
+            <a:endParaRPr lang="zh-CN" altLang="en-US">
+              <a:latin typeface="微软雅黑" panose="020B0503020204020204" charset="-122"/>
+              <a:ea typeface="微软雅黑" panose="020B0503020204020204" charset="-122"/>
+              <a:cs typeface="微软雅黑" panose="020B0503020204020204" charset="-122"/>
+            </a:endParaRPr>
+          </a:p>
+          <a:p>
+            <a:pPr fontAlgn="auto">
+              <a:lnSpc>
+                <a:spcPct val="120000"/>
+              </a:lnSpc>
+              <a:spcBef>
+                <a:spcPts val="600"/>
+              </a:spcBef>
+              <a:spcAft>
+                <a:spcPts val="600"/>
+              </a:spcAft>
+            </a:pPr>
+            <a:r>
+              <a:rPr lang="zh-CN" altLang="en-US">
+                <a:latin typeface="微软雅黑" panose="020B0503020204020204" charset="-122"/>
+                <a:ea typeface="微软雅黑" panose="020B0503020204020204" charset="-122"/>
+                <a:cs typeface="微软雅黑" panose="020B0503020204020204" charset="-122"/>
+              </a:rPr>
+              <a:t>(1) 若张先生于6月28日前，全额还款1000元，则在7月10日的对账单中循环利息= 0元</a:t>
+            </a:r>
+            <a:endParaRPr lang="zh-CN" altLang="en-US">
+              <a:latin typeface="微软雅黑" panose="020B0503020204020204" charset="-122"/>
+              <a:ea typeface="微软雅黑" panose="020B0503020204020204" charset="-122"/>
+              <a:cs typeface="微软雅黑" panose="020B0503020204020204" charset="-122"/>
+            </a:endParaRPr>
+          </a:p>
+          <a:p>
+            <a:pPr fontAlgn="auto">
+              <a:lnSpc>
+                <a:spcPct val="120000"/>
+              </a:lnSpc>
+              <a:spcBef>
+                <a:spcPts val="600"/>
+              </a:spcBef>
+              <a:spcAft>
+                <a:spcPts val="600"/>
+              </a:spcAft>
+            </a:pPr>
+            <a:r>
+              <a:rPr lang="zh-CN" altLang="en-US">
+                <a:latin typeface="微软雅黑" panose="020B0503020204020204" charset="-122"/>
+                <a:ea typeface="微软雅黑" panose="020B0503020204020204" charset="-122"/>
+                <a:cs typeface="微软雅黑" panose="020B0503020204020204" charset="-122"/>
+              </a:rPr>
+              <a:t>(2) 若张先生于6月28日前，只偿还最低还款额100元，该100元是在6月25日偿还的，则</a:t>
+            </a:r>
+            <a:r>
+              <a:rPr lang="zh-CN" altLang="en-US">
+                <a:solidFill>
+                  <a:srgbClr val="00B0F0"/>
+                </a:solidFill>
+                <a:latin typeface="微软雅黑" panose="020B0503020204020204" charset="-122"/>
+                <a:ea typeface="微软雅黑" panose="020B0503020204020204" charset="-122"/>
+                <a:cs typeface="微软雅黑" panose="020B0503020204020204" charset="-122"/>
+              </a:rPr>
+              <a:t>7月10日的对账单的循环利息=20.20元</a:t>
+            </a:r>
+            <a:endParaRPr lang="zh-CN" altLang="en-US">
+              <a:latin typeface="微软雅黑" panose="020B0503020204020204" charset="-122"/>
+              <a:ea typeface="微软雅黑" panose="020B0503020204020204" charset="-122"/>
+              <a:cs typeface="微软雅黑" panose="020B0503020204020204" charset="-122"/>
+            </a:endParaRPr>
+          </a:p>
+          <a:p>
+            <a:pPr fontAlgn="auto">
+              <a:lnSpc>
+                <a:spcPct val="120000"/>
+              </a:lnSpc>
+              <a:spcBef>
+                <a:spcPts val="600"/>
+              </a:spcBef>
+              <a:spcAft>
+                <a:spcPts val="600"/>
+              </a:spcAft>
+            </a:pPr>
+            <a:r>
+              <a:rPr lang="zh-CN" altLang="en-US">
+                <a:latin typeface="微软雅黑" panose="020B0503020204020204" charset="-122"/>
+                <a:ea typeface="微软雅黑" panose="020B0503020204020204" charset="-122"/>
+                <a:cs typeface="微软雅黑" panose="020B0503020204020204" charset="-122"/>
+              </a:rPr>
+              <a:t>具体计算如下：</a:t>
+            </a:r>
+            <a:endParaRPr lang="zh-CN" altLang="en-US">
+              <a:latin typeface="微软雅黑" panose="020B0503020204020204" charset="-122"/>
+              <a:ea typeface="微软雅黑" panose="020B0503020204020204" charset="-122"/>
+              <a:cs typeface="微软雅黑" panose="020B0503020204020204" charset="-122"/>
+            </a:endParaRPr>
+          </a:p>
+          <a:p>
+            <a:pPr fontAlgn="auto">
+              <a:lnSpc>
+                <a:spcPct val="120000"/>
+              </a:lnSpc>
+              <a:spcBef>
+                <a:spcPts val="600"/>
+              </a:spcBef>
+              <a:spcAft>
+                <a:spcPts val="600"/>
+              </a:spcAft>
+            </a:pPr>
+            <a:r>
+              <a:rPr lang="zh-CN" altLang="en-US">
+                <a:latin typeface="微软雅黑" panose="020B0503020204020204" charset="-122"/>
+                <a:ea typeface="微软雅黑" panose="020B0503020204020204" charset="-122"/>
+                <a:cs typeface="微软雅黑" panose="020B0503020204020204" charset="-122"/>
+              </a:rPr>
+              <a:t>1000元 * 0.05% * 26天 （5月30日--6月2</a:t>
+            </a:r>
+            <a:r>
+              <a:rPr lang="en-US" altLang="zh-CN">
+                <a:latin typeface="微软雅黑" panose="020B0503020204020204" charset="-122"/>
+                <a:ea typeface="微软雅黑" panose="020B0503020204020204" charset="-122"/>
+                <a:cs typeface="微软雅黑" panose="020B0503020204020204" charset="-122"/>
+              </a:rPr>
+              <a:t>4</a:t>
+            </a:r>
+            <a:r>
+              <a:rPr lang="zh-CN" altLang="en-US">
+                <a:latin typeface="微软雅黑" panose="020B0503020204020204" charset="-122"/>
+                <a:ea typeface="微软雅黑" panose="020B0503020204020204" charset="-122"/>
+                <a:cs typeface="微软雅黑" panose="020B0503020204020204" charset="-122"/>
+              </a:rPr>
+              <a:t>日）+ (1000元-100元) * 0.05% * 16天 （6月25日--7月10日） =13+7.2=20.2元</a:t>
+            </a:r>
+            <a:endParaRPr lang="zh-CN" altLang="en-US">
+              <a:latin typeface="微软雅黑" panose="020B0503020204020204" charset="-122"/>
+              <a:ea typeface="微软雅黑" panose="020B0503020204020204" charset="-122"/>
+              <a:cs typeface="微软雅黑" panose="020B0503020204020204" charset="-122"/>
+            </a:endParaRPr>
+          </a:p>
+        </p:txBody>
+      </p:sp>
+    </p:spTree>
+  </p:cSld>
+  <p:clrMapOvr>
+    <a:masterClrMapping/>
+  </p:clrMapOvr>
+  <mc:AlternateContent xmlns:mc="http://schemas.openxmlformats.org/markup-compatibility/2006">
+    <mc:Choice xmlns:p14="http://schemas.microsoft.com/office/powerpoint/2010/main" Requires="p14">
+      <p:transition spd="slow" p14:dur="1250" advTm="0"/>
+    </mc:Choice>
+    <mc:Fallback>
+      <p:transition spd="slow" advTm="0"/>
+    </mc:Fallback>
+  </mc:AlternateContent>
+  <p:timing>
+    <p:tnLst>
+      <p:par>
+        <p:cTn id="1" dur="indefinite" restart="never" nodeType="tmRoot"/>
+      </p:par>
+    </p:tnLst>
+  </p:timing>
+</p:sld>
+</file>
+
+<file path=ppt/slides/slide30.xml><?xml version="1.0" encoding="utf-8"?>
 <p:sld xmlns:a="http://schemas.openxmlformats.org/drawingml/2006/main" xmlns:r="http://schemas.openxmlformats.org/officeDocument/2006/relationships" xmlns:p="http://schemas.openxmlformats.org/presentationml/2006/main">
   <p:cSld>
     <p:spTree>
@@ -21574,7 +21146,18 @@
                               <a:ea typeface="微软雅黑" panose="020B0503020204020204" charset="-122"/>
                               <a:cs typeface="Cambria Math" panose="02040503050406030204" charset="0"/>
                             </a:rPr>
-                            <m:t>𝑛−</m:t>
+                            <m:t>𝑛</m:t>
+                          </m:r>
+                          <m:r>
+                            <a:rPr lang="en-US" altLang="zh-CN" i="1">
+                              <a:solidFill>
+                                <a:schemeClr val="tx1"/>
+                              </a:solidFill>
+                              <a:latin typeface="Cambria Math" panose="02040503050406030204" charset="0"/>
+                              <a:ea typeface="微软雅黑" panose="020B0503020204020204" charset="-122"/>
+                              <a:cs typeface="Cambria Math" panose="02040503050406030204" charset="0"/>
+                            </a:rPr>
+                            <m:t>−</m:t>
                           </m:r>
                           <m:r>
                             <a:rPr lang="en-US" altLang="zh-CN" i="1">
@@ -22908,7 +22491,7 @@
                     <a:ea typeface="微软雅黑" panose="020B0503020204020204" charset="-122"/>
                     <a:cs typeface="Cambria Math" panose="02040503050406030204" charset="0"/>
                   </a:rPr>
-                  <a:t>，得：</a:t>
+                  <a:t>（利用等比数列公式），得：</a:t>
                 </a:r>
                 <a:endParaRPr lang="zh-CN" altLang="en-US">
                   <a:solidFill>
@@ -23621,7 +23204,7 @@
 </p:sld>
 </file>
 
-<file path=ppt/slides/slide32.xml><?xml version="1.0" encoding="utf-8"?>
+<file path=ppt/slides/slide31.xml><?xml version="1.0" encoding="utf-8"?>
 <p:sld xmlns:a="http://schemas.openxmlformats.org/drawingml/2006/main" xmlns:r="http://schemas.openxmlformats.org/officeDocument/2006/relationships" xmlns:p="http://schemas.openxmlformats.org/presentationml/2006/main">
   <p:cSld>
     <p:spTree>
@@ -24681,7 +24264,7 @@
 </p:sld>
 </file>
 
-<file path=ppt/slides/slide33.xml><?xml version="1.0" encoding="utf-8"?>
+<file path=ppt/slides/slide32.xml><?xml version="1.0" encoding="utf-8"?>
 <p:sld xmlns:a="http://schemas.openxmlformats.org/drawingml/2006/main" xmlns:r="http://schemas.openxmlformats.org/officeDocument/2006/relationships" xmlns:p="http://schemas.openxmlformats.org/presentationml/2006/main">
   <p:cSld>
     <p:spTree>
@@ -25692,860 +25275,6 @@
                 <a:ea typeface="微软雅黑" panose="020B0503020204020204" charset="-122"/>
                 <a:sym typeface="+mn-ea"/>
               </a:rPr>
-              <a:t>循环信用</a:t>
-            </a:r>
-            <a:endParaRPr lang="zh-CN" altLang="en-US" sz="3200" dirty="0">
-              <a:solidFill>
-                <a:schemeClr val="bg1"/>
-              </a:solidFill>
-              <a:latin typeface="微软雅黑" panose="020B0503020204020204" charset="-122"/>
-              <a:ea typeface="微软雅黑" panose="020B0503020204020204" charset="-122"/>
-              <a:sym typeface="+mn-ea"/>
-            </a:endParaRPr>
-          </a:p>
-        </p:txBody>
-      </p:sp>
-      <p:sp>
-        <p:nvSpPr>
-          <p:cNvPr id="2" name="文本框 1"/>
-          <p:cNvSpPr txBox="true"/>
-          <p:nvPr/>
-        </p:nvSpPr>
-        <p:spPr>
-          <a:xfrm>
-            <a:off x="1650365" y="1034415"/>
-            <a:ext cx="9336405" cy="4975860"/>
-          </a:xfrm>
-          <a:prstGeom prst="rect">
-            <a:avLst/>
-          </a:prstGeom>
-          <a:noFill/>
-        </p:spPr>
-        <p:txBody>
-          <a:bodyPr wrap="square" rtlCol="0">
-            <a:spAutoFit/>
-          </a:bodyPr>
-          <a:p>
-            <a:pPr fontAlgn="auto">
-              <a:lnSpc>
-                <a:spcPct val="120000"/>
-              </a:lnSpc>
-              <a:spcBef>
-                <a:spcPts val="600"/>
-              </a:spcBef>
-              <a:spcAft>
-                <a:spcPts val="600"/>
-              </a:spcAft>
-            </a:pPr>
-            <a:r>
-              <a:rPr lang="zh-CN" altLang="en-US">
-                <a:latin typeface="微软雅黑" panose="020B0503020204020204" charset="-122"/>
-                <a:ea typeface="微软雅黑" panose="020B0503020204020204" charset="-122"/>
-                <a:cs typeface="微软雅黑" panose="020B0503020204020204" charset="-122"/>
-              </a:rPr>
-              <a:t>张先生的</a:t>
-            </a:r>
-            <a:r>
-              <a:rPr lang="zh-CN" altLang="en-US">
-                <a:solidFill>
-                  <a:srgbClr val="00B0F0"/>
-                </a:solidFill>
-                <a:latin typeface="微软雅黑" panose="020B0503020204020204" charset="-122"/>
-                <a:ea typeface="微软雅黑" panose="020B0503020204020204" charset="-122"/>
-                <a:cs typeface="微软雅黑" panose="020B0503020204020204" charset="-122"/>
-              </a:rPr>
-              <a:t>账单日为每月10日</a:t>
-            </a:r>
-            <a:r>
-              <a:rPr lang="zh-CN" altLang="en-US">
-                <a:latin typeface="微软雅黑" panose="020B0503020204020204" charset="-122"/>
-                <a:ea typeface="微软雅黑" panose="020B0503020204020204" charset="-122"/>
-                <a:cs typeface="微软雅黑" panose="020B0503020204020204" charset="-122"/>
-              </a:rPr>
-              <a:t>，</a:t>
-            </a:r>
-            <a:r>
-              <a:rPr lang="zh-CN" altLang="en-US">
-                <a:solidFill>
-                  <a:srgbClr val="00B0F0"/>
-                </a:solidFill>
-                <a:latin typeface="微软雅黑" panose="020B0503020204020204" charset="-122"/>
-                <a:ea typeface="微软雅黑" panose="020B0503020204020204" charset="-122"/>
-                <a:cs typeface="微软雅黑" panose="020B0503020204020204" charset="-122"/>
-              </a:rPr>
-              <a:t>到期还款日为每月</a:t>
-            </a:r>
-            <a:r>
-              <a:rPr lang="en-US" altLang="zh-CN">
-                <a:solidFill>
-                  <a:srgbClr val="00B0F0"/>
-                </a:solidFill>
-                <a:latin typeface="微软雅黑" panose="020B0503020204020204" charset="-122"/>
-                <a:ea typeface="微软雅黑" panose="020B0503020204020204" charset="-122"/>
-                <a:cs typeface="微软雅黑" panose="020B0503020204020204" charset="-122"/>
-              </a:rPr>
-              <a:t>28</a:t>
-            </a:r>
-            <a:r>
-              <a:rPr lang="zh-CN" altLang="en-US">
-                <a:solidFill>
-                  <a:srgbClr val="00B0F0"/>
-                </a:solidFill>
-                <a:latin typeface="微软雅黑" panose="020B0503020204020204" charset="-122"/>
-                <a:ea typeface="微软雅黑" panose="020B0503020204020204" charset="-122"/>
-                <a:cs typeface="微软雅黑" panose="020B0503020204020204" charset="-122"/>
-              </a:rPr>
-              <a:t>日</a:t>
-            </a:r>
-            <a:r>
-              <a:rPr lang="zh-CN" altLang="en-US">
-                <a:latin typeface="微软雅黑" panose="020B0503020204020204" charset="-122"/>
-                <a:ea typeface="微软雅黑" panose="020B0503020204020204" charset="-122"/>
-                <a:cs typeface="微软雅黑" panose="020B0503020204020204" charset="-122"/>
-              </a:rPr>
-              <a:t>。</a:t>
-            </a:r>
-            <a:endParaRPr lang="zh-CN" altLang="en-US">
-              <a:latin typeface="微软雅黑" panose="020B0503020204020204" charset="-122"/>
-              <a:ea typeface="微软雅黑" panose="020B0503020204020204" charset="-122"/>
-              <a:cs typeface="微软雅黑" panose="020B0503020204020204" charset="-122"/>
-            </a:endParaRPr>
-          </a:p>
-          <a:p>
-            <a:pPr fontAlgn="auto">
-              <a:lnSpc>
-                <a:spcPct val="120000"/>
-              </a:lnSpc>
-              <a:spcBef>
-                <a:spcPts val="600"/>
-              </a:spcBef>
-              <a:spcAft>
-                <a:spcPts val="600"/>
-              </a:spcAft>
-            </a:pPr>
-            <a:r>
-              <a:rPr lang="zh-CN" altLang="en-US">
-                <a:latin typeface="微软雅黑" panose="020B0503020204020204" charset="-122"/>
-                <a:ea typeface="微软雅黑" panose="020B0503020204020204" charset="-122"/>
-                <a:cs typeface="微软雅黑" panose="020B0503020204020204" charset="-122"/>
-              </a:rPr>
-              <a:t>6月10日银行为张先生打印的本期账单包括了他从</a:t>
-            </a:r>
-            <a:r>
-              <a:rPr lang="zh-CN" altLang="en-US">
-                <a:solidFill>
-                  <a:srgbClr val="00B0F0"/>
-                </a:solidFill>
-                <a:latin typeface="微软雅黑" panose="020B0503020204020204" charset="-122"/>
-                <a:ea typeface="微软雅黑" panose="020B0503020204020204" charset="-122"/>
-                <a:cs typeface="微软雅黑" panose="020B0503020204020204" charset="-122"/>
-              </a:rPr>
-              <a:t>5月11日至6月10日之间</a:t>
-            </a:r>
-            <a:r>
-              <a:rPr lang="zh-CN" altLang="en-US">
-                <a:latin typeface="微软雅黑" panose="020B0503020204020204" charset="-122"/>
-                <a:ea typeface="微软雅黑" panose="020B0503020204020204" charset="-122"/>
-                <a:cs typeface="微软雅黑" panose="020B0503020204020204" charset="-122"/>
-              </a:rPr>
-              <a:t>的所有交易账务；</a:t>
-            </a:r>
-            <a:endParaRPr lang="zh-CN" altLang="en-US">
-              <a:latin typeface="微软雅黑" panose="020B0503020204020204" charset="-122"/>
-              <a:ea typeface="微软雅黑" panose="020B0503020204020204" charset="-122"/>
-              <a:cs typeface="微软雅黑" panose="020B0503020204020204" charset="-122"/>
-            </a:endParaRPr>
-          </a:p>
-          <a:p>
-            <a:pPr fontAlgn="auto">
-              <a:lnSpc>
-                <a:spcPct val="120000"/>
-              </a:lnSpc>
-              <a:spcBef>
-                <a:spcPts val="600"/>
-              </a:spcBef>
-              <a:spcAft>
-                <a:spcPts val="600"/>
-              </a:spcAft>
-            </a:pPr>
-            <a:r>
-              <a:rPr lang="zh-CN" altLang="en-US">
-                <a:latin typeface="微软雅黑" panose="020B0503020204020204" charset="-122"/>
-                <a:ea typeface="微软雅黑" panose="020B0503020204020204" charset="-122"/>
-                <a:cs typeface="微软雅黑" panose="020B0503020204020204" charset="-122"/>
-              </a:rPr>
-              <a:t>本月账单周期张先生</a:t>
-            </a:r>
-            <a:r>
-              <a:rPr lang="zh-CN" altLang="en-US">
-                <a:solidFill>
-                  <a:srgbClr val="00B0F0"/>
-                </a:solidFill>
-                <a:latin typeface="微软雅黑" panose="020B0503020204020204" charset="-122"/>
-                <a:ea typeface="微软雅黑" panose="020B0503020204020204" charset="-122"/>
-                <a:cs typeface="微软雅黑" panose="020B0503020204020204" charset="-122"/>
-              </a:rPr>
-              <a:t>仅有一笔消费</a:t>
-            </a:r>
-            <a:r>
-              <a:rPr lang="zh-CN" altLang="en-US">
-                <a:latin typeface="微软雅黑" panose="020B0503020204020204" charset="-122"/>
-                <a:ea typeface="微软雅黑" panose="020B0503020204020204" charset="-122"/>
-                <a:cs typeface="微软雅黑" panose="020B0503020204020204" charset="-122"/>
-              </a:rPr>
-              <a:t>——5月30日，消费金额为人民币1000元；</a:t>
-            </a:r>
-            <a:endParaRPr lang="zh-CN" altLang="en-US">
-              <a:latin typeface="微软雅黑" panose="020B0503020204020204" charset="-122"/>
-              <a:ea typeface="微软雅黑" panose="020B0503020204020204" charset="-122"/>
-              <a:cs typeface="微软雅黑" panose="020B0503020204020204" charset="-122"/>
-            </a:endParaRPr>
-          </a:p>
-          <a:p>
-            <a:pPr fontAlgn="auto">
-              <a:lnSpc>
-                <a:spcPct val="120000"/>
-              </a:lnSpc>
-              <a:spcBef>
-                <a:spcPts val="600"/>
-              </a:spcBef>
-              <a:spcAft>
-                <a:spcPts val="600"/>
-              </a:spcAft>
-            </a:pPr>
-            <a:r>
-              <a:rPr lang="zh-CN" altLang="en-US">
-                <a:latin typeface="微软雅黑" panose="020B0503020204020204" charset="-122"/>
-                <a:ea typeface="微软雅黑" panose="020B0503020204020204" charset="-122"/>
-                <a:cs typeface="微软雅黑" panose="020B0503020204020204" charset="-122"/>
-              </a:rPr>
-              <a:t>张先生的本期账单列印</a:t>
-            </a:r>
-            <a:r>
-              <a:rPr lang="zh-CN" altLang="en-US">
-                <a:solidFill>
-                  <a:srgbClr val="00B0F0"/>
-                </a:solidFill>
-                <a:latin typeface="微软雅黑" panose="020B0503020204020204" charset="-122"/>
-                <a:ea typeface="微软雅黑" panose="020B0503020204020204" charset="-122"/>
-                <a:cs typeface="微软雅黑" panose="020B0503020204020204" charset="-122"/>
-              </a:rPr>
-              <a:t>本期应还金额"为人民币1000元，最低还款额"为100元</a:t>
-            </a:r>
-            <a:r>
-              <a:rPr lang="zh-CN" altLang="en-US">
-                <a:latin typeface="微软雅黑" panose="020B0503020204020204" charset="-122"/>
-                <a:ea typeface="微软雅黑" panose="020B0503020204020204" charset="-122"/>
-                <a:cs typeface="微软雅黑" panose="020B0503020204020204" charset="-122"/>
-              </a:rPr>
-              <a:t>；</a:t>
-            </a:r>
-            <a:endParaRPr lang="zh-CN" altLang="en-US">
-              <a:latin typeface="微软雅黑" panose="020B0503020204020204" charset="-122"/>
-              <a:ea typeface="微软雅黑" panose="020B0503020204020204" charset="-122"/>
-              <a:cs typeface="微软雅黑" panose="020B0503020204020204" charset="-122"/>
-            </a:endParaRPr>
-          </a:p>
-          <a:p>
-            <a:pPr fontAlgn="auto">
-              <a:lnSpc>
-                <a:spcPct val="120000"/>
-              </a:lnSpc>
-              <a:spcBef>
-                <a:spcPts val="600"/>
-              </a:spcBef>
-              <a:spcAft>
-                <a:spcPts val="600"/>
-              </a:spcAft>
-            </a:pPr>
-            <a:r>
-              <a:rPr lang="zh-CN" altLang="en-US">
-                <a:latin typeface="微软雅黑" panose="020B0503020204020204" charset="-122"/>
-                <a:ea typeface="微软雅黑" panose="020B0503020204020204" charset="-122"/>
-                <a:cs typeface="微软雅黑" panose="020B0503020204020204" charset="-122"/>
-              </a:rPr>
-              <a:t>不同的还款情况下，张先生的循环利息分别为：</a:t>
-            </a:r>
-            <a:endParaRPr lang="zh-CN" altLang="en-US">
-              <a:latin typeface="微软雅黑" panose="020B0503020204020204" charset="-122"/>
-              <a:ea typeface="微软雅黑" panose="020B0503020204020204" charset="-122"/>
-              <a:cs typeface="微软雅黑" panose="020B0503020204020204" charset="-122"/>
-            </a:endParaRPr>
-          </a:p>
-          <a:p>
-            <a:pPr fontAlgn="auto">
-              <a:lnSpc>
-                <a:spcPct val="120000"/>
-              </a:lnSpc>
-              <a:spcBef>
-                <a:spcPts val="600"/>
-              </a:spcBef>
-              <a:spcAft>
-                <a:spcPts val="600"/>
-              </a:spcAft>
-            </a:pPr>
-            <a:r>
-              <a:rPr lang="zh-CN" altLang="en-US">
-                <a:latin typeface="微软雅黑" panose="020B0503020204020204" charset="-122"/>
-                <a:ea typeface="微软雅黑" panose="020B0503020204020204" charset="-122"/>
-                <a:cs typeface="微软雅黑" panose="020B0503020204020204" charset="-122"/>
-              </a:rPr>
-              <a:t>(1) 若张先生于6月28日前，全额还款1000元，则在7月10日的对账单中循环利息= 0元</a:t>
-            </a:r>
-            <a:endParaRPr lang="zh-CN" altLang="en-US">
-              <a:latin typeface="微软雅黑" panose="020B0503020204020204" charset="-122"/>
-              <a:ea typeface="微软雅黑" panose="020B0503020204020204" charset="-122"/>
-              <a:cs typeface="微软雅黑" panose="020B0503020204020204" charset="-122"/>
-            </a:endParaRPr>
-          </a:p>
-          <a:p>
-            <a:pPr fontAlgn="auto">
-              <a:lnSpc>
-                <a:spcPct val="120000"/>
-              </a:lnSpc>
-              <a:spcBef>
-                <a:spcPts val="600"/>
-              </a:spcBef>
-              <a:spcAft>
-                <a:spcPts val="600"/>
-              </a:spcAft>
-            </a:pPr>
-            <a:r>
-              <a:rPr lang="zh-CN" altLang="en-US">
-                <a:latin typeface="微软雅黑" panose="020B0503020204020204" charset="-122"/>
-                <a:ea typeface="微软雅黑" panose="020B0503020204020204" charset="-122"/>
-                <a:cs typeface="微软雅黑" panose="020B0503020204020204" charset="-122"/>
-              </a:rPr>
-              <a:t>(2) 若张先生于6月28日前，只偿还最低还款额100元，该100元是在6月25日偿还的，则</a:t>
-            </a:r>
-            <a:r>
-              <a:rPr lang="zh-CN" altLang="en-US">
-                <a:solidFill>
-                  <a:srgbClr val="00B0F0"/>
-                </a:solidFill>
-                <a:latin typeface="微软雅黑" panose="020B0503020204020204" charset="-122"/>
-                <a:ea typeface="微软雅黑" panose="020B0503020204020204" charset="-122"/>
-                <a:cs typeface="微软雅黑" panose="020B0503020204020204" charset="-122"/>
-              </a:rPr>
-              <a:t>7月10日的对账单的循环利息=20.20元</a:t>
-            </a:r>
-            <a:endParaRPr lang="zh-CN" altLang="en-US">
-              <a:latin typeface="微软雅黑" panose="020B0503020204020204" charset="-122"/>
-              <a:ea typeface="微软雅黑" panose="020B0503020204020204" charset="-122"/>
-              <a:cs typeface="微软雅黑" panose="020B0503020204020204" charset="-122"/>
-            </a:endParaRPr>
-          </a:p>
-          <a:p>
-            <a:pPr fontAlgn="auto">
-              <a:lnSpc>
-                <a:spcPct val="120000"/>
-              </a:lnSpc>
-              <a:spcBef>
-                <a:spcPts val="600"/>
-              </a:spcBef>
-              <a:spcAft>
-                <a:spcPts val="600"/>
-              </a:spcAft>
-            </a:pPr>
-            <a:r>
-              <a:rPr lang="zh-CN" altLang="en-US">
-                <a:latin typeface="微软雅黑" panose="020B0503020204020204" charset="-122"/>
-                <a:ea typeface="微软雅黑" panose="020B0503020204020204" charset="-122"/>
-                <a:cs typeface="微软雅黑" panose="020B0503020204020204" charset="-122"/>
-              </a:rPr>
-              <a:t>具体计算如下：</a:t>
-            </a:r>
-            <a:endParaRPr lang="zh-CN" altLang="en-US">
-              <a:latin typeface="微软雅黑" panose="020B0503020204020204" charset="-122"/>
-              <a:ea typeface="微软雅黑" panose="020B0503020204020204" charset="-122"/>
-              <a:cs typeface="微软雅黑" panose="020B0503020204020204" charset="-122"/>
-            </a:endParaRPr>
-          </a:p>
-          <a:p>
-            <a:pPr fontAlgn="auto">
-              <a:lnSpc>
-                <a:spcPct val="120000"/>
-              </a:lnSpc>
-              <a:spcBef>
-                <a:spcPts val="600"/>
-              </a:spcBef>
-              <a:spcAft>
-                <a:spcPts val="600"/>
-              </a:spcAft>
-            </a:pPr>
-            <a:r>
-              <a:rPr lang="zh-CN" altLang="en-US">
-                <a:latin typeface="微软雅黑" panose="020B0503020204020204" charset="-122"/>
-                <a:ea typeface="微软雅黑" panose="020B0503020204020204" charset="-122"/>
-                <a:cs typeface="微软雅黑" panose="020B0503020204020204" charset="-122"/>
-              </a:rPr>
-              <a:t>1000元 * 0.05% * 26天 （5月30日--6月2</a:t>
-            </a:r>
-            <a:r>
-              <a:rPr lang="en-US" altLang="zh-CN">
-                <a:latin typeface="微软雅黑" panose="020B0503020204020204" charset="-122"/>
-                <a:ea typeface="微软雅黑" panose="020B0503020204020204" charset="-122"/>
-                <a:cs typeface="微软雅黑" panose="020B0503020204020204" charset="-122"/>
-              </a:rPr>
-              <a:t>4</a:t>
-            </a:r>
-            <a:r>
-              <a:rPr lang="zh-CN" altLang="en-US">
-                <a:latin typeface="微软雅黑" panose="020B0503020204020204" charset="-122"/>
-                <a:ea typeface="微软雅黑" panose="020B0503020204020204" charset="-122"/>
-                <a:cs typeface="微软雅黑" panose="020B0503020204020204" charset="-122"/>
-              </a:rPr>
-              <a:t>日）+ (1000元-100元) * 0.05% * 16天 （6月25日--7月10日） =13+7.2=20.2元</a:t>
-            </a:r>
-            <a:endParaRPr lang="zh-CN" altLang="en-US">
-              <a:latin typeface="微软雅黑" panose="020B0503020204020204" charset="-122"/>
-              <a:ea typeface="微软雅黑" panose="020B0503020204020204" charset="-122"/>
-              <a:cs typeface="微软雅黑" panose="020B0503020204020204" charset="-122"/>
-            </a:endParaRPr>
-          </a:p>
-        </p:txBody>
-      </p:sp>
-    </p:spTree>
-  </p:cSld>
-  <p:clrMapOvr>
-    <a:masterClrMapping/>
-  </p:clrMapOvr>
-  <mc:AlternateContent xmlns:mc="http://schemas.openxmlformats.org/markup-compatibility/2006">
-    <mc:Choice xmlns:p14="http://schemas.microsoft.com/office/powerpoint/2010/main" Requires="p14">
-      <p:transition spd="slow" p14:dur="1250" advTm="0"/>
-    </mc:Choice>
-    <mc:Fallback>
-      <p:transition spd="slow" advTm="0"/>
-    </mc:Fallback>
-  </mc:AlternateContent>
-  <p:timing>
-    <p:tnLst>
-      <p:par>
-        <p:cTn id="1" dur="indefinite" restart="never" nodeType="tmRoot"/>
-      </p:par>
-    </p:tnLst>
-  </p:timing>
-</p:sld>
-</file>
-
-<file path=ppt/slides/slide5.xml><?xml version="1.0" encoding="utf-8"?>
-<p:sld xmlns:a="http://schemas.openxmlformats.org/drawingml/2006/main" xmlns:r="http://schemas.openxmlformats.org/officeDocument/2006/relationships" xmlns:p="http://schemas.openxmlformats.org/presentationml/2006/main">
-  <p:cSld>
-    <p:spTree>
-      <p:nvGrpSpPr>
-        <p:cNvPr id="1" name=""/>
-        <p:cNvGrpSpPr/>
-        <p:nvPr/>
-      </p:nvGrpSpPr>
-      <p:grpSpPr>
-        <a:xfrm>
-          <a:off x="0" y="0"/>
-          <a:ext cx="0" cy="0"/>
-          <a:chOff x="0" y="0"/>
-          <a:chExt cx="0" cy="0"/>
-        </a:xfrm>
-      </p:grpSpPr>
-      <p:grpSp>
-        <p:nvGrpSpPr>
-          <p:cNvPr id="18" name="组合 17"/>
-          <p:cNvGrpSpPr/>
-          <p:nvPr/>
-        </p:nvGrpSpPr>
-        <p:grpSpPr>
-          <a:xfrm>
-            <a:off x="-2" y="0"/>
-            <a:ext cx="12192002" cy="6858000"/>
-            <a:chOff x="-2" y="0"/>
-            <a:chExt cx="12192002" cy="6858000"/>
-          </a:xfrm>
-        </p:grpSpPr>
-        <p:pic>
-          <p:nvPicPr>
-            <p:cNvPr id="19" name="图片 18"/>
-            <p:cNvPicPr>
-              <a:picLocks noChangeAspect="true"/>
-            </p:cNvPicPr>
-            <p:nvPr/>
-          </p:nvPicPr>
-          <p:blipFill rotWithShape="true">
-            <a:blip r:embed="rId1" cstate="screen">
-              <a:extLst>
-                <a:ext uri="{BEBA8EAE-BF5A-486C-A8C5-ECC9F3942E4B}">
-                  <a14:imgProps xmlns:a14="http://schemas.microsoft.com/office/drawing/2010/main">
-                    <a14:imgLayer r:embed="rId2">
-                      <a14:imgEffect>
-                        <a14:brightnessContrast bright="9000"/>
-                      </a14:imgEffect>
-                    </a14:imgLayer>
-                  </a14:imgProps>
-                </a:ext>
-              </a:extLst>
-            </a:blip>
-            <a:srcRect/>
-            <a:stretch>
-              <a:fillRect/>
-            </a:stretch>
-          </p:blipFill>
-          <p:spPr>
-            <a:xfrm>
-              <a:off x="-1" y="0"/>
-              <a:ext cx="12192001" cy="6858000"/>
-            </a:xfrm>
-            <a:prstGeom prst="rect">
-              <a:avLst/>
-            </a:prstGeom>
-          </p:spPr>
-        </p:pic>
-        <p:pic>
-          <p:nvPicPr>
-            <p:cNvPr id="20" name="图片 19"/>
-            <p:cNvPicPr>
-              <a:picLocks noChangeAspect="true"/>
-            </p:cNvPicPr>
-            <p:nvPr/>
-          </p:nvPicPr>
-          <p:blipFill>
-            <a:blip r:embed="rId3">
-              <a:lum bright="70000" contrast="-70000"/>
-            </a:blip>
-            <a:srcRect l="4950"/>
-            <a:stretch>
-              <a:fillRect/>
-            </a:stretch>
-          </p:blipFill>
-          <p:spPr>
-            <a:xfrm>
-              <a:off x="5707965" y="2575"/>
-              <a:ext cx="6484035" cy="77036"/>
-            </a:xfrm>
-            <a:custGeom>
-              <a:avLst/>
-              <a:gdLst>
-                <a:gd name="connsiteX0" fmla="*/ 137250 w 4702465"/>
-                <a:gd name="connsiteY0" fmla="*/ 0 h 222240"/>
-                <a:gd name="connsiteX1" fmla="*/ 4702465 w 4702465"/>
-                <a:gd name="connsiteY1" fmla="*/ 0 h 222240"/>
-                <a:gd name="connsiteX2" fmla="*/ 4702465 w 4702465"/>
-                <a:gd name="connsiteY2" fmla="*/ 222240 h 222240"/>
-                <a:gd name="connsiteX3" fmla="*/ 0 w 4702465"/>
-                <a:gd name="connsiteY3" fmla="*/ 222240 h 222240"/>
-              </a:gdLst>
-              <a:ahLst/>
-              <a:cxnLst>
-                <a:cxn ang="0">
-                  <a:pos x="connsiteX0" y="connsiteY0"/>
-                </a:cxn>
-                <a:cxn ang="0">
-                  <a:pos x="connsiteX1" y="connsiteY1"/>
-                </a:cxn>
-                <a:cxn ang="0">
-                  <a:pos x="connsiteX2" y="connsiteY2"/>
-                </a:cxn>
-                <a:cxn ang="0">
-                  <a:pos x="connsiteX3" y="connsiteY3"/>
-                </a:cxn>
-              </a:cxnLst>
-              <a:rect l="l" t="t" r="r" b="b"/>
-              <a:pathLst>
-                <a:path w="4702465" h="222240">
-                  <a:moveTo>
-                    <a:pt x="137250" y="0"/>
-                  </a:moveTo>
-                  <a:lnTo>
-                    <a:pt x="4702465" y="0"/>
-                  </a:lnTo>
-                  <a:lnTo>
-                    <a:pt x="4702465" y="222240"/>
-                  </a:lnTo>
-                  <a:lnTo>
-                    <a:pt x="0" y="222240"/>
-                  </a:lnTo>
-                  <a:close/>
-                </a:path>
-              </a:pathLst>
-            </a:custGeom>
-            <a:solidFill>
-              <a:schemeClr val="bg1"/>
-            </a:solidFill>
-          </p:spPr>
-        </p:pic>
-        <p:pic>
-          <p:nvPicPr>
-            <p:cNvPr id="21" name="图片 20"/>
-            <p:cNvPicPr>
-              <a:picLocks noChangeAspect="true"/>
-            </p:cNvPicPr>
-            <p:nvPr/>
-          </p:nvPicPr>
-          <p:blipFill>
-            <a:blip r:embed="rId3">
-              <a:lum bright="70000" contrast="-70000"/>
-            </a:blip>
-            <a:srcRect l="4950" r="26116"/>
-            <a:stretch>
-              <a:fillRect/>
-            </a:stretch>
-          </p:blipFill>
-          <p:spPr>
-            <a:xfrm flipH="true" flipV="true">
-              <a:off x="-2" y="2575"/>
-              <a:ext cx="4702465" cy="77036"/>
-            </a:xfrm>
-            <a:custGeom>
-              <a:avLst/>
-              <a:gdLst>
-                <a:gd name="connsiteX0" fmla="*/ 137250 w 4702465"/>
-                <a:gd name="connsiteY0" fmla="*/ 0 h 222240"/>
-                <a:gd name="connsiteX1" fmla="*/ 4702465 w 4702465"/>
-                <a:gd name="connsiteY1" fmla="*/ 0 h 222240"/>
-                <a:gd name="connsiteX2" fmla="*/ 4702465 w 4702465"/>
-                <a:gd name="connsiteY2" fmla="*/ 222240 h 222240"/>
-                <a:gd name="connsiteX3" fmla="*/ 0 w 4702465"/>
-                <a:gd name="connsiteY3" fmla="*/ 222240 h 222240"/>
-              </a:gdLst>
-              <a:ahLst/>
-              <a:cxnLst>
-                <a:cxn ang="0">
-                  <a:pos x="connsiteX0" y="connsiteY0"/>
-                </a:cxn>
-                <a:cxn ang="0">
-                  <a:pos x="connsiteX1" y="connsiteY1"/>
-                </a:cxn>
-                <a:cxn ang="0">
-                  <a:pos x="connsiteX2" y="connsiteY2"/>
-                </a:cxn>
-                <a:cxn ang="0">
-                  <a:pos x="connsiteX3" y="connsiteY3"/>
-                </a:cxn>
-              </a:cxnLst>
-              <a:rect l="l" t="t" r="r" b="b"/>
-              <a:pathLst>
-                <a:path w="4702465" h="222240">
-                  <a:moveTo>
-                    <a:pt x="137250" y="0"/>
-                  </a:moveTo>
-                  <a:lnTo>
-                    <a:pt x="4702465" y="0"/>
-                  </a:lnTo>
-                  <a:lnTo>
-                    <a:pt x="4702465" y="222240"/>
-                  </a:lnTo>
-                  <a:lnTo>
-                    <a:pt x="0" y="222240"/>
-                  </a:lnTo>
-                  <a:close/>
-                </a:path>
-              </a:pathLst>
-            </a:custGeom>
-            <a:solidFill>
-              <a:schemeClr val="bg1"/>
-            </a:solidFill>
-          </p:spPr>
-        </p:pic>
-        <p:pic>
-          <p:nvPicPr>
-            <p:cNvPr id="22" name="图片 21"/>
-            <p:cNvPicPr>
-              <a:picLocks noChangeAspect="true"/>
-            </p:cNvPicPr>
-            <p:nvPr/>
-          </p:nvPicPr>
-          <p:blipFill>
-            <a:blip r:embed="rId3">
-              <a:lum bright="70000" contrast="-70000"/>
-            </a:blip>
-            <a:srcRect l="4950"/>
-            <a:stretch>
-              <a:fillRect/>
-            </a:stretch>
-          </p:blipFill>
-          <p:spPr>
-            <a:xfrm rot="10800000">
-              <a:off x="-2" y="6759208"/>
-              <a:ext cx="6484035" cy="95234"/>
-            </a:xfrm>
-            <a:custGeom>
-              <a:avLst/>
-              <a:gdLst>
-                <a:gd name="connsiteX0" fmla="*/ 137250 w 4702465"/>
-                <a:gd name="connsiteY0" fmla="*/ 0 h 222240"/>
-                <a:gd name="connsiteX1" fmla="*/ 4702465 w 4702465"/>
-                <a:gd name="connsiteY1" fmla="*/ 0 h 222240"/>
-                <a:gd name="connsiteX2" fmla="*/ 4702465 w 4702465"/>
-                <a:gd name="connsiteY2" fmla="*/ 222240 h 222240"/>
-                <a:gd name="connsiteX3" fmla="*/ 0 w 4702465"/>
-                <a:gd name="connsiteY3" fmla="*/ 222240 h 222240"/>
-              </a:gdLst>
-              <a:ahLst/>
-              <a:cxnLst>
-                <a:cxn ang="0">
-                  <a:pos x="connsiteX0" y="connsiteY0"/>
-                </a:cxn>
-                <a:cxn ang="0">
-                  <a:pos x="connsiteX1" y="connsiteY1"/>
-                </a:cxn>
-                <a:cxn ang="0">
-                  <a:pos x="connsiteX2" y="connsiteY2"/>
-                </a:cxn>
-                <a:cxn ang="0">
-                  <a:pos x="connsiteX3" y="connsiteY3"/>
-                </a:cxn>
-              </a:cxnLst>
-              <a:rect l="l" t="t" r="r" b="b"/>
-              <a:pathLst>
-                <a:path w="4702465" h="222240">
-                  <a:moveTo>
-                    <a:pt x="137250" y="0"/>
-                  </a:moveTo>
-                  <a:lnTo>
-                    <a:pt x="4702465" y="0"/>
-                  </a:lnTo>
-                  <a:lnTo>
-                    <a:pt x="4702465" y="222240"/>
-                  </a:lnTo>
-                  <a:lnTo>
-                    <a:pt x="0" y="222240"/>
-                  </a:lnTo>
-                  <a:close/>
-                </a:path>
-              </a:pathLst>
-            </a:custGeom>
-            <a:solidFill>
-              <a:schemeClr val="bg1"/>
-            </a:solidFill>
-          </p:spPr>
-        </p:pic>
-        <p:pic>
-          <p:nvPicPr>
-            <p:cNvPr id="25" name="图片 24"/>
-            <p:cNvPicPr>
-              <a:picLocks noChangeAspect="true"/>
-            </p:cNvPicPr>
-            <p:nvPr/>
-          </p:nvPicPr>
-          <p:blipFill>
-            <a:blip r:embed="rId3">
-              <a:lum bright="70000" contrast="-70000"/>
-            </a:blip>
-            <a:srcRect l="4950" r="26116"/>
-            <a:stretch>
-              <a:fillRect/>
-            </a:stretch>
-          </p:blipFill>
-          <p:spPr>
-            <a:xfrm rot="10800000" flipH="true" flipV="true">
-              <a:off x="7489535" y="6759208"/>
-              <a:ext cx="4702465" cy="95234"/>
-            </a:xfrm>
-            <a:custGeom>
-              <a:avLst/>
-              <a:gdLst>
-                <a:gd name="connsiteX0" fmla="*/ 137250 w 4702465"/>
-                <a:gd name="connsiteY0" fmla="*/ 0 h 222240"/>
-                <a:gd name="connsiteX1" fmla="*/ 4702465 w 4702465"/>
-                <a:gd name="connsiteY1" fmla="*/ 0 h 222240"/>
-                <a:gd name="connsiteX2" fmla="*/ 4702465 w 4702465"/>
-                <a:gd name="connsiteY2" fmla="*/ 222240 h 222240"/>
-                <a:gd name="connsiteX3" fmla="*/ 0 w 4702465"/>
-                <a:gd name="connsiteY3" fmla="*/ 222240 h 222240"/>
-              </a:gdLst>
-              <a:ahLst/>
-              <a:cxnLst>
-                <a:cxn ang="0">
-                  <a:pos x="connsiteX0" y="connsiteY0"/>
-                </a:cxn>
-                <a:cxn ang="0">
-                  <a:pos x="connsiteX1" y="connsiteY1"/>
-                </a:cxn>
-                <a:cxn ang="0">
-                  <a:pos x="connsiteX2" y="connsiteY2"/>
-                </a:cxn>
-                <a:cxn ang="0">
-                  <a:pos x="connsiteX3" y="connsiteY3"/>
-                </a:cxn>
-              </a:cxnLst>
-              <a:rect l="l" t="t" r="r" b="b"/>
-              <a:pathLst>
-                <a:path w="4702465" h="222240">
-                  <a:moveTo>
-                    <a:pt x="137250" y="0"/>
-                  </a:moveTo>
-                  <a:lnTo>
-                    <a:pt x="4702465" y="0"/>
-                  </a:lnTo>
-                  <a:lnTo>
-                    <a:pt x="4702465" y="222240"/>
-                  </a:lnTo>
-                  <a:lnTo>
-                    <a:pt x="0" y="222240"/>
-                  </a:lnTo>
-                  <a:close/>
-                </a:path>
-              </a:pathLst>
-            </a:custGeom>
-            <a:solidFill>
-              <a:schemeClr val="bg1"/>
-            </a:solidFill>
-          </p:spPr>
-        </p:pic>
-      </p:grpSp>
-      <p:pic>
-        <p:nvPicPr>
-          <p:cNvPr id="12" name="图片 11"/>
-          <p:cNvPicPr>
-            <a:picLocks noChangeAspect="true"/>
-          </p:cNvPicPr>
-          <p:nvPr/>
-        </p:nvPicPr>
-        <p:blipFill>
-          <a:blip r:embed="rId3"/>
-          <a:stretch>
-            <a:fillRect/>
-          </a:stretch>
-        </p:blipFill>
-        <p:spPr>
-          <a:xfrm rot="10800000">
-            <a:off x="0" y="79375"/>
-            <a:ext cx="12192000" cy="638175"/>
-          </a:xfrm>
-          <a:prstGeom prst="rect">
-            <a:avLst/>
-          </a:prstGeom>
-          <a:solidFill>
-            <a:schemeClr val="bg1"/>
-          </a:solidFill>
-        </p:spPr>
-      </p:pic>
-      <p:sp>
-        <p:nvSpPr>
-          <p:cNvPr id="14" name="文本框 13"/>
-          <p:cNvSpPr txBox="true"/>
-          <p:nvPr/>
-        </p:nvSpPr>
-        <p:spPr>
-          <a:xfrm>
-            <a:off x="314325" y="137160"/>
-            <a:ext cx="7472045" cy="583565"/>
-          </a:xfrm>
-          <a:prstGeom prst="rect">
-            <a:avLst/>
-          </a:prstGeom>
-          <a:noFill/>
-        </p:spPr>
-        <p:txBody>
-          <a:bodyPr wrap="square" rtlCol="0">
-            <a:spAutoFit/>
-          </a:bodyPr>
-          <a:p>
-            <a:r>
-              <a:rPr lang="zh-CN" altLang="en-US" sz="3200" dirty="0">
-                <a:solidFill>
-                  <a:schemeClr val="bg1"/>
-                </a:solidFill>
-                <a:latin typeface="微软雅黑" panose="020B0503020204020204" charset="-122"/>
-                <a:ea typeface="微软雅黑" panose="020B0503020204020204" charset="-122"/>
-                <a:sym typeface="+mn-ea"/>
-              </a:rPr>
               <a:t>货币时间价值</a:t>
             </a:r>
             <a:endParaRPr lang="zh-CN" altLang="en-US" sz="3200" dirty="0">
@@ -26751,7 +25480,7 @@
 </p:sld>
 </file>
 
-<file path=ppt/slides/slide6.xml><?xml version="1.0" encoding="utf-8"?>
+<file path=ppt/slides/slide5.xml><?xml version="1.0" encoding="utf-8"?>
 <p:sld xmlns:a="http://schemas.openxmlformats.org/drawingml/2006/main" xmlns:r="http://schemas.openxmlformats.org/officeDocument/2006/relationships" xmlns:p="http://schemas.openxmlformats.org/presentationml/2006/main">
   <p:cSld>
     <p:spTree>
@@ -27287,7 +26016,7 @@
         <p:spPr>
           <a:xfrm>
             <a:off x="814705" y="3966210"/>
-            <a:ext cx="10561955" cy="1881505"/>
+            <a:ext cx="10561955" cy="2367280"/>
           </a:xfrm>
           <a:prstGeom prst="rect">
             <a:avLst/>
@@ -27436,6 +26165,128 @@
                 <a:cs typeface="微软雅黑" panose="020B0503020204020204" charset="-122"/>
               </a:rPr>
               <a:t>n 是期数</a:t>
+            </a:r>
+            <a:endParaRPr lang="zh-CN" altLang="en-US">
+              <a:solidFill>
+                <a:srgbClr val="00B0F0"/>
+              </a:solidFill>
+              <a:latin typeface="微软雅黑" panose="020B0503020204020204" charset="-122"/>
+              <a:ea typeface="微软雅黑" panose="020B0503020204020204" charset="-122"/>
+              <a:cs typeface="微软雅黑" panose="020B0503020204020204" charset="-122"/>
+            </a:endParaRPr>
+          </a:p>
+          <a:p>
+            <a:pPr marL="285750" indent="-285750" fontAlgn="auto">
+              <a:lnSpc>
+                <a:spcPct val="120000"/>
+              </a:lnSpc>
+              <a:spcBef>
+                <a:spcPts val="600"/>
+              </a:spcBef>
+              <a:spcAft>
+                <a:spcPts val="600"/>
+              </a:spcAft>
+              <a:buFont typeface="Arial" panose="020B0604020202020204" pitchFamily="34" charset="0"/>
+              <a:buChar char="•"/>
+            </a:pPr>
+            <a:r>
+              <a:rPr lang="zh-CN" altLang="en-US">
+                <a:solidFill>
+                  <a:srgbClr val="00B0F0"/>
+                </a:solidFill>
+                <a:latin typeface="微软雅黑" panose="020B0503020204020204" charset="-122"/>
+                <a:ea typeface="微软雅黑" panose="020B0503020204020204" charset="-122"/>
+                <a:cs typeface="微软雅黑" panose="020B0503020204020204" charset="-122"/>
+              </a:rPr>
+              <a:t>确保</a:t>
+            </a:r>
+            <a:r>
+              <a:rPr lang="en-US" altLang="zh-CN">
+                <a:solidFill>
+                  <a:srgbClr val="00B0F0"/>
+                </a:solidFill>
+                <a:latin typeface="微软雅黑" panose="020B0503020204020204" charset="-122"/>
+                <a:ea typeface="微软雅黑" panose="020B0503020204020204" charset="-122"/>
+                <a:cs typeface="微软雅黑" panose="020B0503020204020204" charset="-122"/>
+              </a:rPr>
+              <a:t>r</a:t>
+            </a:r>
+            <a:r>
+              <a:rPr lang="zh-CN" altLang="en-US">
+                <a:solidFill>
+                  <a:srgbClr val="00B0F0"/>
+                </a:solidFill>
+                <a:latin typeface="微软雅黑" panose="020B0503020204020204" charset="-122"/>
+                <a:ea typeface="微软雅黑" panose="020B0503020204020204" charset="-122"/>
+                <a:cs typeface="微软雅黑" panose="020B0503020204020204" charset="-122"/>
+              </a:rPr>
+              <a:t>和</a:t>
+            </a:r>
+            <a:r>
+              <a:rPr lang="en-US" altLang="zh-CN">
+                <a:solidFill>
+                  <a:srgbClr val="00B0F0"/>
+                </a:solidFill>
+                <a:latin typeface="微软雅黑" panose="020B0503020204020204" charset="-122"/>
+                <a:ea typeface="微软雅黑" panose="020B0503020204020204" charset="-122"/>
+                <a:cs typeface="微软雅黑" panose="020B0503020204020204" charset="-122"/>
+              </a:rPr>
+              <a:t>n</a:t>
+            </a:r>
+            <a:r>
+              <a:rPr lang="zh-CN" altLang="en-US">
+                <a:solidFill>
+                  <a:srgbClr val="00B0F0"/>
+                </a:solidFill>
+                <a:latin typeface="微软雅黑" panose="020B0503020204020204" charset="-122"/>
+                <a:ea typeface="微软雅黑" panose="020B0503020204020204" charset="-122"/>
+                <a:cs typeface="微软雅黑" panose="020B0503020204020204" charset="-122"/>
+              </a:rPr>
+              <a:t>的时间单位一致（月</a:t>
+            </a:r>
+            <a:r>
+              <a:rPr lang="en-US" altLang="zh-CN">
+                <a:solidFill>
+                  <a:srgbClr val="00B0F0"/>
+                </a:solidFill>
+                <a:latin typeface="微软雅黑" panose="020B0503020204020204" charset="-122"/>
+                <a:ea typeface="微软雅黑" panose="020B0503020204020204" charset="-122"/>
+                <a:cs typeface="微软雅黑" panose="020B0503020204020204" charset="-122"/>
+              </a:rPr>
+              <a:t>-</a:t>
+            </a:r>
+            <a:r>
+              <a:rPr lang="zh-CN" altLang="en-US">
+                <a:solidFill>
+                  <a:srgbClr val="00B0F0"/>
+                </a:solidFill>
+                <a:latin typeface="微软雅黑" panose="020B0503020204020204" charset="-122"/>
+                <a:ea typeface="微软雅黑" panose="020B0503020204020204" charset="-122"/>
+                <a:cs typeface="微软雅黑" panose="020B0503020204020204" charset="-122"/>
+              </a:rPr>
+              <a:t>月利率，年</a:t>
+            </a:r>
+            <a:r>
+              <a:rPr lang="en-US" altLang="zh-CN">
+                <a:solidFill>
+                  <a:srgbClr val="00B0F0"/>
+                </a:solidFill>
+                <a:latin typeface="微软雅黑" panose="020B0503020204020204" charset="-122"/>
+                <a:ea typeface="微软雅黑" panose="020B0503020204020204" charset="-122"/>
+                <a:cs typeface="微软雅黑" panose="020B0503020204020204" charset="-122"/>
+              </a:rPr>
+              <a:t>-</a:t>
+            </a:r>
+            <a:r>
+              <a:rPr lang="zh-CN" altLang="en-US">
+                <a:solidFill>
+                  <a:srgbClr val="00B0F0"/>
+                </a:solidFill>
+                <a:latin typeface="微软雅黑" panose="020B0503020204020204" charset="-122"/>
+                <a:ea typeface="微软雅黑" panose="020B0503020204020204" charset="-122"/>
+                <a:cs typeface="微软雅黑" panose="020B0503020204020204" charset="-122"/>
+              </a:rPr>
+              <a:t>年利率）</a:t>
             </a:r>
             <a:endParaRPr lang="zh-CN" altLang="en-US">
               <a:solidFill>
@@ -27642,7 +26493,7 @@
 </p:sld>
 </file>
 
-<file path=ppt/slides/slide7.xml><?xml version="1.0" encoding="utf-8"?>
+<file path=ppt/slides/slide6.xml><?xml version="1.0" encoding="utf-8"?>
 <p:sld xmlns:a="http://schemas.openxmlformats.org/drawingml/2006/main" xmlns:r="http://schemas.openxmlformats.org/officeDocument/2006/relationships" xmlns:p="http://schemas.openxmlformats.org/presentationml/2006/main">
   <p:cSld>
     <p:spTree>
@@ -28120,7 +26971,7 @@
 </p:sld>
 </file>
 
-<file path=ppt/slides/slide8.xml><?xml version="1.0" encoding="utf-8"?>
+<file path=ppt/slides/slide7.xml><?xml version="1.0" encoding="utf-8"?>
 <p:sld xmlns:a="http://schemas.openxmlformats.org/drawingml/2006/main" xmlns:r="http://schemas.openxmlformats.org/officeDocument/2006/relationships" xmlns:p="http://schemas.openxmlformats.org/presentationml/2006/main">
   <p:cSld>
     <p:spTree>
@@ -28598,7 +27449,7 @@
 </p:sld>
 </file>
 
-<file path=ppt/slides/slide9.xml><?xml version="1.0" encoding="utf-8"?>
+<file path=ppt/slides/slide8.xml><?xml version="1.0" encoding="utf-8"?>
 <p:sld xmlns:a="http://schemas.openxmlformats.org/drawingml/2006/main" xmlns:r="http://schemas.openxmlformats.org/officeDocument/2006/relationships" xmlns:p="http://schemas.openxmlformats.org/presentationml/2006/main">
   <p:cSld>
     <p:spTree>
@@ -29139,6 +27990,532 @@
           <a:xfrm>
             <a:off x="1714500" y="1714500"/>
             <a:ext cx="8762365" cy="5025390"/>
+          </a:xfrm>
+          <a:prstGeom prst="rect">
+            <a:avLst/>
+          </a:prstGeom>
+        </p:spPr>
+      </p:pic>
+    </p:spTree>
+  </p:cSld>
+  <p:clrMapOvr>
+    <a:masterClrMapping/>
+  </p:clrMapOvr>
+  <mc:AlternateContent xmlns:mc="http://schemas.openxmlformats.org/markup-compatibility/2006">
+    <mc:Choice xmlns:p14="http://schemas.microsoft.com/office/powerpoint/2010/main" Requires="p14">
+      <p:transition spd="slow" p14:dur="1250" advTm="0"/>
+    </mc:Choice>
+    <mc:Fallback>
+      <p:transition spd="slow" advTm="0"/>
+    </mc:Fallback>
+  </mc:AlternateContent>
+  <p:timing>
+    <p:tnLst>
+      <p:par>
+        <p:cTn id="1" dur="indefinite" restart="never" nodeType="tmRoot"/>
+      </p:par>
+    </p:tnLst>
+  </p:timing>
+</p:sld>
+</file>
+
+<file path=ppt/slides/slide9.xml><?xml version="1.0" encoding="utf-8"?>
+<p:sld xmlns:a="http://schemas.openxmlformats.org/drawingml/2006/main" xmlns:r="http://schemas.openxmlformats.org/officeDocument/2006/relationships" xmlns:p="http://schemas.openxmlformats.org/presentationml/2006/main">
+  <p:cSld>
+    <p:spTree>
+      <p:nvGrpSpPr>
+        <p:cNvPr id="1" name=""/>
+        <p:cNvGrpSpPr/>
+        <p:nvPr/>
+      </p:nvGrpSpPr>
+      <p:grpSpPr>
+        <a:xfrm>
+          <a:off x="0" y="0"/>
+          <a:ext cx="0" cy="0"/>
+          <a:chOff x="0" y="0"/>
+          <a:chExt cx="0" cy="0"/>
+        </a:xfrm>
+      </p:grpSpPr>
+      <p:grpSp>
+        <p:nvGrpSpPr>
+          <p:cNvPr id="18" name="组合 17"/>
+          <p:cNvGrpSpPr/>
+          <p:nvPr/>
+        </p:nvGrpSpPr>
+        <p:grpSpPr>
+          <a:xfrm>
+            <a:off x="-2" y="0"/>
+            <a:ext cx="12192002" cy="6858000"/>
+            <a:chOff x="-2" y="0"/>
+            <a:chExt cx="12192002" cy="6858000"/>
+          </a:xfrm>
+        </p:grpSpPr>
+        <p:pic>
+          <p:nvPicPr>
+            <p:cNvPr id="19" name="图片 18"/>
+            <p:cNvPicPr>
+              <a:picLocks noChangeAspect="true"/>
+            </p:cNvPicPr>
+            <p:nvPr/>
+          </p:nvPicPr>
+          <p:blipFill rotWithShape="true">
+            <a:blip r:embed="rId1" cstate="screen">
+              <a:extLst>
+                <a:ext uri="{BEBA8EAE-BF5A-486C-A8C5-ECC9F3942E4B}">
+                  <a14:imgProps xmlns:a14="http://schemas.microsoft.com/office/drawing/2010/main">
+                    <a14:imgLayer r:embed="rId2">
+                      <a14:imgEffect>
+                        <a14:brightnessContrast bright="9000"/>
+                      </a14:imgEffect>
+                    </a14:imgLayer>
+                  </a14:imgProps>
+                </a:ext>
+              </a:extLst>
+            </a:blip>
+            <a:srcRect/>
+            <a:stretch>
+              <a:fillRect/>
+            </a:stretch>
+          </p:blipFill>
+          <p:spPr>
+            <a:xfrm>
+              <a:off x="-1" y="0"/>
+              <a:ext cx="12192001" cy="6858000"/>
+            </a:xfrm>
+            <a:prstGeom prst="rect">
+              <a:avLst/>
+            </a:prstGeom>
+          </p:spPr>
+        </p:pic>
+        <p:pic>
+          <p:nvPicPr>
+            <p:cNvPr id="20" name="图片 19"/>
+            <p:cNvPicPr>
+              <a:picLocks noChangeAspect="true"/>
+            </p:cNvPicPr>
+            <p:nvPr/>
+          </p:nvPicPr>
+          <p:blipFill>
+            <a:blip r:embed="rId3">
+              <a:lum bright="70000" contrast="-70000"/>
+            </a:blip>
+            <a:srcRect l="4950"/>
+            <a:stretch>
+              <a:fillRect/>
+            </a:stretch>
+          </p:blipFill>
+          <p:spPr>
+            <a:xfrm>
+              <a:off x="5707965" y="2575"/>
+              <a:ext cx="6484035" cy="77036"/>
+            </a:xfrm>
+            <a:custGeom>
+              <a:avLst/>
+              <a:gdLst>
+                <a:gd name="connsiteX0" fmla="*/ 137250 w 4702465"/>
+                <a:gd name="connsiteY0" fmla="*/ 0 h 222240"/>
+                <a:gd name="connsiteX1" fmla="*/ 4702465 w 4702465"/>
+                <a:gd name="connsiteY1" fmla="*/ 0 h 222240"/>
+                <a:gd name="connsiteX2" fmla="*/ 4702465 w 4702465"/>
+                <a:gd name="connsiteY2" fmla="*/ 222240 h 222240"/>
+                <a:gd name="connsiteX3" fmla="*/ 0 w 4702465"/>
+                <a:gd name="connsiteY3" fmla="*/ 222240 h 222240"/>
+              </a:gdLst>
+              <a:ahLst/>
+              <a:cxnLst>
+                <a:cxn ang="0">
+                  <a:pos x="connsiteX0" y="connsiteY0"/>
+                </a:cxn>
+                <a:cxn ang="0">
+                  <a:pos x="connsiteX1" y="connsiteY1"/>
+                </a:cxn>
+                <a:cxn ang="0">
+                  <a:pos x="connsiteX2" y="connsiteY2"/>
+                </a:cxn>
+                <a:cxn ang="0">
+                  <a:pos x="connsiteX3" y="connsiteY3"/>
+                </a:cxn>
+              </a:cxnLst>
+              <a:rect l="l" t="t" r="r" b="b"/>
+              <a:pathLst>
+                <a:path w="4702465" h="222240">
+                  <a:moveTo>
+                    <a:pt x="137250" y="0"/>
+                  </a:moveTo>
+                  <a:lnTo>
+                    <a:pt x="4702465" y="0"/>
+                  </a:lnTo>
+                  <a:lnTo>
+                    <a:pt x="4702465" y="222240"/>
+                  </a:lnTo>
+                  <a:lnTo>
+                    <a:pt x="0" y="222240"/>
+                  </a:lnTo>
+                  <a:close/>
+                </a:path>
+              </a:pathLst>
+            </a:custGeom>
+            <a:solidFill>
+              <a:schemeClr val="bg1"/>
+            </a:solidFill>
+          </p:spPr>
+        </p:pic>
+        <p:pic>
+          <p:nvPicPr>
+            <p:cNvPr id="21" name="图片 20"/>
+            <p:cNvPicPr>
+              <a:picLocks noChangeAspect="true"/>
+            </p:cNvPicPr>
+            <p:nvPr/>
+          </p:nvPicPr>
+          <p:blipFill>
+            <a:blip r:embed="rId3">
+              <a:lum bright="70000" contrast="-70000"/>
+            </a:blip>
+            <a:srcRect l="4950" r="26116"/>
+            <a:stretch>
+              <a:fillRect/>
+            </a:stretch>
+          </p:blipFill>
+          <p:spPr>
+            <a:xfrm flipH="true" flipV="true">
+              <a:off x="-2" y="2575"/>
+              <a:ext cx="4702465" cy="77036"/>
+            </a:xfrm>
+            <a:custGeom>
+              <a:avLst/>
+              <a:gdLst>
+                <a:gd name="connsiteX0" fmla="*/ 137250 w 4702465"/>
+                <a:gd name="connsiteY0" fmla="*/ 0 h 222240"/>
+                <a:gd name="connsiteX1" fmla="*/ 4702465 w 4702465"/>
+                <a:gd name="connsiteY1" fmla="*/ 0 h 222240"/>
+                <a:gd name="connsiteX2" fmla="*/ 4702465 w 4702465"/>
+                <a:gd name="connsiteY2" fmla="*/ 222240 h 222240"/>
+                <a:gd name="connsiteX3" fmla="*/ 0 w 4702465"/>
+                <a:gd name="connsiteY3" fmla="*/ 222240 h 222240"/>
+              </a:gdLst>
+              <a:ahLst/>
+              <a:cxnLst>
+                <a:cxn ang="0">
+                  <a:pos x="connsiteX0" y="connsiteY0"/>
+                </a:cxn>
+                <a:cxn ang="0">
+                  <a:pos x="connsiteX1" y="connsiteY1"/>
+                </a:cxn>
+                <a:cxn ang="0">
+                  <a:pos x="connsiteX2" y="connsiteY2"/>
+                </a:cxn>
+                <a:cxn ang="0">
+                  <a:pos x="connsiteX3" y="connsiteY3"/>
+                </a:cxn>
+              </a:cxnLst>
+              <a:rect l="l" t="t" r="r" b="b"/>
+              <a:pathLst>
+                <a:path w="4702465" h="222240">
+                  <a:moveTo>
+                    <a:pt x="137250" y="0"/>
+                  </a:moveTo>
+                  <a:lnTo>
+                    <a:pt x="4702465" y="0"/>
+                  </a:lnTo>
+                  <a:lnTo>
+                    <a:pt x="4702465" y="222240"/>
+                  </a:lnTo>
+                  <a:lnTo>
+                    <a:pt x="0" y="222240"/>
+                  </a:lnTo>
+                  <a:close/>
+                </a:path>
+              </a:pathLst>
+            </a:custGeom>
+            <a:solidFill>
+              <a:schemeClr val="bg1"/>
+            </a:solidFill>
+          </p:spPr>
+        </p:pic>
+        <p:pic>
+          <p:nvPicPr>
+            <p:cNvPr id="22" name="图片 21"/>
+            <p:cNvPicPr>
+              <a:picLocks noChangeAspect="true"/>
+            </p:cNvPicPr>
+            <p:nvPr/>
+          </p:nvPicPr>
+          <p:blipFill>
+            <a:blip r:embed="rId3">
+              <a:lum bright="70000" contrast="-70000"/>
+            </a:blip>
+            <a:srcRect l="4950"/>
+            <a:stretch>
+              <a:fillRect/>
+            </a:stretch>
+          </p:blipFill>
+          <p:spPr>
+            <a:xfrm rot="10800000">
+              <a:off x="-2" y="6759208"/>
+              <a:ext cx="6484035" cy="95234"/>
+            </a:xfrm>
+            <a:custGeom>
+              <a:avLst/>
+              <a:gdLst>
+                <a:gd name="connsiteX0" fmla="*/ 137250 w 4702465"/>
+                <a:gd name="connsiteY0" fmla="*/ 0 h 222240"/>
+                <a:gd name="connsiteX1" fmla="*/ 4702465 w 4702465"/>
+                <a:gd name="connsiteY1" fmla="*/ 0 h 222240"/>
+                <a:gd name="connsiteX2" fmla="*/ 4702465 w 4702465"/>
+                <a:gd name="connsiteY2" fmla="*/ 222240 h 222240"/>
+                <a:gd name="connsiteX3" fmla="*/ 0 w 4702465"/>
+                <a:gd name="connsiteY3" fmla="*/ 222240 h 222240"/>
+              </a:gdLst>
+              <a:ahLst/>
+              <a:cxnLst>
+                <a:cxn ang="0">
+                  <a:pos x="connsiteX0" y="connsiteY0"/>
+                </a:cxn>
+                <a:cxn ang="0">
+                  <a:pos x="connsiteX1" y="connsiteY1"/>
+                </a:cxn>
+                <a:cxn ang="0">
+                  <a:pos x="connsiteX2" y="connsiteY2"/>
+                </a:cxn>
+                <a:cxn ang="0">
+                  <a:pos x="connsiteX3" y="connsiteY3"/>
+                </a:cxn>
+              </a:cxnLst>
+              <a:rect l="l" t="t" r="r" b="b"/>
+              <a:pathLst>
+                <a:path w="4702465" h="222240">
+                  <a:moveTo>
+                    <a:pt x="137250" y="0"/>
+                  </a:moveTo>
+                  <a:lnTo>
+                    <a:pt x="4702465" y="0"/>
+                  </a:lnTo>
+                  <a:lnTo>
+                    <a:pt x="4702465" y="222240"/>
+                  </a:lnTo>
+                  <a:lnTo>
+                    <a:pt x="0" y="222240"/>
+                  </a:lnTo>
+                  <a:close/>
+                </a:path>
+              </a:pathLst>
+            </a:custGeom>
+            <a:solidFill>
+              <a:schemeClr val="bg1"/>
+            </a:solidFill>
+          </p:spPr>
+        </p:pic>
+        <p:pic>
+          <p:nvPicPr>
+            <p:cNvPr id="25" name="图片 24"/>
+            <p:cNvPicPr>
+              <a:picLocks noChangeAspect="true"/>
+            </p:cNvPicPr>
+            <p:nvPr/>
+          </p:nvPicPr>
+          <p:blipFill>
+            <a:blip r:embed="rId3">
+              <a:lum bright="70000" contrast="-70000"/>
+            </a:blip>
+            <a:srcRect l="4950" r="26116"/>
+            <a:stretch>
+              <a:fillRect/>
+            </a:stretch>
+          </p:blipFill>
+          <p:spPr>
+            <a:xfrm rot="10800000" flipH="true" flipV="true">
+              <a:off x="7489535" y="6759208"/>
+              <a:ext cx="4702465" cy="95234"/>
+            </a:xfrm>
+            <a:custGeom>
+              <a:avLst/>
+              <a:gdLst>
+                <a:gd name="connsiteX0" fmla="*/ 137250 w 4702465"/>
+                <a:gd name="connsiteY0" fmla="*/ 0 h 222240"/>
+                <a:gd name="connsiteX1" fmla="*/ 4702465 w 4702465"/>
+                <a:gd name="connsiteY1" fmla="*/ 0 h 222240"/>
+                <a:gd name="connsiteX2" fmla="*/ 4702465 w 4702465"/>
+                <a:gd name="connsiteY2" fmla="*/ 222240 h 222240"/>
+                <a:gd name="connsiteX3" fmla="*/ 0 w 4702465"/>
+                <a:gd name="connsiteY3" fmla="*/ 222240 h 222240"/>
+              </a:gdLst>
+              <a:ahLst/>
+              <a:cxnLst>
+                <a:cxn ang="0">
+                  <a:pos x="connsiteX0" y="connsiteY0"/>
+                </a:cxn>
+                <a:cxn ang="0">
+                  <a:pos x="connsiteX1" y="connsiteY1"/>
+                </a:cxn>
+                <a:cxn ang="0">
+                  <a:pos x="connsiteX2" y="connsiteY2"/>
+                </a:cxn>
+                <a:cxn ang="0">
+                  <a:pos x="connsiteX3" y="connsiteY3"/>
+                </a:cxn>
+              </a:cxnLst>
+              <a:rect l="l" t="t" r="r" b="b"/>
+              <a:pathLst>
+                <a:path w="4702465" h="222240">
+                  <a:moveTo>
+                    <a:pt x="137250" y="0"/>
+                  </a:moveTo>
+                  <a:lnTo>
+                    <a:pt x="4702465" y="0"/>
+                  </a:lnTo>
+                  <a:lnTo>
+                    <a:pt x="4702465" y="222240"/>
+                  </a:lnTo>
+                  <a:lnTo>
+                    <a:pt x="0" y="222240"/>
+                  </a:lnTo>
+                  <a:close/>
+                </a:path>
+              </a:pathLst>
+            </a:custGeom>
+            <a:solidFill>
+              <a:schemeClr val="bg1"/>
+            </a:solidFill>
+          </p:spPr>
+        </p:pic>
+      </p:grpSp>
+      <p:pic>
+        <p:nvPicPr>
+          <p:cNvPr id="12" name="图片 11"/>
+          <p:cNvPicPr>
+            <a:picLocks noChangeAspect="true"/>
+          </p:cNvPicPr>
+          <p:nvPr/>
+        </p:nvPicPr>
+        <p:blipFill>
+          <a:blip r:embed="rId3"/>
+          <a:stretch>
+            <a:fillRect/>
+          </a:stretch>
+        </p:blipFill>
+        <p:spPr>
+          <a:xfrm rot="10800000">
+            <a:off x="0" y="79375"/>
+            <a:ext cx="12192000" cy="638175"/>
+          </a:xfrm>
+          <a:prstGeom prst="rect">
+            <a:avLst/>
+          </a:prstGeom>
+          <a:solidFill>
+            <a:schemeClr val="bg1"/>
+          </a:solidFill>
+        </p:spPr>
+      </p:pic>
+      <p:sp>
+        <p:nvSpPr>
+          <p:cNvPr id="14" name="文本框 13"/>
+          <p:cNvSpPr txBox="true"/>
+          <p:nvPr/>
+        </p:nvSpPr>
+        <p:spPr>
+          <a:xfrm>
+            <a:off x="314325" y="137160"/>
+            <a:ext cx="7472045" cy="583565"/>
+          </a:xfrm>
+          <a:prstGeom prst="rect">
+            <a:avLst/>
+          </a:prstGeom>
+          <a:noFill/>
+        </p:spPr>
+        <p:txBody>
+          <a:bodyPr wrap="square" rtlCol="0">
+            <a:spAutoFit/>
+          </a:bodyPr>
+          <a:p>
+            <a:r>
+              <a:rPr lang="zh-CN" altLang="en-US" sz="3200" dirty="0">
+                <a:solidFill>
+                  <a:schemeClr val="bg1"/>
+                </a:solidFill>
+                <a:latin typeface="微软雅黑" panose="020B0503020204020204" charset="-122"/>
+                <a:ea typeface="微软雅黑" panose="020B0503020204020204" charset="-122"/>
+                <a:sym typeface="+mn-ea"/>
+              </a:rPr>
+              <a:t>净现值</a:t>
+            </a:r>
+            <a:endParaRPr lang="zh-CN" altLang="en-US" sz="3200" dirty="0">
+              <a:solidFill>
+                <a:schemeClr val="bg1"/>
+              </a:solidFill>
+              <a:latin typeface="微软雅黑" panose="020B0503020204020204" charset="-122"/>
+              <a:ea typeface="微软雅黑" panose="020B0503020204020204" charset="-122"/>
+              <a:sym typeface="+mn-ea"/>
+            </a:endParaRPr>
+          </a:p>
+        </p:txBody>
+      </p:sp>
+      <p:sp>
+        <p:nvSpPr>
+          <p:cNvPr id="3" name="文本框 2"/>
+          <p:cNvSpPr txBox="true"/>
+          <p:nvPr/>
+        </p:nvSpPr>
+        <p:spPr>
+          <a:xfrm>
+            <a:off x="944880" y="826770"/>
+            <a:ext cx="3106420" cy="423545"/>
+          </a:xfrm>
+          <a:prstGeom prst="rect">
+            <a:avLst/>
+          </a:prstGeom>
+          <a:noFill/>
+        </p:spPr>
+        <p:txBody>
+          <a:bodyPr wrap="square" rtlCol="0">
+            <a:spAutoFit/>
+          </a:bodyPr>
+          <a:p>
+            <a:pPr fontAlgn="auto">
+              <a:lnSpc>
+                <a:spcPct val="120000"/>
+              </a:lnSpc>
+              <a:spcBef>
+                <a:spcPts val="600"/>
+              </a:spcBef>
+              <a:spcAft>
+                <a:spcPts val="600"/>
+              </a:spcAft>
+            </a:pPr>
+            <a:r>
+              <a:rPr lang="zh-CN" altLang="en-US">
+                <a:latin typeface="微软雅黑" panose="020B0503020204020204" charset="-122"/>
+                <a:ea typeface="微软雅黑" panose="020B0503020204020204" charset="-122"/>
+                <a:cs typeface="微软雅黑" panose="020B0503020204020204" charset="-122"/>
+              </a:rPr>
+              <a:t>你用的利率对结果有影响！</a:t>
+            </a:r>
+            <a:endParaRPr lang="zh-CN" altLang="en-US">
+              <a:latin typeface="微软雅黑" panose="020B0503020204020204" charset="-122"/>
+              <a:ea typeface="微软雅黑" panose="020B0503020204020204" charset="-122"/>
+              <a:cs typeface="微软雅黑" panose="020B0503020204020204" charset="-122"/>
+            </a:endParaRPr>
+          </a:p>
+        </p:txBody>
+      </p:sp>
+      <p:pic>
+        <p:nvPicPr>
+          <p:cNvPr id="2" name="图片 1"/>
+          <p:cNvPicPr>
+            <a:picLocks noChangeAspect="true"/>
+          </p:cNvPicPr>
+          <p:nvPr/>
+        </p:nvPicPr>
+        <p:blipFill>
+          <a:blip r:embed="rId4"/>
+          <a:stretch>
+            <a:fillRect/>
+          </a:stretch>
+        </p:blipFill>
+        <p:spPr>
+          <a:xfrm>
+            <a:off x="1965325" y="1356360"/>
+            <a:ext cx="8261350" cy="5198745"/>
           </a:xfrm>
           <a:prstGeom prst="rect">
             <a:avLst/>

--- a/files/slides/lecture_17.pptx
+++ b/files/slides/lecture_17.pptx
@@ -16347,7 +16347,7 @@
             </a:endParaRPr>
           </a:p>
           <a:p>
-            <a:pPr fontAlgn="auto">
+            <a:pPr algn="l" fontAlgn="auto">
               <a:lnSpc>
                 <a:spcPct val="120000"/>
               </a:lnSpc>
@@ -17609,7 +17609,26 @@
                 <a:ea typeface="微软雅黑" panose="020B0503020204020204" charset="-122"/>
                 <a:cs typeface="微软雅黑" panose="020B0503020204020204" charset="-122"/>
               </a:rPr>
-              <a:t>例如，某消费金融公司贷款，期限为 1 年，按月还款，共 12 期，本金为 10 万元。按照还款计划，借款人在借款当期一次性支付 1000 元服务费，并从借款后第一个月末起，每月等额偿还 8833.3 元，其中本金 100000/12=8333.3 元，分期费（按初始贷款本金的 0.5%计算）100000*0.5%=500 元。上述贷款以单利计算的综合年化利率约为 12.80%。以 IRR 方法计算的综合年化利率约为13.58%，计算过程为：</a:t>
+              <a:t>例如，某消费金融公司贷款，期限为 1 年，按月还款，共 12 期，本金为 10 万元。按照还款计划，借款人在借款当期一次性支付 1000 元服务费，并从借款后第一个月末起，每月等额偿还 8833.3 元，其中本金 100000/12=8333.3 元，分期费（按初始贷款本金的 0.5%计算）100000*0.5%=500 元。</a:t>
+            </a:r>
+            <a:r>
+              <a:rPr lang="zh-CN" altLang="en-US">
+                <a:solidFill>
+                  <a:schemeClr val="bg1"/>
+                </a:solidFill>
+                <a:latin typeface="微软雅黑" panose="020B0503020204020204" charset="-122"/>
+                <a:ea typeface="微软雅黑" panose="020B0503020204020204" charset="-122"/>
+                <a:cs typeface="微软雅黑" panose="020B0503020204020204" charset="-122"/>
+              </a:rPr>
+              <a:t>上述贷款以单利计算的综合年化利率约为 12.80%</a:t>
+            </a:r>
+            <a:r>
+              <a:rPr lang="zh-CN" altLang="en-US">
+                <a:latin typeface="微软雅黑" panose="020B0503020204020204" charset="-122"/>
+                <a:ea typeface="微软雅黑" panose="020B0503020204020204" charset="-122"/>
+                <a:cs typeface="微软雅黑" panose="020B0503020204020204" charset="-122"/>
+              </a:rPr>
+              <a:t>。以 IRR 方法计算的综合年化利率约为13.58%，计算过程为：</a:t>
             </a:r>
             <a:endParaRPr lang="zh-CN" altLang="en-US">
               <a:latin typeface="微软雅黑" panose="020B0503020204020204" charset="-122"/>
